--- a/Thesis/figures/grid_blocks.pptx
+++ b/Thesis/figures/grid_blocks.pptx
@@ -8,6 +8,7 @@
     <p:sldId id="256" r:id="rId2"/>
     <p:sldId id="257" r:id="rId3"/>
     <p:sldId id="258" r:id="rId4"/>
+    <p:sldId id="259" r:id="rId5"/>
   </p:sldIdLst>
   <p:sldSz cx="12192000" cy="6858000"/>
   <p:notesSz cx="6858000" cy="9144000"/>
@@ -106,13 +107,18 @@
       </a:defRPr>
     </a:lvl9pPr>
   </p:defaultTextStyle>
+  <p:extLst>
+    <p:ext uri="{EFAFB233-063F-42B5-8137-9DF3F51BA10A}">
+      <p15:sldGuideLst xmlns:p15="http://schemas.microsoft.com/office/powerpoint/2012/main"/>
+    </p:ext>
+  </p:extLst>
 </p:presentation>
 </file>
 
 <file path=ppt/revisionInfo.xml><?xml version="1.0" encoding="utf-8"?>
 <p1510:revInfo xmlns:a="http://schemas.openxmlformats.org/drawingml/2006/main" xmlns:r="http://schemas.openxmlformats.org/officeDocument/2006/relationships" xmlns:p1510="http://schemas.microsoft.com/office/powerpoint/2015/10/main">
   <p1510:revLst>
-    <p1510:client id="{369310CF-57D7-4441-8311-3A69967986C3}" v="48" dt="2022-04-01T16:16:36.111"/>
+    <p1510:client id="{369310CF-57D7-4441-8311-3A69967986C3}" v="77" dt="2022-04-04T14:17:55.237"/>
   </p1510:revLst>
 </p1510:revInfo>
 </file>
@@ -122,7 +128,7 @@
   <pc:docChgLst>
     <pc:chgData name="Jacob Lie" userId="bdcf7bb32438130b" providerId="LiveId" clId="{369310CF-57D7-4441-8311-3A69967986C3}"/>
     <pc:docChg chg="undo custSel addSld delSld modSld">
-      <pc:chgData name="Jacob Lie" userId="bdcf7bb32438130b" providerId="LiveId" clId="{369310CF-57D7-4441-8311-3A69967986C3}" dt="2022-04-01T16:16:41.024" v="729" actId="1076"/>
+      <pc:chgData name="Jacob Lie" userId="bdcf7bb32438130b" providerId="LiveId" clId="{369310CF-57D7-4441-8311-3A69967986C3}" dt="2022-04-04T14:17:59.551" v="879" actId="1076"/>
       <pc:docMkLst>
         <pc:docMk/>
       </pc:docMkLst>
@@ -2137,6 +2143,957 @@
             <ac:picMk id="3" creationId="{800DAFE8-7DBA-4808-B1FD-1E11CCE382E9}"/>
           </ac:picMkLst>
         </pc:picChg>
+      </pc:sldChg>
+      <pc:sldChg chg="addSp delSp modSp new mod">
+        <pc:chgData name="Jacob Lie" userId="bdcf7bb32438130b" providerId="LiveId" clId="{369310CF-57D7-4441-8311-3A69967986C3}" dt="2022-04-04T14:17:59.551" v="879" actId="1076"/>
+        <pc:sldMkLst>
+          <pc:docMk/>
+          <pc:sldMk cId="4263777165" sldId="259"/>
+        </pc:sldMkLst>
+        <pc:spChg chg="add mod">
+          <ac:chgData name="Jacob Lie" userId="bdcf7bb32438130b" providerId="LiveId" clId="{369310CF-57D7-4441-8311-3A69967986C3}" dt="2022-04-04T14:13:07.721" v="791" actId="1076"/>
+          <ac:spMkLst>
+            <pc:docMk/>
+            <pc:sldMk cId="4263777165" sldId="259"/>
+            <ac:spMk id="2" creationId="{CBBE2A44-7B52-4D0B-8561-801EFA5CA329}"/>
+          </ac:spMkLst>
+        </pc:spChg>
+        <pc:spChg chg="add mod">
+          <ac:chgData name="Jacob Lie" userId="bdcf7bb32438130b" providerId="LiveId" clId="{369310CF-57D7-4441-8311-3A69967986C3}" dt="2022-04-04T14:13:07.721" v="791" actId="1076"/>
+          <ac:spMkLst>
+            <pc:docMk/>
+            <pc:sldMk cId="4263777165" sldId="259"/>
+            <ac:spMk id="3" creationId="{5570959F-9616-48C5-A891-902F97D86EBA}"/>
+          </ac:spMkLst>
+        </pc:spChg>
+        <pc:spChg chg="add mod">
+          <ac:chgData name="Jacob Lie" userId="bdcf7bb32438130b" providerId="LiveId" clId="{369310CF-57D7-4441-8311-3A69967986C3}" dt="2022-04-04T14:13:07.721" v="791" actId="1076"/>
+          <ac:spMkLst>
+            <pc:docMk/>
+            <pc:sldMk cId="4263777165" sldId="259"/>
+            <ac:spMk id="4" creationId="{3D18F0AC-60C0-4B53-9866-2AA64B39C7F2}"/>
+          </ac:spMkLst>
+        </pc:spChg>
+        <pc:spChg chg="add mod">
+          <ac:chgData name="Jacob Lie" userId="bdcf7bb32438130b" providerId="LiveId" clId="{369310CF-57D7-4441-8311-3A69967986C3}" dt="2022-04-04T14:13:07.721" v="791" actId="1076"/>
+          <ac:spMkLst>
+            <pc:docMk/>
+            <pc:sldMk cId="4263777165" sldId="259"/>
+            <ac:spMk id="5" creationId="{6B49AF11-2390-4519-A84C-60591285CEB0}"/>
+          </ac:spMkLst>
+        </pc:spChg>
+        <pc:spChg chg="add mod">
+          <ac:chgData name="Jacob Lie" userId="bdcf7bb32438130b" providerId="LiveId" clId="{369310CF-57D7-4441-8311-3A69967986C3}" dt="2022-04-04T14:13:07.721" v="791" actId="1076"/>
+          <ac:spMkLst>
+            <pc:docMk/>
+            <pc:sldMk cId="4263777165" sldId="259"/>
+            <ac:spMk id="6" creationId="{6BEE5668-3A31-4F1D-BC55-D61BB7216C48}"/>
+          </ac:spMkLst>
+        </pc:spChg>
+        <pc:spChg chg="add mod">
+          <ac:chgData name="Jacob Lie" userId="bdcf7bb32438130b" providerId="LiveId" clId="{369310CF-57D7-4441-8311-3A69967986C3}" dt="2022-04-04T14:13:07.721" v="791" actId="1076"/>
+          <ac:spMkLst>
+            <pc:docMk/>
+            <pc:sldMk cId="4263777165" sldId="259"/>
+            <ac:spMk id="7" creationId="{33968DF6-94BE-4ECF-BAA2-BCA0ADC98E87}"/>
+          </ac:spMkLst>
+        </pc:spChg>
+        <pc:spChg chg="add mod">
+          <ac:chgData name="Jacob Lie" userId="bdcf7bb32438130b" providerId="LiveId" clId="{369310CF-57D7-4441-8311-3A69967986C3}" dt="2022-04-04T14:13:07.721" v="791" actId="1076"/>
+          <ac:spMkLst>
+            <pc:docMk/>
+            <pc:sldMk cId="4263777165" sldId="259"/>
+            <ac:spMk id="8" creationId="{EE1E9801-A656-451D-8677-60A62C8A34AB}"/>
+          </ac:spMkLst>
+        </pc:spChg>
+        <pc:spChg chg="add mod">
+          <ac:chgData name="Jacob Lie" userId="bdcf7bb32438130b" providerId="LiveId" clId="{369310CF-57D7-4441-8311-3A69967986C3}" dt="2022-04-04T14:13:07.721" v="791" actId="1076"/>
+          <ac:spMkLst>
+            <pc:docMk/>
+            <pc:sldMk cId="4263777165" sldId="259"/>
+            <ac:spMk id="9" creationId="{DF8B201E-451F-455F-8325-8D5E9EB355AD}"/>
+          </ac:spMkLst>
+        </pc:spChg>
+        <pc:spChg chg="add mod">
+          <ac:chgData name="Jacob Lie" userId="bdcf7bb32438130b" providerId="LiveId" clId="{369310CF-57D7-4441-8311-3A69967986C3}" dt="2022-04-04T14:13:07.721" v="791" actId="1076"/>
+          <ac:spMkLst>
+            <pc:docMk/>
+            <pc:sldMk cId="4263777165" sldId="259"/>
+            <ac:spMk id="10" creationId="{EC62D712-C53E-4712-8826-74291519EDB4}"/>
+          </ac:spMkLst>
+        </pc:spChg>
+        <pc:spChg chg="add mod">
+          <ac:chgData name="Jacob Lie" userId="bdcf7bb32438130b" providerId="LiveId" clId="{369310CF-57D7-4441-8311-3A69967986C3}" dt="2022-04-04T14:13:07.721" v="791" actId="1076"/>
+          <ac:spMkLst>
+            <pc:docMk/>
+            <pc:sldMk cId="4263777165" sldId="259"/>
+            <ac:spMk id="11" creationId="{AAD795CB-B82B-41FE-92AF-639B5D7CCCFF}"/>
+          </ac:spMkLst>
+        </pc:spChg>
+        <pc:spChg chg="add mod">
+          <ac:chgData name="Jacob Lie" userId="bdcf7bb32438130b" providerId="LiveId" clId="{369310CF-57D7-4441-8311-3A69967986C3}" dt="2022-04-04T14:13:07.721" v="791" actId="1076"/>
+          <ac:spMkLst>
+            <pc:docMk/>
+            <pc:sldMk cId="4263777165" sldId="259"/>
+            <ac:spMk id="12" creationId="{3203177D-8895-4584-8231-24FADA2A9BDA}"/>
+          </ac:spMkLst>
+        </pc:spChg>
+        <pc:spChg chg="add mod">
+          <ac:chgData name="Jacob Lie" userId="bdcf7bb32438130b" providerId="LiveId" clId="{369310CF-57D7-4441-8311-3A69967986C3}" dt="2022-04-04T14:13:07.721" v="791" actId="1076"/>
+          <ac:spMkLst>
+            <pc:docMk/>
+            <pc:sldMk cId="4263777165" sldId="259"/>
+            <ac:spMk id="13" creationId="{33FC349A-53E7-4619-B390-7F00E42478E3}"/>
+          </ac:spMkLst>
+        </pc:spChg>
+        <pc:spChg chg="add mod">
+          <ac:chgData name="Jacob Lie" userId="bdcf7bb32438130b" providerId="LiveId" clId="{369310CF-57D7-4441-8311-3A69967986C3}" dt="2022-04-04T14:13:07.721" v="791" actId="1076"/>
+          <ac:spMkLst>
+            <pc:docMk/>
+            <pc:sldMk cId="4263777165" sldId="259"/>
+            <ac:spMk id="14" creationId="{0691546A-F7AD-4A89-9A92-D34D23486ACA}"/>
+          </ac:spMkLst>
+        </pc:spChg>
+        <pc:spChg chg="add mod">
+          <ac:chgData name="Jacob Lie" userId="bdcf7bb32438130b" providerId="LiveId" clId="{369310CF-57D7-4441-8311-3A69967986C3}" dt="2022-04-04T14:13:07.721" v="791" actId="1076"/>
+          <ac:spMkLst>
+            <pc:docMk/>
+            <pc:sldMk cId="4263777165" sldId="259"/>
+            <ac:spMk id="16" creationId="{B1E5BFC5-FCB5-45D2-A35B-A878C3824F81}"/>
+          </ac:spMkLst>
+        </pc:spChg>
+        <pc:spChg chg="add mod">
+          <ac:chgData name="Jacob Lie" userId="bdcf7bb32438130b" providerId="LiveId" clId="{369310CF-57D7-4441-8311-3A69967986C3}" dt="2022-04-04T14:13:07.721" v="791" actId="1076"/>
+          <ac:spMkLst>
+            <pc:docMk/>
+            <pc:sldMk cId="4263777165" sldId="259"/>
+            <ac:spMk id="17" creationId="{7A181426-4A16-4E13-A7A7-25D001780214}"/>
+          </ac:spMkLst>
+        </pc:spChg>
+        <pc:spChg chg="add mod ord">
+          <ac:chgData name="Jacob Lie" userId="bdcf7bb32438130b" providerId="LiveId" clId="{369310CF-57D7-4441-8311-3A69967986C3}" dt="2022-04-04T14:13:07.721" v="791" actId="1076"/>
+          <ac:spMkLst>
+            <pc:docMk/>
+            <pc:sldMk cId="4263777165" sldId="259"/>
+            <ac:spMk id="63" creationId="{B6750558-D149-488D-8E20-D919A7D7C358}"/>
+          </ac:spMkLst>
+        </pc:spChg>
+        <pc:spChg chg="add mod">
+          <ac:chgData name="Jacob Lie" userId="bdcf7bb32438130b" providerId="LiveId" clId="{369310CF-57D7-4441-8311-3A69967986C3}" dt="2022-04-04T14:13:21.961" v="793" actId="1076"/>
+          <ac:spMkLst>
+            <pc:docMk/>
+            <pc:sldMk cId="4263777165" sldId="259"/>
+            <ac:spMk id="64" creationId="{607FE516-BD80-4845-9182-12B69ED1F7C1}"/>
+          </ac:spMkLst>
+        </pc:spChg>
+        <pc:spChg chg="add mod">
+          <ac:chgData name="Jacob Lie" userId="bdcf7bb32438130b" providerId="LiveId" clId="{369310CF-57D7-4441-8311-3A69967986C3}" dt="2022-04-04T14:13:21.961" v="793" actId="1076"/>
+          <ac:spMkLst>
+            <pc:docMk/>
+            <pc:sldMk cId="4263777165" sldId="259"/>
+            <ac:spMk id="65" creationId="{283CE15D-9326-49F4-8827-C6F50D39625B}"/>
+          </ac:spMkLst>
+        </pc:spChg>
+        <pc:spChg chg="add mod">
+          <ac:chgData name="Jacob Lie" userId="bdcf7bb32438130b" providerId="LiveId" clId="{369310CF-57D7-4441-8311-3A69967986C3}" dt="2022-04-04T14:13:21.961" v="793" actId="1076"/>
+          <ac:spMkLst>
+            <pc:docMk/>
+            <pc:sldMk cId="4263777165" sldId="259"/>
+            <ac:spMk id="66" creationId="{23A0709C-04E6-42A3-B526-6D63BB6A204A}"/>
+          </ac:spMkLst>
+        </pc:spChg>
+        <pc:spChg chg="add mod">
+          <ac:chgData name="Jacob Lie" userId="bdcf7bb32438130b" providerId="LiveId" clId="{369310CF-57D7-4441-8311-3A69967986C3}" dt="2022-04-04T14:13:21.961" v="793" actId="1076"/>
+          <ac:spMkLst>
+            <pc:docMk/>
+            <pc:sldMk cId="4263777165" sldId="259"/>
+            <ac:spMk id="67" creationId="{6EBA2593-D2E8-480A-84B8-025D5DAB2295}"/>
+          </ac:spMkLst>
+        </pc:spChg>
+        <pc:spChg chg="add mod">
+          <ac:chgData name="Jacob Lie" userId="bdcf7bb32438130b" providerId="LiveId" clId="{369310CF-57D7-4441-8311-3A69967986C3}" dt="2022-04-04T14:13:21.961" v="793" actId="1076"/>
+          <ac:spMkLst>
+            <pc:docMk/>
+            <pc:sldMk cId="4263777165" sldId="259"/>
+            <ac:spMk id="68" creationId="{9772B86C-B0C7-4525-90E1-07FE581631BB}"/>
+          </ac:spMkLst>
+        </pc:spChg>
+        <pc:spChg chg="add mod">
+          <ac:chgData name="Jacob Lie" userId="bdcf7bb32438130b" providerId="LiveId" clId="{369310CF-57D7-4441-8311-3A69967986C3}" dt="2022-04-04T14:13:21.961" v="793" actId="1076"/>
+          <ac:spMkLst>
+            <pc:docMk/>
+            <pc:sldMk cId="4263777165" sldId="259"/>
+            <ac:spMk id="69" creationId="{6383F89D-D9DC-4962-A654-453F98895713}"/>
+          </ac:spMkLst>
+        </pc:spChg>
+        <pc:spChg chg="add mod">
+          <ac:chgData name="Jacob Lie" userId="bdcf7bb32438130b" providerId="LiveId" clId="{369310CF-57D7-4441-8311-3A69967986C3}" dt="2022-04-04T14:13:21.961" v="793" actId="1076"/>
+          <ac:spMkLst>
+            <pc:docMk/>
+            <pc:sldMk cId="4263777165" sldId="259"/>
+            <ac:spMk id="70" creationId="{0DA29F00-C52E-4C3D-B50C-B70C05D17DDE}"/>
+          </ac:spMkLst>
+        </pc:spChg>
+        <pc:spChg chg="add mod">
+          <ac:chgData name="Jacob Lie" userId="bdcf7bb32438130b" providerId="LiveId" clId="{369310CF-57D7-4441-8311-3A69967986C3}" dt="2022-04-04T14:13:21.961" v="793" actId="1076"/>
+          <ac:spMkLst>
+            <pc:docMk/>
+            <pc:sldMk cId="4263777165" sldId="259"/>
+            <ac:spMk id="71" creationId="{1A6A2E66-4979-40A0-B6B8-9B753498F067}"/>
+          </ac:spMkLst>
+        </pc:spChg>
+        <pc:spChg chg="add mod">
+          <ac:chgData name="Jacob Lie" userId="bdcf7bb32438130b" providerId="LiveId" clId="{369310CF-57D7-4441-8311-3A69967986C3}" dt="2022-04-04T14:13:21.961" v="793" actId="1076"/>
+          <ac:spMkLst>
+            <pc:docMk/>
+            <pc:sldMk cId="4263777165" sldId="259"/>
+            <ac:spMk id="72" creationId="{4B2FC1E4-7FE7-43FC-9DC0-9DA916F5B181}"/>
+          </ac:spMkLst>
+        </pc:spChg>
+        <pc:spChg chg="add mod">
+          <ac:chgData name="Jacob Lie" userId="bdcf7bb32438130b" providerId="LiveId" clId="{369310CF-57D7-4441-8311-3A69967986C3}" dt="2022-04-04T14:13:21.961" v="793" actId="1076"/>
+          <ac:spMkLst>
+            <pc:docMk/>
+            <pc:sldMk cId="4263777165" sldId="259"/>
+            <ac:spMk id="73" creationId="{0C695AD2-A21A-4B72-A97D-5D143DAB432F}"/>
+          </ac:spMkLst>
+        </pc:spChg>
+        <pc:spChg chg="add mod">
+          <ac:chgData name="Jacob Lie" userId="bdcf7bb32438130b" providerId="LiveId" clId="{369310CF-57D7-4441-8311-3A69967986C3}" dt="2022-04-04T14:13:21.961" v="793" actId="1076"/>
+          <ac:spMkLst>
+            <pc:docMk/>
+            <pc:sldMk cId="4263777165" sldId="259"/>
+            <ac:spMk id="74" creationId="{7EEBA86C-6C52-4584-A222-473273EAB25D}"/>
+          </ac:spMkLst>
+        </pc:spChg>
+        <pc:spChg chg="add mod">
+          <ac:chgData name="Jacob Lie" userId="bdcf7bb32438130b" providerId="LiveId" clId="{369310CF-57D7-4441-8311-3A69967986C3}" dt="2022-04-04T14:13:21.961" v="793" actId="1076"/>
+          <ac:spMkLst>
+            <pc:docMk/>
+            <pc:sldMk cId="4263777165" sldId="259"/>
+            <ac:spMk id="75" creationId="{74FE1413-A75F-4038-8BB2-AE10A483B2EB}"/>
+          </ac:spMkLst>
+        </pc:spChg>
+        <pc:spChg chg="add mod">
+          <ac:chgData name="Jacob Lie" userId="bdcf7bb32438130b" providerId="LiveId" clId="{369310CF-57D7-4441-8311-3A69967986C3}" dt="2022-04-04T14:13:21.961" v="793" actId="1076"/>
+          <ac:spMkLst>
+            <pc:docMk/>
+            <pc:sldMk cId="4263777165" sldId="259"/>
+            <ac:spMk id="76" creationId="{A019B92B-E64B-4B04-9CB9-18935F6B5F8D}"/>
+          </ac:spMkLst>
+        </pc:spChg>
+        <pc:spChg chg="add mod">
+          <ac:chgData name="Jacob Lie" userId="bdcf7bb32438130b" providerId="LiveId" clId="{369310CF-57D7-4441-8311-3A69967986C3}" dt="2022-04-04T14:13:21.961" v="793" actId="1076"/>
+          <ac:spMkLst>
+            <pc:docMk/>
+            <pc:sldMk cId="4263777165" sldId="259"/>
+            <ac:spMk id="77" creationId="{60F982D6-F13E-4260-A3B6-EA9B697FB6DA}"/>
+          </ac:spMkLst>
+        </pc:spChg>
+        <pc:spChg chg="add mod">
+          <ac:chgData name="Jacob Lie" userId="bdcf7bb32438130b" providerId="LiveId" clId="{369310CF-57D7-4441-8311-3A69967986C3}" dt="2022-04-04T14:13:21.961" v="793" actId="1076"/>
+          <ac:spMkLst>
+            <pc:docMk/>
+            <pc:sldMk cId="4263777165" sldId="259"/>
+            <ac:spMk id="78" creationId="{4CB16C34-73B2-4045-AB31-3A7BC9E1724C}"/>
+          </ac:spMkLst>
+        </pc:spChg>
+        <pc:spChg chg="add mod">
+          <ac:chgData name="Jacob Lie" userId="bdcf7bb32438130b" providerId="LiveId" clId="{369310CF-57D7-4441-8311-3A69967986C3}" dt="2022-04-04T14:13:21.961" v="793" actId="1076"/>
+          <ac:spMkLst>
+            <pc:docMk/>
+            <pc:sldMk cId="4263777165" sldId="259"/>
+            <ac:spMk id="79" creationId="{FA2834DE-041F-49AB-BA6D-FE82C5EE525B}"/>
+          </ac:spMkLst>
+        </pc:spChg>
+        <pc:spChg chg="add mod">
+          <ac:chgData name="Jacob Lie" userId="bdcf7bb32438130b" providerId="LiveId" clId="{369310CF-57D7-4441-8311-3A69967986C3}" dt="2022-04-04T14:13:21.961" v="793" actId="1076"/>
+          <ac:spMkLst>
+            <pc:docMk/>
+            <pc:sldMk cId="4263777165" sldId="259"/>
+            <ac:spMk id="80" creationId="{B6E1F763-0904-4C02-9DA6-DEE6E1299527}"/>
+          </ac:spMkLst>
+        </pc:spChg>
+        <pc:spChg chg="add mod">
+          <ac:chgData name="Jacob Lie" userId="bdcf7bb32438130b" providerId="LiveId" clId="{369310CF-57D7-4441-8311-3A69967986C3}" dt="2022-04-04T14:13:21.961" v="793" actId="1076"/>
+          <ac:spMkLst>
+            <pc:docMk/>
+            <pc:sldMk cId="4263777165" sldId="259"/>
+            <ac:spMk id="81" creationId="{82A36234-619A-49B2-A376-F76E6A666F14}"/>
+          </ac:spMkLst>
+        </pc:spChg>
+        <pc:spChg chg="add mod">
+          <ac:chgData name="Jacob Lie" userId="bdcf7bb32438130b" providerId="LiveId" clId="{369310CF-57D7-4441-8311-3A69967986C3}" dt="2022-04-04T14:13:21.961" v="793" actId="1076"/>
+          <ac:spMkLst>
+            <pc:docMk/>
+            <pc:sldMk cId="4263777165" sldId="259"/>
+            <ac:spMk id="82" creationId="{60F23E86-469B-4646-930D-DE660A94C49A}"/>
+          </ac:spMkLst>
+        </pc:spChg>
+        <pc:spChg chg="add mod">
+          <ac:chgData name="Jacob Lie" userId="bdcf7bb32438130b" providerId="LiveId" clId="{369310CF-57D7-4441-8311-3A69967986C3}" dt="2022-04-04T14:13:21.961" v="793" actId="1076"/>
+          <ac:spMkLst>
+            <pc:docMk/>
+            <pc:sldMk cId="4263777165" sldId="259"/>
+            <ac:spMk id="83" creationId="{7BDC5495-6B4C-4E8A-B5FA-119FDA8FFF5F}"/>
+          </ac:spMkLst>
+        </pc:spChg>
+        <pc:spChg chg="add mod">
+          <ac:chgData name="Jacob Lie" userId="bdcf7bb32438130b" providerId="LiveId" clId="{369310CF-57D7-4441-8311-3A69967986C3}" dt="2022-04-04T14:13:21.961" v="793" actId="1076"/>
+          <ac:spMkLst>
+            <pc:docMk/>
+            <pc:sldMk cId="4263777165" sldId="259"/>
+            <ac:spMk id="84" creationId="{62B9894C-518E-4976-BD14-27B25F5D147E}"/>
+          </ac:spMkLst>
+        </pc:spChg>
+        <pc:spChg chg="add mod">
+          <ac:chgData name="Jacob Lie" userId="bdcf7bb32438130b" providerId="LiveId" clId="{369310CF-57D7-4441-8311-3A69967986C3}" dt="2022-04-04T14:13:21.961" v="793" actId="1076"/>
+          <ac:spMkLst>
+            <pc:docMk/>
+            <pc:sldMk cId="4263777165" sldId="259"/>
+            <ac:spMk id="85" creationId="{F050DF7E-D137-4DC4-9351-82C9576C070A}"/>
+          </ac:spMkLst>
+        </pc:spChg>
+        <pc:spChg chg="add mod">
+          <ac:chgData name="Jacob Lie" userId="bdcf7bb32438130b" providerId="LiveId" clId="{369310CF-57D7-4441-8311-3A69967986C3}" dt="2022-04-04T14:13:21.961" v="793" actId="1076"/>
+          <ac:spMkLst>
+            <pc:docMk/>
+            <pc:sldMk cId="4263777165" sldId="259"/>
+            <ac:spMk id="86" creationId="{8BC3153F-8FAE-45CA-99B6-5A513724A10C}"/>
+          </ac:spMkLst>
+        </pc:spChg>
+        <pc:spChg chg="add mod">
+          <ac:chgData name="Jacob Lie" userId="bdcf7bb32438130b" providerId="LiveId" clId="{369310CF-57D7-4441-8311-3A69967986C3}" dt="2022-04-04T14:13:21.961" v="793" actId="1076"/>
+          <ac:spMkLst>
+            <pc:docMk/>
+            <pc:sldMk cId="4263777165" sldId="259"/>
+            <ac:spMk id="87" creationId="{52E048D2-567D-4E7B-965D-8D06DE15369F}"/>
+          </ac:spMkLst>
+        </pc:spChg>
+        <pc:spChg chg="add mod">
+          <ac:chgData name="Jacob Lie" userId="bdcf7bb32438130b" providerId="LiveId" clId="{369310CF-57D7-4441-8311-3A69967986C3}" dt="2022-04-04T14:13:21.961" v="793" actId="1076"/>
+          <ac:spMkLst>
+            <pc:docMk/>
+            <pc:sldMk cId="4263777165" sldId="259"/>
+            <ac:spMk id="88" creationId="{DFE38335-AC84-4BD0-9F84-6A8182420E0D}"/>
+          </ac:spMkLst>
+        </pc:spChg>
+        <pc:spChg chg="add mod">
+          <ac:chgData name="Jacob Lie" userId="bdcf7bb32438130b" providerId="LiveId" clId="{369310CF-57D7-4441-8311-3A69967986C3}" dt="2022-04-04T14:13:21.961" v="793" actId="1076"/>
+          <ac:spMkLst>
+            <pc:docMk/>
+            <pc:sldMk cId="4263777165" sldId="259"/>
+            <ac:spMk id="89" creationId="{AA80F3B7-A71A-47CF-A3A7-EAAC1D93A193}"/>
+          </ac:spMkLst>
+        </pc:spChg>
+        <pc:spChg chg="add mod">
+          <ac:chgData name="Jacob Lie" userId="bdcf7bb32438130b" providerId="LiveId" clId="{369310CF-57D7-4441-8311-3A69967986C3}" dt="2022-04-04T14:13:21.961" v="793" actId="1076"/>
+          <ac:spMkLst>
+            <pc:docMk/>
+            <pc:sldMk cId="4263777165" sldId="259"/>
+            <ac:spMk id="90" creationId="{E61338B0-D739-4C7E-808E-DA464797C6AA}"/>
+          </ac:spMkLst>
+        </pc:spChg>
+        <pc:spChg chg="add mod">
+          <ac:chgData name="Jacob Lie" userId="bdcf7bb32438130b" providerId="LiveId" clId="{369310CF-57D7-4441-8311-3A69967986C3}" dt="2022-04-04T14:13:21.961" v="793" actId="1076"/>
+          <ac:spMkLst>
+            <pc:docMk/>
+            <pc:sldMk cId="4263777165" sldId="259"/>
+            <ac:spMk id="91" creationId="{9D83BFC6-E2C5-4808-8CF2-573AE670611D}"/>
+          </ac:spMkLst>
+        </pc:spChg>
+        <pc:spChg chg="add mod">
+          <ac:chgData name="Jacob Lie" userId="bdcf7bb32438130b" providerId="LiveId" clId="{369310CF-57D7-4441-8311-3A69967986C3}" dt="2022-04-04T14:13:21.961" v="793" actId="1076"/>
+          <ac:spMkLst>
+            <pc:docMk/>
+            <pc:sldMk cId="4263777165" sldId="259"/>
+            <ac:spMk id="92" creationId="{00697633-857E-4314-80AD-9EB1FFE11EAA}"/>
+          </ac:spMkLst>
+        </pc:spChg>
+        <pc:spChg chg="add mod">
+          <ac:chgData name="Jacob Lie" userId="bdcf7bb32438130b" providerId="LiveId" clId="{369310CF-57D7-4441-8311-3A69967986C3}" dt="2022-04-04T14:13:21.961" v="793" actId="1076"/>
+          <ac:spMkLst>
+            <pc:docMk/>
+            <pc:sldMk cId="4263777165" sldId="259"/>
+            <ac:spMk id="93" creationId="{56CECD27-FDE5-48C7-AE5D-4D10E65767DE}"/>
+          </ac:spMkLst>
+        </pc:spChg>
+        <pc:spChg chg="add mod">
+          <ac:chgData name="Jacob Lie" userId="bdcf7bb32438130b" providerId="LiveId" clId="{369310CF-57D7-4441-8311-3A69967986C3}" dt="2022-04-04T14:13:21.961" v="793" actId="1076"/>
+          <ac:spMkLst>
+            <pc:docMk/>
+            <pc:sldMk cId="4263777165" sldId="259"/>
+            <ac:spMk id="94" creationId="{0452BBF4-2A35-40F5-AC03-421C6214405D}"/>
+          </ac:spMkLst>
+        </pc:spChg>
+        <pc:spChg chg="add mod">
+          <ac:chgData name="Jacob Lie" userId="bdcf7bb32438130b" providerId="LiveId" clId="{369310CF-57D7-4441-8311-3A69967986C3}" dt="2022-04-04T14:13:21.961" v="793" actId="1076"/>
+          <ac:spMkLst>
+            <pc:docMk/>
+            <pc:sldMk cId="4263777165" sldId="259"/>
+            <ac:spMk id="95" creationId="{94AA6071-5701-46BA-9F4A-623FE26EE23C}"/>
+          </ac:spMkLst>
+        </pc:spChg>
+        <pc:spChg chg="add mod">
+          <ac:chgData name="Jacob Lie" userId="bdcf7bb32438130b" providerId="LiveId" clId="{369310CF-57D7-4441-8311-3A69967986C3}" dt="2022-04-04T14:13:21.961" v="793" actId="1076"/>
+          <ac:spMkLst>
+            <pc:docMk/>
+            <pc:sldMk cId="4263777165" sldId="259"/>
+            <ac:spMk id="96" creationId="{C307039D-67F0-4220-9BDE-910E7B99BE17}"/>
+          </ac:spMkLst>
+        </pc:spChg>
+        <pc:spChg chg="add mod">
+          <ac:chgData name="Jacob Lie" userId="bdcf7bb32438130b" providerId="LiveId" clId="{369310CF-57D7-4441-8311-3A69967986C3}" dt="2022-04-04T14:13:21.961" v="793" actId="1076"/>
+          <ac:spMkLst>
+            <pc:docMk/>
+            <pc:sldMk cId="4263777165" sldId="259"/>
+            <ac:spMk id="97" creationId="{8A23616D-0F48-4CB7-A62B-D693B9001A4D}"/>
+          </ac:spMkLst>
+        </pc:spChg>
+        <pc:spChg chg="add mod">
+          <ac:chgData name="Jacob Lie" userId="bdcf7bb32438130b" providerId="LiveId" clId="{369310CF-57D7-4441-8311-3A69967986C3}" dt="2022-04-04T14:13:21.961" v="793" actId="1076"/>
+          <ac:spMkLst>
+            <pc:docMk/>
+            <pc:sldMk cId="4263777165" sldId="259"/>
+            <ac:spMk id="98" creationId="{2CD25D39-B3C4-4E5F-AF34-8DF81955A1EA}"/>
+          </ac:spMkLst>
+        </pc:spChg>
+        <pc:spChg chg="add mod">
+          <ac:chgData name="Jacob Lie" userId="bdcf7bb32438130b" providerId="LiveId" clId="{369310CF-57D7-4441-8311-3A69967986C3}" dt="2022-04-04T14:13:21.961" v="793" actId="1076"/>
+          <ac:spMkLst>
+            <pc:docMk/>
+            <pc:sldMk cId="4263777165" sldId="259"/>
+            <ac:spMk id="99" creationId="{5336B9E8-6BD2-44C6-A43C-E5B796123D31}"/>
+          </ac:spMkLst>
+        </pc:spChg>
+        <pc:spChg chg="add mod">
+          <ac:chgData name="Jacob Lie" userId="bdcf7bb32438130b" providerId="LiveId" clId="{369310CF-57D7-4441-8311-3A69967986C3}" dt="2022-04-04T14:13:21.961" v="793" actId="1076"/>
+          <ac:spMkLst>
+            <pc:docMk/>
+            <pc:sldMk cId="4263777165" sldId="259"/>
+            <ac:spMk id="100" creationId="{D10B585D-2620-4CCF-AFB8-64728A9223CC}"/>
+          </ac:spMkLst>
+        </pc:spChg>
+        <pc:spChg chg="add mod">
+          <ac:chgData name="Jacob Lie" userId="bdcf7bb32438130b" providerId="LiveId" clId="{369310CF-57D7-4441-8311-3A69967986C3}" dt="2022-04-04T14:13:21.961" v="793" actId="1076"/>
+          <ac:spMkLst>
+            <pc:docMk/>
+            <pc:sldMk cId="4263777165" sldId="259"/>
+            <ac:spMk id="101" creationId="{F6E87A13-D0C7-4544-86B4-75C360A8595D}"/>
+          </ac:spMkLst>
+        </pc:spChg>
+        <pc:spChg chg="add mod">
+          <ac:chgData name="Jacob Lie" userId="bdcf7bb32438130b" providerId="LiveId" clId="{369310CF-57D7-4441-8311-3A69967986C3}" dt="2022-04-04T14:13:21.961" v="793" actId="1076"/>
+          <ac:spMkLst>
+            <pc:docMk/>
+            <pc:sldMk cId="4263777165" sldId="259"/>
+            <ac:spMk id="102" creationId="{EAF756BA-F219-4039-87C3-CB52810C8FFA}"/>
+          </ac:spMkLst>
+        </pc:spChg>
+        <pc:spChg chg="add mod">
+          <ac:chgData name="Jacob Lie" userId="bdcf7bb32438130b" providerId="LiveId" clId="{369310CF-57D7-4441-8311-3A69967986C3}" dt="2022-04-04T14:13:21.961" v="793" actId="1076"/>
+          <ac:spMkLst>
+            <pc:docMk/>
+            <pc:sldMk cId="4263777165" sldId="259"/>
+            <ac:spMk id="103" creationId="{E4E9C8EA-A448-4C6E-824B-2DDC37DDA8F0}"/>
+          </ac:spMkLst>
+        </pc:spChg>
+        <pc:spChg chg="add mod">
+          <ac:chgData name="Jacob Lie" userId="bdcf7bb32438130b" providerId="LiveId" clId="{369310CF-57D7-4441-8311-3A69967986C3}" dt="2022-04-04T14:13:21.961" v="793" actId="1076"/>
+          <ac:spMkLst>
+            <pc:docMk/>
+            <pc:sldMk cId="4263777165" sldId="259"/>
+            <ac:spMk id="104" creationId="{1640AF41-26E9-43C0-8ADB-C971D96A23BD}"/>
+          </ac:spMkLst>
+        </pc:spChg>
+        <pc:spChg chg="add mod">
+          <ac:chgData name="Jacob Lie" userId="bdcf7bb32438130b" providerId="LiveId" clId="{369310CF-57D7-4441-8311-3A69967986C3}" dt="2022-04-04T14:13:21.961" v="793" actId="1076"/>
+          <ac:spMkLst>
+            <pc:docMk/>
+            <pc:sldMk cId="4263777165" sldId="259"/>
+            <ac:spMk id="105" creationId="{D66DE06B-A697-4F72-9E36-7E3EC2230C78}"/>
+          </ac:spMkLst>
+        </pc:spChg>
+        <pc:spChg chg="add mod">
+          <ac:chgData name="Jacob Lie" userId="bdcf7bb32438130b" providerId="LiveId" clId="{369310CF-57D7-4441-8311-3A69967986C3}" dt="2022-04-04T14:13:21.961" v="793" actId="1076"/>
+          <ac:spMkLst>
+            <pc:docMk/>
+            <pc:sldMk cId="4263777165" sldId="259"/>
+            <ac:spMk id="106" creationId="{ABAD518A-6117-4918-A562-CF950085684B}"/>
+          </ac:spMkLst>
+        </pc:spChg>
+        <pc:spChg chg="add mod">
+          <ac:chgData name="Jacob Lie" userId="bdcf7bb32438130b" providerId="LiveId" clId="{369310CF-57D7-4441-8311-3A69967986C3}" dt="2022-04-04T14:13:21.961" v="793" actId="1076"/>
+          <ac:spMkLst>
+            <pc:docMk/>
+            <pc:sldMk cId="4263777165" sldId="259"/>
+            <ac:spMk id="107" creationId="{66A3E121-BAFA-4508-B91B-8B84B70E5A03}"/>
+          </ac:spMkLst>
+        </pc:spChg>
+        <pc:spChg chg="add mod">
+          <ac:chgData name="Jacob Lie" userId="bdcf7bb32438130b" providerId="LiveId" clId="{369310CF-57D7-4441-8311-3A69967986C3}" dt="2022-04-04T14:13:21.961" v="793" actId="1076"/>
+          <ac:spMkLst>
+            <pc:docMk/>
+            <pc:sldMk cId="4263777165" sldId="259"/>
+            <ac:spMk id="108" creationId="{6296118E-1BA1-405F-8CC5-0713A63C991E}"/>
+          </ac:spMkLst>
+        </pc:spChg>
+        <pc:spChg chg="add mod">
+          <ac:chgData name="Jacob Lie" userId="bdcf7bb32438130b" providerId="LiveId" clId="{369310CF-57D7-4441-8311-3A69967986C3}" dt="2022-04-04T14:13:21.961" v="793" actId="1076"/>
+          <ac:spMkLst>
+            <pc:docMk/>
+            <pc:sldMk cId="4263777165" sldId="259"/>
+            <ac:spMk id="109" creationId="{3491E512-640C-4382-8B3E-0E6F6C7C93EF}"/>
+          </ac:spMkLst>
+        </pc:spChg>
+        <pc:spChg chg="add mod">
+          <ac:chgData name="Jacob Lie" userId="bdcf7bb32438130b" providerId="LiveId" clId="{369310CF-57D7-4441-8311-3A69967986C3}" dt="2022-04-04T14:13:21.961" v="793" actId="1076"/>
+          <ac:spMkLst>
+            <pc:docMk/>
+            <pc:sldMk cId="4263777165" sldId="259"/>
+            <ac:spMk id="110" creationId="{4E3A4C08-71FB-4649-9121-D94197488DEE}"/>
+          </ac:spMkLst>
+        </pc:spChg>
+        <pc:spChg chg="add mod">
+          <ac:chgData name="Jacob Lie" userId="bdcf7bb32438130b" providerId="LiveId" clId="{369310CF-57D7-4441-8311-3A69967986C3}" dt="2022-04-04T14:13:21.961" v="793" actId="1076"/>
+          <ac:spMkLst>
+            <pc:docMk/>
+            <pc:sldMk cId="4263777165" sldId="259"/>
+            <ac:spMk id="111" creationId="{E967604F-CCD4-4AF6-A4D4-53C117A59341}"/>
+          </ac:spMkLst>
+        </pc:spChg>
+        <pc:spChg chg="add mod">
+          <ac:chgData name="Jacob Lie" userId="bdcf7bb32438130b" providerId="LiveId" clId="{369310CF-57D7-4441-8311-3A69967986C3}" dt="2022-04-04T14:13:21.961" v="793" actId="1076"/>
+          <ac:spMkLst>
+            <pc:docMk/>
+            <pc:sldMk cId="4263777165" sldId="259"/>
+            <ac:spMk id="112" creationId="{1813443F-0A31-4105-A8BD-6ED5891F2640}"/>
+          </ac:spMkLst>
+        </pc:spChg>
+        <pc:spChg chg="add mod">
+          <ac:chgData name="Jacob Lie" userId="bdcf7bb32438130b" providerId="LiveId" clId="{369310CF-57D7-4441-8311-3A69967986C3}" dt="2022-04-04T14:13:21.961" v="793" actId="1076"/>
+          <ac:spMkLst>
+            <pc:docMk/>
+            <pc:sldMk cId="4263777165" sldId="259"/>
+            <ac:spMk id="113" creationId="{4F16365E-047D-4C7A-B890-DD47423F9104}"/>
+          </ac:spMkLst>
+        </pc:spChg>
+        <pc:spChg chg="add mod">
+          <ac:chgData name="Jacob Lie" userId="bdcf7bb32438130b" providerId="LiveId" clId="{369310CF-57D7-4441-8311-3A69967986C3}" dt="2022-04-04T14:13:21.961" v="793" actId="1076"/>
+          <ac:spMkLst>
+            <pc:docMk/>
+            <pc:sldMk cId="4263777165" sldId="259"/>
+            <ac:spMk id="114" creationId="{C239776D-1918-4118-B5A8-399979751B0D}"/>
+          </ac:spMkLst>
+        </pc:spChg>
+        <pc:spChg chg="add mod ord">
+          <ac:chgData name="Jacob Lie" userId="bdcf7bb32438130b" providerId="LiveId" clId="{369310CF-57D7-4441-8311-3A69967986C3}" dt="2022-04-04T14:13:27.757" v="796" actId="167"/>
+          <ac:spMkLst>
+            <pc:docMk/>
+            <pc:sldMk cId="4263777165" sldId="259"/>
+            <ac:spMk id="119" creationId="{D545A5E4-3D39-4A5F-A91A-CA1D4E2E5B74}"/>
+          </ac:spMkLst>
+        </pc:spChg>
+        <pc:picChg chg="add mod">
+          <ac:chgData name="Jacob Lie" userId="bdcf7bb32438130b" providerId="LiveId" clId="{369310CF-57D7-4441-8311-3A69967986C3}" dt="2022-04-04T14:13:07.721" v="791" actId="1076"/>
+          <ac:picMkLst>
+            <pc:docMk/>
+            <pc:sldMk cId="4263777165" sldId="259"/>
+            <ac:picMk id="15" creationId="{3CBB4DD2-0D0A-4C93-9846-B46980D8F757}"/>
+          </ac:picMkLst>
+        </pc:picChg>
+        <pc:picChg chg="add mod">
+          <ac:chgData name="Jacob Lie" userId="bdcf7bb32438130b" providerId="LiveId" clId="{369310CF-57D7-4441-8311-3A69967986C3}" dt="2022-04-04T14:13:07.721" v="791" actId="1076"/>
+          <ac:picMkLst>
+            <pc:docMk/>
+            <pc:sldMk cId="4263777165" sldId="259"/>
+            <ac:picMk id="18" creationId="{6CFDE5D9-3122-47D8-BBB0-0D3FFBFFC5CC}"/>
+          </ac:picMkLst>
+        </pc:picChg>
+        <pc:picChg chg="add mod">
+          <ac:chgData name="Jacob Lie" userId="bdcf7bb32438130b" providerId="LiveId" clId="{369310CF-57D7-4441-8311-3A69967986C3}" dt="2022-04-04T14:13:07.721" v="791" actId="1076"/>
+          <ac:picMkLst>
+            <pc:docMk/>
+            <pc:sldMk cId="4263777165" sldId="259"/>
+            <ac:picMk id="19" creationId="{7CF23169-8160-45C4-8D94-AE7F5019592B}"/>
+          </ac:picMkLst>
+        </pc:picChg>
+        <pc:picChg chg="add mod">
+          <ac:chgData name="Jacob Lie" userId="bdcf7bb32438130b" providerId="LiveId" clId="{369310CF-57D7-4441-8311-3A69967986C3}" dt="2022-04-04T14:13:07.721" v="791" actId="1076"/>
+          <ac:picMkLst>
+            <pc:docMk/>
+            <pc:sldMk cId="4263777165" sldId="259"/>
+            <ac:picMk id="20" creationId="{57A14107-CEDB-44A4-A1D6-8E664AD7B671}"/>
+          </ac:picMkLst>
+        </pc:picChg>
+        <pc:picChg chg="add mod">
+          <ac:chgData name="Jacob Lie" userId="bdcf7bb32438130b" providerId="LiveId" clId="{369310CF-57D7-4441-8311-3A69967986C3}" dt="2022-04-04T14:13:21.961" v="793" actId="1076"/>
+          <ac:picMkLst>
+            <pc:docMk/>
+            <pc:sldMk cId="4263777165" sldId="259"/>
+            <ac:picMk id="115" creationId="{931ADD64-488E-420B-8700-2FC12F193C6D}"/>
+          </ac:picMkLst>
+        </pc:picChg>
+        <pc:picChg chg="add mod">
+          <ac:chgData name="Jacob Lie" userId="bdcf7bb32438130b" providerId="LiveId" clId="{369310CF-57D7-4441-8311-3A69967986C3}" dt="2022-04-04T14:13:21.961" v="793" actId="1076"/>
+          <ac:picMkLst>
+            <pc:docMk/>
+            <pc:sldMk cId="4263777165" sldId="259"/>
+            <ac:picMk id="116" creationId="{8967C465-7A66-469A-AB4F-785DA397347C}"/>
+          </ac:picMkLst>
+        </pc:picChg>
+        <pc:picChg chg="add mod">
+          <ac:chgData name="Jacob Lie" userId="bdcf7bb32438130b" providerId="LiveId" clId="{369310CF-57D7-4441-8311-3A69967986C3}" dt="2022-04-04T14:13:21.961" v="793" actId="1076"/>
+          <ac:picMkLst>
+            <pc:docMk/>
+            <pc:sldMk cId="4263777165" sldId="259"/>
+            <ac:picMk id="117" creationId="{1B73C5FE-5319-43D7-BB14-1B7E32D96E9C}"/>
+          </ac:picMkLst>
+        </pc:picChg>
+        <pc:picChg chg="add mod">
+          <ac:chgData name="Jacob Lie" userId="bdcf7bb32438130b" providerId="LiveId" clId="{369310CF-57D7-4441-8311-3A69967986C3}" dt="2022-04-04T14:13:21.961" v="793" actId="1076"/>
+          <ac:picMkLst>
+            <pc:docMk/>
+            <pc:sldMk cId="4263777165" sldId="259"/>
+            <ac:picMk id="118" creationId="{A7874CA9-8C25-4C0E-8026-22D730EA57DE}"/>
+          </ac:picMkLst>
+        </pc:picChg>
+        <pc:cxnChg chg="add mod ord">
+          <ac:chgData name="Jacob Lie" userId="bdcf7bb32438130b" providerId="LiveId" clId="{369310CF-57D7-4441-8311-3A69967986C3}" dt="2022-04-04T14:13:56.658" v="810" actId="1076"/>
+          <ac:cxnSpMkLst>
+            <pc:docMk/>
+            <pc:sldMk cId="4263777165" sldId="259"/>
+            <ac:cxnSpMk id="22" creationId="{B272231B-7CA9-4B4A-9F1C-E99A067C5252}"/>
+          </ac:cxnSpMkLst>
+        </pc:cxnChg>
+        <pc:cxnChg chg="add mod ord">
+          <ac:chgData name="Jacob Lie" userId="bdcf7bb32438130b" providerId="LiveId" clId="{369310CF-57D7-4441-8311-3A69967986C3}" dt="2022-04-04T14:13:53.721" v="804" actId="166"/>
+          <ac:cxnSpMkLst>
+            <pc:docMk/>
+            <pc:sldMk cId="4263777165" sldId="259"/>
+            <ac:cxnSpMk id="25" creationId="{ADDF8696-E890-4A8B-B152-2D44990DC002}"/>
+          </ac:cxnSpMkLst>
+        </pc:cxnChg>
+        <pc:cxnChg chg="add mod ord">
+          <ac:chgData name="Jacob Lie" userId="bdcf7bb32438130b" providerId="LiveId" clId="{369310CF-57D7-4441-8311-3A69967986C3}" dt="2022-04-04T14:13:55.106" v="807" actId="1076"/>
+          <ac:cxnSpMkLst>
+            <pc:docMk/>
+            <pc:sldMk cId="4263777165" sldId="259"/>
+            <ac:cxnSpMk id="27" creationId="{0BA98A12-FB27-444B-8749-EC6A4697CF7D}"/>
+          </ac:cxnSpMkLst>
+        </pc:cxnChg>
+        <pc:cxnChg chg="add mod">
+          <ac:chgData name="Jacob Lie" userId="bdcf7bb32438130b" providerId="LiveId" clId="{369310CF-57D7-4441-8311-3A69967986C3}" dt="2022-04-04T14:13:07.721" v="791" actId="1076"/>
+          <ac:cxnSpMkLst>
+            <pc:docMk/>
+            <pc:sldMk cId="4263777165" sldId="259"/>
+            <ac:cxnSpMk id="32" creationId="{1D6D130D-66A8-408D-B8D0-6240D515C430}"/>
+          </ac:cxnSpMkLst>
+        </pc:cxnChg>
+        <pc:cxnChg chg="add mod">
+          <ac:chgData name="Jacob Lie" userId="bdcf7bb32438130b" providerId="LiveId" clId="{369310CF-57D7-4441-8311-3A69967986C3}" dt="2022-04-04T14:13:07.721" v="791" actId="1076"/>
+          <ac:cxnSpMkLst>
+            <pc:docMk/>
+            <pc:sldMk cId="4263777165" sldId="259"/>
+            <ac:cxnSpMk id="34" creationId="{8C5CE0B1-FAA0-408F-9445-13167C914910}"/>
+          </ac:cxnSpMkLst>
+        </pc:cxnChg>
+        <pc:cxnChg chg="add mod">
+          <ac:chgData name="Jacob Lie" userId="bdcf7bb32438130b" providerId="LiveId" clId="{369310CF-57D7-4441-8311-3A69967986C3}" dt="2022-04-04T14:13:07.721" v="791" actId="1076"/>
+          <ac:cxnSpMkLst>
+            <pc:docMk/>
+            <pc:sldMk cId="4263777165" sldId="259"/>
+            <ac:cxnSpMk id="36" creationId="{2FEC52CD-7248-4583-9F51-2A1E2C8AE5E5}"/>
+          </ac:cxnSpMkLst>
+        </pc:cxnChg>
+        <pc:cxnChg chg="add mod">
+          <ac:chgData name="Jacob Lie" userId="bdcf7bb32438130b" providerId="LiveId" clId="{369310CF-57D7-4441-8311-3A69967986C3}" dt="2022-04-04T14:13:07.721" v="791" actId="1076"/>
+          <ac:cxnSpMkLst>
+            <pc:docMk/>
+            <pc:sldMk cId="4263777165" sldId="259"/>
+            <ac:cxnSpMk id="37" creationId="{B9FFB2A8-3425-4E9E-80FB-C071D5F12576}"/>
+          </ac:cxnSpMkLst>
+        </pc:cxnChg>
+        <pc:cxnChg chg="add mod">
+          <ac:chgData name="Jacob Lie" userId="bdcf7bb32438130b" providerId="LiveId" clId="{369310CF-57D7-4441-8311-3A69967986C3}" dt="2022-04-04T14:13:07.721" v="791" actId="1076"/>
+          <ac:cxnSpMkLst>
+            <pc:docMk/>
+            <pc:sldMk cId="4263777165" sldId="259"/>
+            <ac:cxnSpMk id="38" creationId="{1A022D66-E11C-4DC5-ACEA-DEC5527731BA}"/>
+          </ac:cxnSpMkLst>
+        </pc:cxnChg>
+        <pc:cxnChg chg="add mod">
+          <ac:chgData name="Jacob Lie" userId="bdcf7bb32438130b" providerId="LiveId" clId="{369310CF-57D7-4441-8311-3A69967986C3}" dt="2022-04-04T14:13:07.721" v="791" actId="1076"/>
+          <ac:cxnSpMkLst>
+            <pc:docMk/>
+            <pc:sldMk cId="4263777165" sldId="259"/>
+            <ac:cxnSpMk id="39" creationId="{9EE393A7-5698-40A9-B1CF-7FADD27E0A47}"/>
+          </ac:cxnSpMkLst>
+        </pc:cxnChg>
+        <pc:cxnChg chg="add mod">
+          <ac:chgData name="Jacob Lie" userId="bdcf7bb32438130b" providerId="LiveId" clId="{369310CF-57D7-4441-8311-3A69967986C3}" dt="2022-04-04T14:13:07.721" v="791" actId="1076"/>
+          <ac:cxnSpMkLst>
+            <pc:docMk/>
+            <pc:sldMk cId="4263777165" sldId="259"/>
+            <ac:cxnSpMk id="40" creationId="{992AD57A-39EB-496C-8C26-6404419D98B3}"/>
+          </ac:cxnSpMkLst>
+        </pc:cxnChg>
+        <pc:cxnChg chg="add mod">
+          <ac:chgData name="Jacob Lie" userId="bdcf7bb32438130b" providerId="LiveId" clId="{369310CF-57D7-4441-8311-3A69967986C3}" dt="2022-04-04T14:13:07.721" v="791" actId="1076"/>
+          <ac:cxnSpMkLst>
+            <pc:docMk/>
+            <pc:sldMk cId="4263777165" sldId="259"/>
+            <ac:cxnSpMk id="42" creationId="{3C3DD742-5103-4C49-AEEB-2334836A3D4F}"/>
+          </ac:cxnSpMkLst>
+        </pc:cxnChg>
+        <pc:cxnChg chg="add mod">
+          <ac:chgData name="Jacob Lie" userId="bdcf7bb32438130b" providerId="LiveId" clId="{369310CF-57D7-4441-8311-3A69967986C3}" dt="2022-04-04T14:13:07.721" v="791" actId="1076"/>
+          <ac:cxnSpMkLst>
+            <pc:docMk/>
+            <pc:sldMk cId="4263777165" sldId="259"/>
+            <ac:cxnSpMk id="45" creationId="{30BAE1DD-BCC3-42D7-889C-977441532F6F}"/>
+          </ac:cxnSpMkLst>
+        </pc:cxnChg>
+        <pc:cxnChg chg="add del">
+          <ac:chgData name="Jacob Lie" userId="bdcf7bb32438130b" providerId="LiveId" clId="{369310CF-57D7-4441-8311-3A69967986C3}" dt="2022-04-04T14:08:54.409" v="763" actId="478"/>
+          <ac:cxnSpMkLst>
+            <pc:docMk/>
+            <pc:sldMk cId="4263777165" sldId="259"/>
+            <ac:cxnSpMk id="47" creationId="{59105569-56D5-45C3-8612-378080897136}"/>
+          </ac:cxnSpMkLst>
+        </pc:cxnChg>
+        <pc:cxnChg chg="add mod">
+          <ac:chgData name="Jacob Lie" userId="bdcf7bb32438130b" providerId="LiveId" clId="{369310CF-57D7-4441-8311-3A69967986C3}" dt="2022-04-04T14:13:07.721" v="791" actId="1076"/>
+          <ac:cxnSpMkLst>
+            <pc:docMk/>
+            <pc:sldMk cId="4263777165" sldId="259"/>
+            <ac:cxnSpMk id="49" creationId="{162C9367-4ECB-4761-9A4D-58E2A7E2983B}"/>
+          </ac:cxnSpMkLst>
+        </pc:cxnChg>
+        <pc:cxnChg chg="add mod">
+          <ac:chgData name="Jacob Lie" userId="bdcf7bb32438130b" providerId="LiveId" clId="{369310CF-57D7-4441-8311-3A69967986C3}" dt="2022-04-04T14:13:07.721" v="791" actId="1076"/>
+          <ac:cxnSpMkLst>
+            <pc:docMk/>
+            <pc:sldMk cId="4263777165" sldId="259"/>
+            <ac:cxnSpMk id="51" creationId="{58A6A1C0-8548-4E97-B21A-AC1DF029B54D}"/>
+          </ac:cxnSpMkLst>
+        </pc:cxnChg>
+        <pc:cxnChg chg="add mod">
+          <ac:chgData name="Jacob Lie" userId="bdcf7bb32438130b" providerId="LiveId" clId="{369310CF-57D7-4441-8311-3A69967986C3}" dt="2022-04-04T14:13:07.721" v="791" actId="1076"/>
+          <ac:cxnSpMkLst>
+            <pc:docMk/>
+            <pc:sldMk cId="4263777165" sldId="259"/>
+            <ac:cxnSpMk id="53" creationId="{11565280-1E0F-410E-8BB2-795A54AFD052}"/>
+          </ac:cxnSpMkLst>
+        </pc:cxnChg>
+        <pc:cxnChg chg="add mod">
+          <ac:chgData name="Jacob Lie" userId="bdcf7bb32438130b" providerId="LiveId" clId="{369310CF-57D7-4441-8311-3A69967986C3}" dt="2022-04-04T14:13:07.721" v="791" actId="1076"/>
+          <ac:cxnSpMkLst>
+            <pc:docMk/>
+            <pc:sldMk cId="4263777165" sldId="259"/>
+            <ac:cxnSpMk id="55" creationId="{B791FA05-2371-4BD6-9C2A-AE985014C61C}"/>
+          </ac:cxnSpMkLst>
+        </pc:cxnChg>
+        <pc:cxnChg chg="add mod">
+          <ac:chgData name="Jacob Lie" userId="bdcf7bb32438130b" providerId="LiveId" clId="{369310CF-57D7-4441-8311-3A69967986C3}" dt="2022-04-04T14:13:07.721" v="791" actId="1076"/>
+          <ac:cxnSpMkLst>
+            <pc:docMk/>
+            <pc:sldMk cId="4263777165" sldId="259"/>
+            <ac:cxnSpMk id="56" creationId="{7768784A-AF7B-42A2-AFD9-9AE1B05B997D}"/>
+          </ac:cxnSpMkLst>
+        </pc:cxnChg>
+        <pc:cxnChg chg="add mod">
+          <ac:chgData name="Jacob Lie" userId="bdcf7bb32438130b" providerId="LiveId" clId="{369310CF-57D7-4441-8311-3A69967986C3}" dt="2022-04-04T14:13:07.721" v="791" actId="1076"/>
+          <ac:cxnSpMkLst>
+            <pc:docMk/>
+            <pc:sldMk cId="4263777165" sldId="259"/>
+            <ac:cxnSpMk id="57" creationId="{440C86D8-F1D9-45E3-B7CD-60BCD0246D93}"/>
+          </ac:cxnSpMkLst>
+        </pc:cxnChg>
+        <pc:cxnChg chg="add mod">
+          <ac:chgData name="Jacob Lie" userId="bdcf7bb32438130b" providerId="LiveId" clId="{369310CF-57D7-4441-8311-3A69967986C3}" dt="2022-04-04T14:13:07.721" v="791" actId="1076"/>
+          <ac:cxnSpMkLst>
+            <pc:docMk/>
+            <pc:sldMk cId="4263777165" sldId="259"/>
+            <ac:cxnSpMk id="58" creationId="{B787D8A2-E87B-429D-81A5-0E1A24DC5A88}"/>
+          </ac:cxnSpMkLst>
+        </pc:cxnChg>
+        <pc:cxnChg chg="add mod">
+          <ac:chgData name="Jacob Lie" userId="bdcf7bb32438130b" providerId="LiveId" clId="{369310CF-57D7-4441-8311-3A69967986C3}" dt="2022-04-04T14:13:07.721" v="791" actId="1076"/>
+          <ac:cxnSpMkLst>
+            <pc:docMk/>
+            <pc:sldMk cId="4263777165" sldId="259"/>
+            <ac:cxnSpMk id="59" creationId="{60D51320-C07D-4A1E-8EBA-15FA789DF2B8}"/>
+          </ac:cxnSpMkLst>
+        </pc:cxnChg>
+        <pc:cxnChg chg="add mod">
+          <ac:chgData name="Jacob Lie" userId="bdcf7bb32438130b" providerId="LiveId" clId="{369310CF-57D7-4441-8311-3A69967986C3}" dt="2022-04-04T14:13:07.721" v="791" actId="1076"/>
+          <ac:cxnSpMkLst>
+            <pc:docMk/>
+            <pc:sldMk cId="4263777165" sldId="259"/>
+            <ac:cxnSpMk id="61" creationId="{9E9EF4C3-5F26-41E5-996B-E2AEF9000855}"/>
+          </ac:cxnSpMkLst>
+        </pc:cxnChg>
+        <pc:cxnChg chg="add mod ord">
+          <ac:chgData name="Jacob Lie" userId="bdcf7bb32438130b" providerId="LiveId" clId="{369310CF-57D7-4441-8311-3A69967986C3}" dt="2022-04-04T14:15:04.080" v="834" actId="14100"/>
+          <ac:cxnSpMkLst>
+            <pc:docMk/>
+            <pc:sldMk cId="4263777165" sldId="259"/>
+            <ac:cxnSpMk id="120" creationId="{11F9469A-9F55-44B8-9DEE-9216B71D241D}"/>
+          </ac:cxnSpMkLst>
+        </pc:cxnChg>
+        <pc:cxnChg chg="add mod ord">
+          <ac:chgData name="Jacob Lie" userId="bdcf7bb32438130b" providerId="LiveId" clId="{369310CF-57D7-4441-8311-3A69967986C3}" dt="2022-04-04T14:14:40.064" v="828" actId="14100"/>
+          <ac:cxnSpMkLst>
+            <pc:docMk/>
+            <pc:sldMk cId="4263777165" sldId="259"/>
+            <ac:cxnSpMk id="121" creationId="{F241A48F-A6E2-4C0A-8B29-A55A550DB331}"/>
+          </ac:cxnSpMkLst>
+        </pc:cxnChg>
+        <pc:cxnChg chg="add mod ord">
+          <ac:chgData name="Jacob Lie" userId="bdcf7bb32438130b" providerId="LiveId" clId="{369310CF-57D7-4441-8311-3A69967986C3}" dt="2022-04-04T14:15:34.135" v="840" actId="14100"/>
+          <ac:cxnSpMkLst>
+            <pc:docMk/>
+            <pc:sldMk cId="4263777165" sldId="259"/>
+            <ac:cxnSpMk id="122" creationId="{85D6CC16-344B-4445-BF92-19D9DB0DB956}"/>
+          </ac:cxnSpMkLst>
+        </pc:cxnChg>
+        <pc:cxnChg chg="add mod ord">
+          <ac:chgData name="Jacob Lie" userId="bdcf7bb32438130b" providerId="LiveId" clId="{369310CF-57D7-4441-8311-3A69967986C3}" dt="2022-04-04T14:15:37.168" v="841" actId="14100"/>
+          <ac:cxnSpMkLst>
+            <pc:docMk/>
+            <pc:sldMk cId="4263777165" sldId="259"/>
+            <ac:cxnSpMk id="123" creationId="{9C0600AA-8431-4DC8-94CB-C02EB3C30415}"/>
+          </ac:cxnSpMkLst>
+        </pc:cxnChg>
+        <pc:cxnChg chg="add mod">
+          <ac:chgData name="Jacob Lie" userId="bdcf7bb32438130b" providerId="LiveId" clId="{369310CF-57D7-4441-8311-3A69967986C3}" dt="2022-04-04T14:15:43.727" v="843" actId="14100"/>
+          <ac:cxnSpMkLst>
+            <pc:docMk/>
+            <pc:sldMk cId="4263777165" sldId="259"/>
+            <ac:cxnSpMk id="124" creationId="{7132992A-07CC-433D-A864-0C05F3B2CA3B}"/>
+          </ac:cxnSpMkLst>
+        </pc:cxnChg>
+        <pc:cxnChg chg="add mod">
+          <ac:chgData name="Jacob Lie" userId="bdcf7bb32438130b" providerId="LiveId" clId="{369310CF-57D7-4441-8311-3A69967986C3}" dt="2022-04-04T14:15:50.639" v="845" actId="1076"/>
+          <ac:cxnSpMkLst>
+            <pc:docMk/>
+            <pc:sldMk cId="4263777165" sldId="259"/>
+            <ac:cxnSpMk id="142" creationId="{ADC07616-0F83-464E-9BBF-B65E20066744}"/>
+          </ac:cxnSpMkLst>
+        </pc:cxnChg>
+        <pc:cxnChg chg="add mod">
+          <ac:chgData name="Jacob Lie" userId="bdcf7bb32438130b" providerId="LiveId" clId="{369310CF-57D7-4441-8311-3A69967986C3}" dt="2022-04-04T14:15:55.360" v="847" actId="1076"/>
+          <ac:cxnSpMkLst>
+            <pc:docMk/>
+            <pc:sldMk cId="4263777165" sldId="259"/>
+            <ac:cxnSpMk id="143" creationId="{009889CF-E9A9-4FC0-89B6-D7375037DB62}"/>
+          </ac:cxnSpMkLst>
+        </pc:cxnChg>
+        <pc:cxnChg chg="add mod">
+          <ac:chgData name="Jacob Lie" userId="bdcf7bb32438130b" providerId="LiveId" clId="{369310CF-57D7-4441-8311-3A69967986C3}" dt="2022-04-04T14:16:00.544" v="849" actId="1076"/>
+          <ac:cxnSpMkLst>
+            <pc:docMk/>
+            <pc:sldMk cId="4263777165" sldId="259"/>
+            <ac:cxnSpMk id="144" creationId="{B8CD1673-4583-4431-8B5D-A7BA66B6B243}"/>
+          </ac:cxnSpMkLst>
+        </pc:cxnChg>
+        <pc:cxnChg chg="add mod">
+          <ac:chgData name="Jacob Lie" userId="bdcf7bb32438130b" providerId="LiveId" clId="{369310CF-57D7-4441-8311-3A69967986C3}" dt="2022-04-04T14:16:05.848" v="851" actId="1076"/>
+          <ac:cxnSpMkLst>
+            <pc:docMk/>
+            <pc:sldMk cId="4263777165" sldId="259"/>
+            <ac:cxnSpMk id="145" creationId="{AB55F913-9677-496C-8039-92807D164AD2}"/>
+          </ac:cxnSpMkLst>
+        </pc:cxnChg>
+        <pc:cxnChg chg="add mod">
+          <ac:chgData name="Jacob Lie" userId="bdcf7bb32438130b" providerId="LiveId" clId="{369310CF-57D7-4441-8311-3A69967986C3}" dt="2022-04-04T14:16:10.095" v="853" actId="1076"/>
+          <ac:cxnSpMkLst>
+            <pc:docMk/>
+            <pc:sldMk cId="4263777165" sldId="259"/>
+            <ac:cxnSpMk id="146" creationId="{EEF30E03-B896-4F86-B309-F1E93DA5E222}"/>
+          </ac:cxnSpMkLst>
+        </pc:cxnChg>
+        <pc:cxnChg chg="add mod">
+          <ac:chgData name="Jacob Lie" userId="bdcf7bb32438130b" providerId="LiveId" clId="{369310CF-57D7-4441-8311-3A69967986C3}" dt="2022-04-04T14:16:17.232" v="855" actId="1076"/>
+          <ac:cxnSpMkLst>
+            <pc:docMk/>
+            <pc:sldMk cId="4263777165" sldId="259"/>
+            <ac:cxnSpMk id="147" creationId="{7B09AC87-DA0A-4BE7-8E39-2BB7392AB42F}"/>
+          </ac:cxnSpMkLst>
+        </pc:cxnChg>
+        <pc:cxnChg chg="add mod">
+          <ac:chgData name="Jacob Lie" userId="bdcf7bb32438130b" providerId="LiveId" clId="{369310CF-57D7-4441-8311-3A69967986C3}" dt="2022-04-04T14:16:22.568" v="857" actId="1076"/>
+          <ac:cxnSpMkLst>
+            <pc:docMk/>
+            <pc:sldMk cId="4263777165" sldId="259"/>
+            <ac:cxnSpMk id="148" creationId="{E2BCBD6E-B105-4E93-9E80-DAC828BF50C4}"/>
+          </ac:cxnSpMkLst>
+        </pc:cxnChg>
+        <pc:cxnChg chg="add mod">
+          <ac:chgData name="Jacob Lie" userId="bdcf7bb32438130b" providerId="LiveId" clId="{369310CF-57D7-4441-8311-3A69967986C3}" dt="2022-04-04T14:16:52.712" v="865" actId="14100"/>
+          <ac:cxnSpMkLst>
+            <pc:docMk/>
+            <pc:sldMk cId="4263777165" sldId="259"/>
+            <ac:cxnSpMk id="149" creationId="{2F6BECC6-234B-4D16-A118-BBDFE1C2B884}"/>
+          </ac:cxnSpMkLst>
+        </pc:cxnChg>
+        <pc:cxnChg chg="add mod">
+          <ac:chgData name="Jacob Lie" userId="bdcf7bb32438130b" providerId="LiveId" clId="{369310CF-57D7-4441-8311-3A69967986C3}" dt="2022-04-04T14:16:48.962" v="864" actId="14100"/>
+          <ac:cxnSpMkLst>
+            <pc:docMk/>
+            <pc:sldMk cId="4263777165" sldId="259"/>
+            <ac:cxnSpMk id="150" creationId="{C326FC85-00ED-4D3D-B1B0-3463F68A1D1D}"/>
+          </ac:cxnSpMkLst>
+        </pc:cxnChg>
+        <pc:cxnChg chg="add mod">
+          <ac:chgData name="Jacob Lie" userId="bdcf7bb32438130b" providerId="LiveId" clId="{369310CF-57D7-4441-8311-3A69967986C3}" dt="2022-04-04T14:17:05.358" v="867" actId="1582"/>
+          <ac:cxnSpMkLst>
+            <pc:docMk/>
+            <pc:sldMk cId="4263777165" sldId="259"/>
+            <ac:cxnSpMk id="154" creationId="{884754E5-130C-4CBF-9896-7DEB0F50C1EA}"/>
+          </ac:cxnSpMkLst>
+        </pc:cxnChg>
+        <pc:cxnChg chg="add mod">
+          <ac:chgData name="Jacob Lie" userId="bdcf7bb32438130b" providerId="LiveId" clId="{369310CF-57D7-4441-8311-3A69967986C3}" dt="2022-04-04T14:17:14.967" v="869" actId="1582"/>
+          <ac:cxnSpMkLst>
+            <pc:docMk/>
+            <pc:sldMk cId="4263777165" sldId="259"/>
+            <ac:cxnSpMk id="156" creationId="{6A6F4E21-506D-45CB-96B1-62ADE2DC3EC9}"/>
+          </ac:cxnSpMkLst>
+        </pc:cxnChg>
+        <pc:cxnChg chg="add mod">
+          <ac:chgData name="Jacob Lie" userId="bdcf7bb32438130b" providerId="LiveId" clId="{369310CF-57D7-4441-8311-3A69967986C3}" dt="2022-04-04T14:17:28.392" v="873" actId="14100"/>
+          <ac:cxnSpMkLst>
+            <pc:docMk/>
+            <pc:sldMk cId="4263777165" sldId="259"/>
+            <ac:cxnSpMk id="157" creationId="{B847702C-F17F-4E6A-BC47-7E094A99B307}"/>
+          </ac:cxnSpMkLst>
+        </pc:cxnChg>
+        <pc:cxnChg chg="add mod">
+          <ac:chgData name="Jacob Lie" userId="bdcf7bb32438130b" providerId="LiveId" clId="{369310CF-57D7-4441-8311-3A69967986C3}" dt="2022-04-04T14:17:42.271" v="875" actId="1582"/>
+          <ac:cxnSpMkLst>
+            <pc:docMk/>
+            <pc:sldMk cId="4263777165" sldId="259"/>
+            <ac:cxnSpMk id="160" creationId="{BFBFC441-19D8-42C4-AC4C-6DF76E53F00C}"/>
+          </ac:cxnSpMkLst>
+        </pc:cxnChg>
+        <pc:cxnChg chg="add mod">
+          <ac:chgData name="Jacob Lie" userId="bdcf7bb32438130b" providerId="LiveId" clId="{369310CF-57D7-4441-8311-3A69967986C3}" dt="2022-04-04T14:17:52.664" v="877" actId="1582"/>
+          <ac:cxnSpMkLst>
+            <pc:docMk/>
+            <pc:sldMk cId="4263777165" sldId="259"/>
+            <ac:cxnSpMk id="162" creationId="{F9BE409A-4406-4222-9FFD-17653D03129C}"/>
+          </ac:cxnSpMkLst>
+        </pc:cxnChg>
+        <pc:cxnChg chg="add mod">
+          <ac:chgData name="Jacob Lie" userId="bdcf7bb32438130b" providerId="LiveId" clId="{369310CF-57D7-4441-8311-3A69967986C3}" dt="2022-04-04T14:17:59.551" v="879" actId="1076"/>
+          <ac:cxnSpMkLst>
+            <pc:docMk/>
+            <pc:sldMk cId="4263777165" sldId="259"/>
+            <ac:cxnSpMk id="163" creationId="{3C34D823-D30B-4F9C-9F80-4072B6DDC52B}"/>
+          </ac:cxnSpMkLst>
+        </pc:cxnChg>
       </pc:sldChg>
     </pc:docChg>
   </pc:docChgLst>
@@ -2290,7 +3247,7 @@
           <a:p>
             <a:fld id="{BD14E9D8-8C37-4548-B61E-1D4A98287348}" type="datetimeFigureOut">
               <a:rPr lang="en-US" smtClean="0"/>
-              <a:t>01-Apr-22</a:t>
+              <a:t>04-Apr-22</a:t>
             </a:fld>
             <a:endParaRPr lang="en-US"/>
           </a:p>
@@ -2488,7 +3445,7 @@
           <a:p>
             <a:fld id="{BD14E9D8-8C37-4548-B61E-1D4A98287348}" type="datetimeFigureOut">
               <a:rPr lang="en-US" smtClean="0"/>
-              <a:t>01-Apr-22</a:t>
+              <a:t>04-Apr-22</a:t>
             </a:fld>
             <a:endParaRPr lang="en-US"/>
           </a:p>
@@ -2696,7 +3653,7 @@
           <a:p>
             <a:fld id="{BD14E9D8-8C37-4548-B61E-1D4A98287348}" type="datetimeFigureOut">
               <a:rPr lang="en-US" smtClean="0"/>
-              <a:t>01-Apr-22</a:t>
+              <a:t>04-Apr-22</a:t>
             </a:fld>
             <a:endParaRPr lang="en-US"/>
           </a:p>
@@ -2894,7 +3851,7 @@
           <a:p>
             <a:fld id="{BD14E9D8-8C37-4548-B61E-1D4A98287348}" type="datetimeFigureOut">
               <a:rPr lang="en-US" smtClean="0"/>
-              <a:t>01-Apr-22</a:t>
+              <a:t>04-Apr-22</a:t>
             </a:fld>
             <a:endParaRPr lang="en-US"/>
           </a:p>
@@ -3169,7 +4126,7 @@
           <a:p>
             <a:fld id="{BD14E9D8-8C37-4548-B61E-1D4A98287348}" type="datetimeFigureOut">
               <a:rPr lang="en-US" smtClean="0"/>
-              <a:t>01-Apr-22</a:t>
+              <a:t>04-Apr-22</a:t>
             </a:fld>
             <a:endParaRPr lang="en-US"/>
           </a:p>
@@ -3434,7 +4391,7 @@
           <a:p>
             <a:fld id="{BD14E9D8-8C37-4548-B61E-1D4A98287348}" type="datetimeFigureOut">
               <a:rPr lang="en-US" smtClean="0"/>
-              <a:t>01-Apr-22</a:t>
+              <a:t>04-Apr-22</a:t>
             </a:fld>
             <a:endParaRPr lang="en-US"/>
           </a:p>
@@ -3846,7 +4803,7 @@
           <a:p>
             <a:fld id="{BD14E9D8-8C37-4548-B61E-1D4A98287348}" type="datetimeFigureOut">
               <a:rPr lang="en-US" smtClean="0"/>
-              <a:t>01-Apr-22</a:t>
+              <a:t>04-Apr-22</a:t>
             </a:fld>
             <a:endParaRPr lang="en-US"/>
           </a:p>
@@ -3987,7 +4944,7 @@
           <a:p>
             <a:fld id="{BD14E9D8-8C37-4548-B61E-1D4A98287348}" type="datetimeFigureOut">
               <a:rPr lang="en-US" smtClean="0"/>
-              <a:t>01-Apr-22</a:t>
+              <a:t>04-Apr-22</a:t>
             </a:fld>
             <a:endParaRPr lang="en-US"/>
           </a:p>
@@ -4100,7 +5057,7 @@
           <a:p>
             <a:fld id="{BD14E9D8-8C37-4548-B61E-1D4A98287348}" type="datetimeFigureOut">
               <a:rPr lang="en-US" smtClean="0"/>
-              <a:t>01-Apr-22</a:t>
+              <a:t>04-Apr-22</a:t>
             </a:fld>
             <a:endParaRPr lang="en-US"/>
           </a:p>
@@ -4411,7 +5368,7 @@
           <a:p>
             <a:fld id="{BD14E9D8-8C37-4548-B61E-1D4A98287348}" type="datetimeFigureOut">
               <a:rPr lang="en-US" smtClean="0"/>
-              <a:t>01-Apr-22</a:t>
+              <a:t>04-Apr-22</a:t>
             </a:fld>
             <a:endParaRPr lang="en-US"/>
           </a:p>
@@ -4699,7 +5656,7 @@
           <a:p>
             <a:fld id="{BD14E9D8-8C37-4548-B61E-1D4A98287348}" type="datetimeFigureOut">
               <a:rPr lang="en-US" smtClean="0"/>
-              <a:t>01-Apr-22</a:t>
+              <a:t>04-Apr-22</a:t>
             </a:fld>
             <a:endParaRPr lang="en-US"/>
           </a:p>
@@ -4940,7 +5897,7 @@
           <a:p>
             <a:fld id="{BD14E9D8-8C37-4548-B61E-1D4A98287348}" type="datetimeFigureOut">
               <a:rPr lang="en-US" smtClean="0"/>
-              <a:t>01-Apr-22</a:t>
+              <a:t>04-Apr-22</a:t>
             </a:fld>
             <a:endParaRPr lang="en-US"/>
           </a:p>
@@ -13497,6 +14454,5746 @@
     <p:extLst>
       <p:ext uri="{BB962C8B-B14F-4D97-AF65-F5344CB8AC3E}">
         <p14:creationId xmlns:p14="http://schemas.microsoft.com/office/powerpoint/2010/main" val="1415761000"/>
+      </p:ext>
+    </p:extLst>
+  </p:cSld>
+  <p:clrMapOvr>
+    <a:masterClrMapping/>
+  </p:clrMapOvr>
+</p:sld>
+</file>
+
+<file path=ppt/slides/slide4.xml><?xml version="1.0" encoding="utf-8"?>
+<p:sld xmlns:a="http://schemas.openxmlformats.org/drawingml/2006/main" xmlns:r="http://schemas.openxmlformats.org/officeDocument/2006/relationships" xmlns:p="http://schemas.openxmlformats.org/presentationml/2006/main">
+  <p:cSld>
+    <p:spTree>
+      <p:nvGrpSpPr>
+        <p:cNvPr id="1" name=""/>
+        <p:cNvGrpSpPr/>
+        <p:nvPr/>
+      </p:nvGrpSpPr>
+      <p:grpSpPr>
+        <a:xfrm>
+          <a:off x="0" y="0"/>
+          <a:ext cx="0" cy="0"/>
+          <a:chOff x="0" y="0"/>
+          <a:chExt cx="0" cy="0"/>
+        </a:xfrm>
+      </p:grpSpPr>
+      <p:sp>
+        <p:nvSpPr>
+          <p:cNvPr id="119" name="Rectangle 118">
+            <a:extLst>
+              <a:ext uri="{FF2B5EF4-FFF2-40B4-BE49-F238E27FC236}">
+                <a16:creationId xmlns:a16="http://schemas.microsoft.com/office/drawing/2014/main" id="{D545A5E4-3D39-4A5F-A91A-CA1D4E2E5B74}"/>
+              </a:ext>
+            </a:extLst>
+          </p:cNvPr>
+          <p:cNvSpPr/>
+          <p:nvPr/>
+        </p:nvSpPr>
+        <p:spPr>
+          <a:xfrm>
+            <a:off x="6052036" y="394728"/>
+            <a:ext cx="5529129" cy="6084605"/>
+          </a:xfrm>
+          <a:prstGeom prst="rect">
+            <a:avLst/>
+          </a:prstGeom>
+          <a:solidFill>
+            <a:schemeClr val="accent2">
+              <a:lumMod val="60000"/>
+              <a:lumOff val="40000"/>
+            </a:schemeClr>
+          </a:solidFill>
+        </p:spPr>
+        <p:style>
+          <a:lnRef idx="2">
+            <a:schemeClr val="accent1">
+              <a:shade val="50000"/>
+            </a:schemeClr>
+          </a:lnRef>
+          <a:fillRef idx="1">
+            <a:schemeClr val="accent1"/>
+          </a:fillRef>
+          <a:effectRef idx="0">
+            <a:schemeClr val="accent1"/>
+          </a:effectRef>
+          <a:fontRef idx="minor">
+            <a:schemeClr val="lt1"/>
+          </a:fontRef>
+        </p:style>
+        <p:txBody>
+          <a:bodyPr rtlCol="0" anchor="ctr"/>
+          <a:lstStyle/>
+          <a:p>
+            <a:pPr algn="ctr"/>
+            <a:endParaRPr lang="en-US" dirty="0"/>
+          </a:p>
+        </p:txBody>
+      </p:sp>
+      <p:sp>
+        <p:nvSpPr>
+          <p:cNvPr id="63" name="Rectangle 62">
+            <a:extLst>
+              <a:ext uri="{FF2B5EF4-FFF2-40B4-BE49-F238E27FC236}">
+                <a16:creationId xmlns:a16="http://schemas.microsoft.com/office/drawing/2014/main" id="{B6750558-D149-488D-8E20-D919A7D7C358}"/>
+              </a:ext>
+            </a:extLst>
+          </p:cNvPr>
+          <p:cNvSpPr/>
+          <p:nvPr/>
+        </p:nvSpPr>
+        <p:spPr>
+          <a:xfrm>
+            <a:off x="184031" y="386697"/>
+            <a:ext cx="5529129" cy="6084605"/>
+          </a:xfrm>
+          <a:prstGeom prst="rect">
+            <a:avLst/>
+          </a:prstGeom>
+          <a:solidFill>
+            <a:schemeClr val="accent2">
+              <a:lumMod val="60000"/>
+              <a:lumOff val="40000"/>
+            </a:schemeClr>
+          </a:solidFill>
+        </p:spPr>
+        <p:style>
+          <a:lnRef idx="2">
+            <a:schemeClr val="accent1">
+              <a:shade val="50000"/>
+            </a:schemeClr>
+          </a:lnRef>
+          <a:fillRef idx="1">
+            <a:schemeClr val="accent1"/>
+          </a:fillRef>
+          <a:effectRef idx="0">
+            <a:schemeClr val="accent1"/>
+          </a:effectRef>
+          <a:fontRef idx="minor">
+            <a:schemeClr val="lt1"/>
+          </a:fontRef>
+        </p:style>
+        <p:txBody>
+          <a:bodyPr rtlCol="0" anchor="ctr"/>
+          <a:lstStyle/>
+          <a:p>
+            <a:pPr algn="ctr"/>
+            <a:endParaRPr lang="en-US" dirty="0"/>
+          </a:p>
+        </p:txBody>
+      </p:sp>
+      <p:sp>
+        <p:nvSpPr>
+          <p:cNvPr id="2" name="Rectangle: Rounded Corners 1">
+            <a:extLst>
+              <a:ext uri="{FF2B5EF4-FFF2-40B4-BE49-F238E27FC236}">
+                <a16:creationId xmlns:a16="http://schemas.microsoft.com/office/drawing/2014/main" id="{CBBE2A44-7B52-4D0B-8561-801EFA5CA329}"/>
+              </a:ext>
+            </a:extLst>
+          </p:cNvPr>
+          <p:cNvSpPr/>
+          <p:nvPr/>
+        </p:nvSpPr>
+        <p:spPr>
+          <a:xfrm>
+            <a:off x="493858" y="451164"/>
+            <a:ext cx="4848225" cy="5886450"/>
+          </a:xfrm>
+          <a:prstGeom prst="roundRect">
+            <a:avLst/>
+          </a:prstGeom>
+          <a:gradFill>
+            <a:gsLst>
+              <a:gs pos="32000">
+                <a:schemeClr val="bg2">
+                  <a:lumMod val="50000"/>
+                </a:schemeClr>
+              </a:gs>
+              <a:gs pos="47000">
+                <a:schemeClr val="tx1">
+                  <a:lumMod val="50000"/>
+                  <a:lumOff val="50000"/>
+                </a:schemeClr>
+              </a:gs>
+              <a:gs pos="72000">
+                <a:schemeClr val="tx1">
+                  <a:lumMod val="50000"/>
+                  <a:lumOff val="50000"/>
+                  <a:alpha val="94000"/>
+                </a:schemeClr>
+              </a:gs>
+              <a:gs pos="97000">
+                <a:schemeClr val="accent3">
+                  <a:lumMod val="70000"/>
+                </a:schemeClr>
+              </a:gs>
+            </a:gsLst>
+            <a:lin ang="2700000" scaled="0"/>
+          </a:gradFill>
+          <a:ln>
+            <a:solidFill>
+              <a:schemeClr val="bg2">
+                <a:lumMod val="50000"/>
+              </a:schemeClr>
+            </a:solidFill>
+          </a:ln>
+        </p:spPr>
+        <p:style>
+          <a:lnRef idx="2">
+            <a:schemeClr val="accent1">
+              <a:shade val="50000"/>
+            </a:schemeClr>
+          </a:lnRef>
+          <a:fillRef idx="1">
+            <a:schemeClr val="accent1"/>
+          </a:fillRef>
+          <a:effectRef idx="0">
+            <a:schemeClr val="accent1"/>
+          </a:effectRef>
+          <a:fontRef idx="minor">
+            <a:schemeClr val="lt1"/>
+          </a:fontRef>
+        </p:style>
+        <p:txBody>
+          <a:bodyPr rtlCol="0" anchor="ctr"/>
+          <a:lstStyle/>
+          <a:p>
+            <a:pPr algn="ctr"/>
+            <a:endParaRPr lang="en-US" dirty="0"/>
+          </a:p>
+        </p:txBody>
+      </p:sp>
+      <p:sp>
+        <p:nvSpPr>
+          <p:cNvPr id="3" name="Rectangle: Rounded Corners 2">
+            <a:extLst>
+              <a:ext uri="{FF2B5EF4-FFF2-40B4-BE49-F238E27FC236}">
+                <a16:creationId xmlns:a16="http://schemas.microsoft.com/office/drawing/2014/main" id="{5570959F-9616-48C5-A891-902F97D86EBA}"/>
+              </a:ext>
+            </a:extLst>
+          </p:cNvPr>
+          <p:cNvSpPr/>
+          <p:nvPr/>
+        </p:nvSpPr>
+        <p:spPr>
+          <a:xfrm>
+            <a:off x="1178633" y="625690"/>
+            <a:ext cx="3379719" cy="139001"/>
+          </a:xfrm>
+          <a:prstGeom prst="roundRect">
+            <a:avLst/>
+          </a:prstGeom>
+          <a:solidFill>
+            <a:schemeClr val="bg1"/>
+          </a:solidFill>
+          <a:ln>
+            <a:solidFill>
+              <a:schemeClr val="bg2">
+                <a:lumMod val="50000"/>
+              </a:schemeClr>
+            </a:solidFill>
+          </a:ln>
+        </p:spPr>
+        <p:style>
+          <a:lnRef idx="2">
+            <a:schemeClr val="accent1">
+              <a:shade val="50000"/>
+            </a:schemeClr>
+          </a:lnRef>
+          <a:fillRef idx="1">
+            <a:schemeClr val="accent1"/>
+          </a:fillRef>
+          <a:effectRef idx="0">
+            <a:schemeClr val="accent1"/>
+          </a:effectRef>
+          <a:fontRef idx="minor">
+            <a:schemeClr val="lt1"/>
+          </a:fontRef>
+        </p:style>
+        <p:txBody>
+          <a:bodyPr rtlCol="0" anchor="ctr"/>
+          <a:lstStyle/>
+          <a:p>
+            <a:pPr algn="ctr"/>
+            <a:endParaRPr lang="en-US" dirty="0"/>
+          </a:p>
+        </p:txBody>
+      </p:sp>
+      <p:sp>
+        <p:nvSpPr>
+          <p:cNvPr id="4" name="Oval 3">
+            <a:extLst>
+              <a:ext uri="{FF2B5EF4-FFF2-40B4-BE49-F238E27FC236}">
+                <a16:creationId xmlns:a16="http://schemas.microsoft.com/office/drawing/2014/main" id="{3D18F0AC-60C0-4B53-9866-2AA64B39C7F2}"/>
+              </a:ext>
+            </a:extLst>
+          </p:cNvPr>
+          <p:cNvSpPr/>
+          <p:nvPr/>
+        </p:nvSpPr>
+        <p:spPr>
+          <a:xfrm>
+            <a:off x="954491" y="856578"/>
+            <a:ext cx="107577" cy="107577"/>
+          </a:xfrm>
+          <a:prstGeom prst="ellipse">
+            <a:avLst/>
+          </a:prstGeom>
+          <a:solidFill>
+            <a:schemeClr val="bg1"/>
+          </a:solidFill>
+          <a:ln>
+            <a:solidFill>
+              <a:schemeClr val="bg2">
+                <a:lumMod val="50000"/>
+              </a:schemeClr>
+            </a:solidFill>
+          </a:ln>
+        </p:spPr>
+        <p:style>
+          <a:lnRef idx="2">
+            <a:schemeClr val="accent1">
+              <a:shade val="50000"/>
+            </a:schemeClr>
+          </a:lnRef>
+          <a:fillRef idx="1">
+            <a:schemeClr val="accent1"/>
+          </a:fillRef>
+          <a:effectRef idx="0">
+            <a:schemeClr val="accent1"/>
+          </a:effectRef>
+          <a:fontRef idx="minor">
+            <a:schemeClr val="lt1"/>
+          </a:fontRef>
+        </p:style>
+        <p:txBody>
+          <a:bodyPr rtlCol="0" anchor="ctr"/>
+          <a:lstStyle/>
+          <a:p>
+            <a:pPr algn="ctr"/>
+            <a:endParaRPr lang="en-US" dirty="0"/>
+          </a:p>
+        </p:txBody>
+      </p:sp>
+      <p:sp>
+        <p:nvSpPr>
+          <p:cNvPr id="5" name="Rectangle: Rounded Corners 4">
+            <a:extLst>
+              <a:ext uri="{FF2B5EF4-FFF2-40B4-BE49-F238E27FC236}">
+                <a16:creationId xmlns:a16="http://schemas.microsoft.com/office/drawing/2014/main" id="{6B49AF11-2390-4519-A84C-60591285CEB0}"/>
+              </a:ext>
+            </a:extLst>
+          </p:cNvPr>
+          <p:cNvSpPr/>
+          <p:nvPr/>
+        </p:nvSpPr>
+        <p:spPr>
+          <a:xfrm>
+            <a:off x="842002" y="1167405"/>
+            <a:ext cx="4152801" cy="208591"/>
+          </a:xfrm>
+          <a:prstGeom prst="roundRect">
+            <a:avLst/>
+          </a:prstGeom>
+          <a:solidFill>
+            <a:schemeClr val="bg1"/>
+          </a:solidFill>
+          <a:ln>
+            <a:solidFill>
+              <a:schemeClr val="bg2">
+                <a:lumMod val="50000"/>
+              </a:schemeClr>
+            </a:solidFill>
+          </a:ln>
+        </p:spPr>
+        <p:style>
+          <a:lnRef idx="2">
+            <a:schemeClr val="accent1">
+              <a:shade val="50000"/>
+            </a:schemeClr>
+          </a:lnRef>
+          <a:fillRef idx="1">
+            <a:schemeClr val="accent1"/>
+          </a:fillRef>
+          <a:effectRef idx="0">
+            <a:schemeClr val="accent1"/>
+          </a:effectRef>
+          <a:fontRef idx="minor">
+            <a:schemeClr val="lt1"/>
+          </a:fontRef>
+        </p:style>
+        <p:txBody>
+          <a:bodyPr rtlCol="0" anchor="ctr"/>
+          <a:lstStyle/>
+          <a:p>
+            <a:pPr algn="ctr"/>
+            <a:endParaRPr lang="en-US"/>
+          </a:p>
+        </p:txBody>
+      </p:sp>
+      <p:sp>
+        <p:nvSpPr>
+          <p:cNvPr id="6" name="Oval 5">
+            <a:extLst>
+              <a:ext uri="{FF2B5EF4-FFF2-40B4-BE49-F238E27FC236}">
+                <a16:creationId xmlns:a16="http://schemas.microsoft.com/office/drawing/2014/main" id="{6BEE5668-3A31-4F1D-BC55-D61BB7216C48}"/>
+              </a:ext>
+            </a:extLst>
+          </p:cNvPr>
+          <p:cNvSpPr/>
+          <p:nvPr/>
+        </p:nvSpPr>
+        <p:spPr>
+          <a:xfrm>
+            <a:off x="4692754" y="850843"/>
+            <a:ext cx="107577" cy="107577"/>
+          </a:xfrm>
+          <a:prstGeom prst="ellipse">
+            <a:avLst/>
+          </a:prstGeom>
+          <a:solidFill>
+            <a:schemeClr val="bg1"/>
+          </a:solidFill>
+          <a:ln>
+            <a:solidFill>
+              <a:schemeClr val="bg2">
+                <a:lumMod val="50000"/>
+              </a:schemeClr>
+            </a:solidFill>
+          </a:ln>
+        </p:spPr>
+        <p:style>
+          <a:lnRef idx="2">
+            <a:schemeClr val="accent1">
+              <a:shade val="50000"/>
+            </a:schemeClr>
+          </a:lnRef>
+          <a:fillRef idx="1">
+            <a:schemeClr val="accent1"/>
+          </a:fillRef>
+          <a:effectRef idx="0">
+            <a:schemeClr val="accent1"/>
+          </a:effectRef>
+          <a:fontRef idx="minor">
+            <a:schemeClr val="lt1"/>
+          </a:fontRef>
+        </p:style>
+        <p:txBody>
+          <a:bodyPr rtlCol="0" anchor="ctr"/>
+          <a:lstStyle/>
+          <a:p>
+            <a:pPr algn="ctr"/>
+            <a:endParaRPr lang="en-US"/>
+          </a:p>
+        </p:txBody>
+      </p:sp>
+      <p:sp>
+        <p:nvSpPr>
+          <p:cNvPr id="7" name="Oval 6">
+            <a:extLst>
+              <a:ext uri="{FF2B5EF4-FFF2-40B4-BE49-F238E27FC236}">
+                <a16:creationId xmlns:a16="http://schemas.microsoft.com/office/drawing/2014/main" id="{33968DF6-94BE-4ECF-BAA2-BCA0ADC98E87}"/>
+              </a:ext>
+            </a:extLst>
+          </p:cNvPr>
+          <p:cNvSpPr/>
+          <p:nvPr/>
+        </p:nvSpPr>
+        <p:spPr>
+          <a:xfrm>
+            <a:off x="4692753" y="5830934"/>
+            <a:ext cx="107577" cy="107577"/>
+          </a:xfrm>
+          <a:prstGeom prst="ellipse">
+            <a:avLst/>
+          </a:prstGeom>
+          <a:solidFill>
+            <a:schemeClr val="bg1"/>
+          </a:solidFill>
+          <a:ln>
+            <a:solidFill>
+              <a:schemeClr val="bg2">
+                <a:lumMod val="50000"/>
+              </a:schemeClr>
+            </a:solidFill>
+          </a:ln>
+        </p:spPr>
+        <p:style>
+          <a:lnRef idx="2">
+            <a:schemeClr val="accent1">
+              <a:shade val="50000"/>
+            </a:schemeClr>
+          </a:lnRef>
+          <a:fillRef idx="1">
+            <a:schemeClr val="accent1"/>
+          </a:fillRef>
+          <a:effectRef idx="0">
+            <a:schemeClr val="accent1"/>
+          </a:effectRef>
+          <a:fontRef idx="minor">
+            <a:schemeClr val="lt1"/>
+          </a:fontRef>
+        </p:style>
+        <p:txBody>
+          <a:bodyPr rtlCol="0" anchor="ctr"/>
+          <a:lstStyle/>
+          <a:p>
+            <a:pPr algn="ctr"/>
+            <a:endParaRPr lang="en-US"/>
+          </a:p>
+        </p:txBody>
+      </p:sp>
+      <p:sp>
+        <p:nvSpPr>
+          <p:cNvPr id="8" name="Oval 7">
+            <a:extLst>
+              <a:ext uri="{FF2B5EF4-FFF2-40B4-BE49-F238E27FC236}">
+                <a16:creationId xmlns:a16="http://schemas.microsoft.com/office/drawing/2014/main" id="{EE1E9801-A656-451D-8677-60A62C8A34AB}"/>
+              </a:ext>
+            </a:extLst>
+          </p:cNvPr>
+          <p:cNvSpPr/>
+          <p:nvPr/>
+        </p:nvSpPr>
+        <p:spPr>
+          <a:xfrm>
+            <a:off x="954490" y="5832005"/>
+            <a:ext cx="107577" cy="107577"/>
+          </a:xfrm>
+          <a:prstGeom prst="ellipse">
+            <a:avLst/>
+          </a:prstGeom>
+          <a:solidFill>
+            <a:schemeClr val="bg1"/>
+          </a:solidFill>
+          <a:ln>
+            <a:solidFill>
+              <a:schemeClr val="bg2">
+                <a:lumMod val="50000"/>
+              </a:schemeClr>
+            </a:solidFill>
+          </a:ln>
+        </p:spPr>
+        <p:style>
+          <a:lnRef idx="2">
+            <a:schemeClr val="accent1">
+              <a:shade val="50000"/>
+            </a:schemeClr>
+          </a:lnRef>
+          <a:fillRef idx="1">
+            <a:schemeClr val="accent1"/>
+          </a:fillRef>
+          <a:effectRef idx="0">
+            <a:schemeClr val="accent1"/>
+          </a:effectRef>
+          <a:fontRef idx="minor">
+            <a:schemeClr val="lt1"/>
+          </a:fontRef>
+        </p:style>
+        <p:txBody>
+          <a:bodyPr rtlCol="0" anchor="ctr"/>
+          <a:lstStyle/>
+          <a:p>
+            <a:pPr algn="ctr"/>
+            <a:endParaRPr lang="en-US"/>
+          </a:p>
+        </p:txBody>
+      </p:sp>
+      <p:sp>
+        <p:nvSpPr>
+          <p:cNvPr id="9" name="Rectangle: Rounded Corners 8">
+            <a:extLst>
+              <a:ext uri="{FF2B5EF4-FFF2-40B4-BE49-F238E27FC236}">
+                <a16:creationId xmlns:a16="http://schemas.microsoft.com/office/drawing/2014/main" id="{DF8B201E-451F-455F-8325-8D5E9EB355AD}"/>
+              </a:ext>
+            </a:extLst>
+          </p:cNvPr>
+          <p:cNvSpPr/>
+          <p:nvPr/>
+        </p:nvSpPr>
+        <p:spPr>
+          <a:xfrm>
+            <a:off x="841141" y="1836454"/>
+            <a:ext cx="4153655" cy="223731"/>
+          </a:xfrm>
+          <a:prstGeom prst="roundRect">
+            <a:avLst/>
+          </a:prstGeom>
+          <a:solidFill>
+            <a:schemeClr val="bg1"/>
+          </a:solidFill>
+          <a:ln>
+            <a:solidFill>
+              <a:schemeClr val="bg2">
+                <a:lumMod val="50000"/>
+              </a:schemeClr>
+            </a:solidFill>
+          </a:ln>
+        </p:spPr>
+        <p:style>
+          <a:lnRef idx="2">
+            <a:schemeClr val="accent1">
+              <a:shade val="50000"/>
+            </a:schemeClr>
+          </a:lnRef>
+          <a:fillRef idx="1">
+            <a:schemeClr val="accent1"/>
+          </a:fillRef>
+          <a:effectRef idx="0">
+            <a:schemeClr val="accent1"/>
+          </a:effectRef>
+          <a:fontRef idx="minor">
+            <a:schemeClr val="lt1"/>
+          </a:fontRef>
+        </p:style>
+        <p:txBody>
+          <a:bodyPr rtlCol="0" anchor="ctr"/>
+          <a:lstStyle/>
+          <a:p>
+            <a:pPr algn="ctr"/>
+            <a:endParaRPr lang="en-US"/>
+          </a:p>
+        </p:txBody>
+      </p:sp>
+      <p:sp>
+        <p:nvSpPr>
+          <p:cNvPr id="10" name="Rectangle: Rounded Corners 9">
+            <a:extLst>
+              <a:ext uri="{FF2B5EF4-FFF2-40B4-BE49-F238E27FC236}">
+                <a16:creationId xmlns:a16="http://schemas.microsoft.com/office/drawing/2014/main" id="{EC62D712-C53E-4712-8826-74291519EDB4}"/>
+              </a:ext>
+            </a:extLst>
+          </p:cNvPr>
+          <p:cNvSpPr/>
+          <p:nvPr/>
+        </p:nvSpPr>
+        <p:spPr>
+          <a:xfrm>
+            <a:off x="836026" y="2504015"/>
+            <a:ext cx="4158774" cy="228640"/>
+          </a:xfrm>
+          <a:prstGeom prst="roundRect">
+            <a:avLst/>
+          </a:prstGeom>
+          <a:solidFill>
+            <a:schemeClr val="bg1"/>
+          </a:solidFill>
+          <a:ln>
+            <a:solidFill>
+              <a:schemeClr val="bg2">
+                <a:lumMod val="50000"/>
+              </a:schemeClr>
+            </a:solidFill>
+          </a:ln>
+        </p:spPr>
+        <p:style>
+          <a:lnRef idx="2">
+            <a:schemeClr val="accent1">
+              <a:shade val="50000"/>
+            </a:schemeClr>
+          </a:lnRef>
+          <a:fillRef idx="1">
+            <a:schemeClr val="accent1"/>
+          </a:fillRef>
+          <a:effectRef idx="0">
+            <a:schemeClr val="accent1"/>
+          </a:effectRef>
+          <a:fontRef idx="minor">
+            <a:schemeClr val="lt1"/>
+          </a:fontRef>
+        </p:style>
+        <p:txBody>
+          <a:bodyPr rtlCol="0" anchor="ctr"/>
+          <a:lstStyle/>
+          <a:p>
+            <a:pPr algn="ctr"/>
+            <a:endParaRPr lang="en-US"/>
+          </a:p>
+        </p:txBody>
+      </p:sp>
+      <p:sp>
+        <p:nvSpPr>
+          <p:cNvPr id="11" name="Rectangle: Rounded Corners 10">
+            <a:extLst>
+              <a:ext uri="{FF2B5EF4-FFF2-40B4-BE49-F238E27FC236}">
+                <a16:creationId xmlns:a16="http://schemas.microsoft.com/office/drawing/2014/main" id="{AAD795CB-B82B-41FE-92AF-639B5D7CCCFF}"/>
+              </a:ext>
+            </a:extLst>
+          </p:cNvPr>
+          <p:cNvSpPr/>
+          <p:nvPr/>
+        </p:nvSpPr>
+        <p:spPr>
+          <a:xfrm>
+            <a:off x="841139" y="3164843"/>
+            <a:ext cx="4153658" cy="157434"/>
+          </a:xfrm>
+          <a:prstGeom prst="roundRect">
+            <a:avLst/>
+          </a:prstGeom>
+          <a:solidFill>
+            <a:schemeClr val="bg1"/>
+          </a:solidFill>
+          <a:ln>
+            <a:solidFill>
+              <a:schemeClr val="bg2">
+                <a:lumMod val="50000"/>
+              </a:schemeClr>
+            </a:solidFill>
+          </a:ln>
+        </p:spPr>
+        <p:style>
+          <a:lnRef idx="2">
+            <a:schemeClr val="accent1">
+              <a:shade val="50000"/>
+            </a:schemeClr>
+          </a:lnRef>
+          <a:fillRef idx="1">
+            <a:schemeClr val="accent1"/>
+          </a:fillRef>
+          <a:effectRef idx="0">
+            <a:schemeClr val="accent1"/>
+          </a:effectRef>
+          <a:fontRef idx="minor">
+            <a:schemeClr val="lt1"/>
+          </a:fontRef>
+        </p:style>
+        <p:txBody>
+          <a:bodyPr rtlCol="0" anchor="ctr"/>
+          <a:lstStyle/>
+          <a:p>
+            <a:pPr algn="ctr"/>
+            <a:endParaRPr lang="en-US"/>
+          </a:p>
+        </p:txBody>
+      </p:sp>
+      <p:sp>
+        <p:nvSpPr>
+          <p:cNvPr id="12" name="Rectangle: Rounded Corners 11">
+            <a:extLst>
+              <a:ext uri="{FF2B5EF4-FFF2-40B4-BE49-F238E27FC236}">
+                <a16:creationId xmlns:a16="http://schemas.microsoft.com/office/drawing/2014/main" id="{3203177D-8895-4584-8231-24FADA2A9BDA}"/>
+              </a:ext>
+            </a:extLst>
+          </p:cNvPr>
+          <p:cNvSpPr/>
+          <p:nvPr/>
+        </p:nvSpPr>
+        <p:spPr>
+          <a:xfrm>
+            <a:off x="814284" y="3604509"/>
+            <a:ext cx="4158774" cy="208591"/>
+          </a:xfrm>
+          <a:prstGeom prst="roundRect">
+            <a:avLst/>
+          </a:prstGeom>
+          <a:solidFill>
+            <a:schemeClr val="bg1"/>
+          </a:solidFill>
+          <a:ln>
+            <a:solidFill>
+              <a:schemeClr val="bg2">
+                <a:lumMod val="50000"/>
+              </a:schemeClr>
+            </a:solidFill>
+          </a:ln>
+        </p:spPr>
+        <p:style>
+          <a:lnRef idx="2">
+            <a:schemeClr val="accent1">
+              <a:shade val="50000"/>
+            </a:schemeClr>
+          </a:lnRef>
+          <a:fillRef idx="1">
+            <a:schemeClr val="accent1"/>
+          </a:fillRef>
+          <a:effectRef idx="0">
+            <a:schemeClr val="accent1"/>
+          </a:effectRef>
+          <a:fontRef idx="minor">
+            <a:schemeClr val="lt1"/>
+          </a:fontRef>
+        </p:style>
+        <p:txBody>
+          <a:bodyPr rtlCol="0" anchor="ctr"/>
+          <a:lstStyle/>
+          <a:p>
+            <a:pPr algn="ctr"/>
+            <a:endParaRPr lang="en-US" dirty="0"/>
+          </a:p>
+        </p:txBody>
+      </p:sp>
+      <p:sp>
+        <p:nvSpPr>
+          <p:cNvPr id="13" name="Rectangle: Rounded Corners 12">
+            <a:extLst>
+              <a:ext uri="{FF2B5EF4-FFF2-40B4-BE49-F238E27FC236}">
+                <a16:creationId xmlns:a16="http://schemas.microsoft.com/office/drawing/2014/main" id="{33FC349A-53E7-4619-B390-7F00E42478E3}"/>
+              </a:ext>
+            </a:extLst>
+          </p:cNvPr>
+          <p:cNvSpPr/>
+          <p:nvPr/>
+        </p:nvSpPr>
+        <p:spPr>
+          <a:xfrm>
+            <a:off x="836026" y="4183745"/>
+            <a:ext cx="4153647" cy="234786"/>
+          </a:xfrm>
+          <a:prstGeom prst="roundRect">
+            <a:avLst/>
+          </a:prstGeom>
+          <a:solidFill>
+            <a:schemeClr val="bg1"/>
+          </a:solidFill>
+          <a:ln>
+            <a:solidFill>
+              <a:schemeClr val="bg2">
+                <a:lumMod val="50000"/>
+              </a:schemeClr>
+            </a:solidFill>
+          </a:ln>
+        </p:spPr>
+        <p:style>
+          <a:lnRef idx="2">
+            <a:schemeClr val="accent1">
+              <a:shade val="50000"/>
+            </a:schemeClr>
+          </a:lnRef>
+          <a:fillRef idx="1">
+            <a:schemeClr val="accent1"/>
+          </a:fillRef>
+          <a:effectRef idx="0">
+            <a:schemeClr val="accent1"/>
+          </a:effectRef>
+          <a:fontRef idx="minor">
+            <a:schemeClr val="lt1"/>
+          </a:fontRef>
+        </p:style>
+        <p:txBody>
+          <a:bodyPr rtlCol="0" anchor="ctr"/>
+          <a:lstStyle/>
+          <a:p>
+            <a:pPr algn="ctr"/>
+            <a:endParaRPr lang="en-US"/>
+          </a:p>
+        </p:txBody>
+      </p:sp>
+      <p:sp>
+        <p:nvSpPr>
+          <p:cNvPr id="14" name="Rectangle: Rounded Corners 13">
+            <a:extLst>
+              <a:ext uri="{FF2B5EF4-FFF2-40B4-BE49-F238E27FC236}">
+                <a16:creationId xmlns:a16="http://schemas.microsoft.com/office/drawing/2014/main" id="{0691546A-F7AD-4A89-9A92-D34D23486ACA}"/>
+              </a:ext>
+            </a:extLst>
+          </p:cNvPr>
+          <p:cNvSpPr/>
+          <p:nvPr/>
+        </p:nvSpPr>
+        <p:spPr>
+          <a:xfrm>
+            <a:off x="836026" y="4837733"/>
+            <a:ext cx="4158774" cy="246870"/>
+          </a:xfrm>
+          <a:prstGeom prst="roundRect">
+            <a:avLst/>
+          </a:prstGeom>
+          <a:solidFill>
+            <a:schemeClr val="bg1"/>
+          </a:solidFill>
+          <a:ln>
+            <a:solidFill>
+              <a:schemeClr val="bg2">
+                <a:lumMod val="50000"/>
+              </a:schemeClr>
+            </a:solidFill>
+          </a:ln>
+        </p:spPr>
+        <p:style>
+          <a:lnRef idx="2">
+            <a:schemeClr val="accent1">
+              <a:shade val="50000"/>
+            </a:schemeClr>
+          </a:lnRef>
+          <a:fillRef idx="1">
+            <a:schemeClr val="accent1"/>
+          </a:fillRef>
+          <a:effectRef idx="0">
+            <a:schemeClr val="accent1"/>
+          </a:effectRef>
+          <a:fontRef idx="minor">
+            <a:schemeClr val="lt1"/>
+          </a:fontRef>
+        </p:style>
+        <p:txBody>
+          <a:bodyPr rtlCol="0" anchor="ctr"/>
+          <a:lstStyle/>
+          <a:p>
+            <a:pPr algn="ctr"/>
+            <a:endParaRPr lang="en-US"/>
+          </a:p>
+        </p:txBody>
+      </p:sp>
+      <p:pic>
+        <p:nvPicPr>
+          <p:cNvPr id="15" name="Picture 14" descr="A picture containing background pattern&#10;&#10;Description automatically generated">
+            <a:extLst>
+              <a:ext uri="{FF2B5EF4-FFF2-40B4-BE49-F238E27FC236}">
+                <a16:creationId xmlns:a16="http://schemas.microsoft.com/office/drawing/2014/main" id="{3CBB4DD2-0D0A-4C93-9846-B46980D8F757}"/>
+              </a:ext>
+            </a:extLst>
+          </p:cNvPr>
+          <p:cNvPicPr>
+            <a:picLocks noChangeAspect="1"/>
+          </p:cNvPicPr>
+          <p:nvPr/>
+        </p:nvPicPr>
+        <p:blipFill>
+          <a:blip r:embed="rId2">
+            <a:alphaModFix amt="70000"/>
+            <a:extLst>
+              <a:ext uri="{28A0092B-C50C-407E-A947-70E740481C1C}">
+                <a14:useLocalDpi xmlns:a14="http://schemas.microsoft.com/office/drawing/2010/main" val="0"/>
+              </a:ext>
+            </a:extLst>
+          </a:blip>
+          <a:stretch>
+            <a:fillRect/>
+          </a:stretch>
+        </p:blipFill>
+        <p:spPr>
+          <a:xfrm rot="10800000">
+            <a:off x="1029095" y="764690"/>
+            <a:ext cx="1848054" cy="2557585"/>
+          </a:xfrm>
+          <a:prstGeom prst="rect">
+            <a:avLst/>
+          </a:prstGeom>
+        </p:spPr>
+      </p:pic>
+      <p:sp>
+        <p:nvSpPr>
+          <p:cNvPr id="16" name="Rectangle: Rounded Corners 15">
+            <a:extLst>
+              <a:ext uri="{FF2B5EF4-FFF2-40B4-BE49-F238E27FC236}">
+                <a16:creationId xmlns:a16="http://schemas.microsoft.com/office/drawing/2014/main" id="{B1E5BFC5-FCB5-45D2-A35B-A878C3824F81}"/>
+              </a:ext>
+            </a:extLst>
+          </p:cNvPr>
+          <p:cNvSpPr/>
+          <p:nvPr/>
+        </p:nvSpPr>
+        <p:spPr>
+          <a:xfrm>
+            <a:off x="847378" y="5513307"/>
+            <a:ext cx="4148520" cy="207261"/>
+          </a:xfrm>
+          <a:prstGeom prst="roundRect">
+            <a:avLst/>
+          </a:prstGeom>
+          <a:solidFill>
+            <a:schemeClr val="bg1"/>
+          </a:solidFill>
+          <a:ln>
+            <a:solidFill>
+              <a:schemeClr val="bg2">
+                <a:lumMod val="50000"/>
+              </a:schemeClr>
+            </a:solidFill>
+          </a:ln>
+        </p:spPr>
+        <p:style>
+          <a:lnRef idx="2">
+            <a:schemeClr val="accent1">
+              <a:shade val="50000"/>
+            </a:schemeClr>
+          </a:lnRef>
+          <a:fillRef idx="1">
+            <a:schemeClr val="accent1"/>
+          </a:fillRef>
+          <a:effectRef idx="0">
+            <a:schemeClr val="accent1"/>
+          </a:effectRef>
+          <a:fontRef idx="minor">
+            <a:schemeClr val="lt1"/>
+          </a:fontRef>
+        </p:style>
+        <p:txBody>
+          <a:bodyPr rtlCol="0" anchor="ctr"/>
+          <a:lstStyle/>
+          <a:p>
+            <a:pPr algn="ctr"/>
+            <a:endParaRPr lang="en-US"/>
+          </a:p>
+        </p:txBody>
+      </p:sp>
+      <p:sp>
+        <p:nvSpPr>
+          <p:cNvPr id="17" name="Rectangle: Rounded Corners 16">
+            <a:extLst>
+              <a:ext uri="{FF2B5EF4-FFF2-40B4-BE49-F238E27FC236}">
+                <a16:creationId xmlns:a16="http://schemas.microsoft.com/office/drawing/2014/main" id="{7A181426-4A16-4E13-A7A7-25D001780214}"/>
+              </a:ext>
+            </a:extLst>
+          </p:cNvPr>
+          <p:cNvSpPr/>
+          <p:nvPr/>
+        </p:nvSpPr>
+        <p:spPr>
+          <a:xfrm>
+            <a:off x="1203811" y="6132329"/>
+            <a:ext cx="3379719" cy="139001"/>
+          </a:xfrm>
+          <a:prstGeom prst="roundRect">
+            <a:avLst/>
+          </a:prstGeom>
+          <a:solidFill>
+            <a:schemeClr val="bg1"/>
+          </a:solidFill>
+          <a:ln>
+            <a:solidFill>
+              <a:schemeClr val="bg2">
+                <a:lumMod val="50000"/>
+              </a:schemeClr>
+            </a:solidFill>
+          </a:ln>
+        </p:spPr>
+        <p:style>
+          <a:lnRef idx="2">
+            <a:schemeClr val="accent1">
+              <a:shade val="50000"/>
+            </a:schemeClr>
+          </a:lnRef>
+          <a:fillRef idx="1">
+            <a:schemeClr val="accent1"/>
+          </a:fillRef>
+          <a:effectRef idx="0">
+            <a:schemeClr val="accent1"/>
+          </a:effectRef>
+          <a:fontRef idx="minor">
+            <a:schemeClr val="lt1"/>
+          </a:fontRef>
+        </p:style>
+        <p:txBody>
+          <a:bodyPr rtlCol="0" anchor="ctr"/>
+          <a:lstStyle/>
+          <a:p>
+            <a:pPr algn="ctr"/>
+            <a:endParaRPr lang="en-US" dirty="0"/>
+          </a:p>
+        </p:txBody>
+      </p:sp>
+      <p:pic>
+        <p:nvPicPr>
+          <p:cNvPr id="18" name="Picture 17" descr="A picture containing background pattern&#10;&#10;Description automatically generated">
+            <a:extLst>
+              <a:ext uri="{FF2B5EF4-FFF2-40B4-BE49-F238E27FC236}">
+                <a16:creationId xmlns:a16="http://schemas.microsoft.com/office/drawing/2014/main" id="{6CFDE5D9-3122-47D8-BBB0-0D3FFBFFC5CC}"/>
+              </a:ext>
+            </a:extLst>
+          </p:cNvPr>
+          <p:cNvPicPr>
+            <a:picLocks noChangeAspect="1"/>
+          </p:cNvPicPr>
+          <p:nvPr/>
+        </p:nvPicPr>
+        <p:blipFill>
+          <a:blip r:embed="rId2">
+            <a:alphaModFix amt="70000"/>
+            <a:extLst>
+              <a:ext uri="{28A0092B-C50C-407E-A947-70E740481C1C}">
+                <a14:useLocalDpi xmlns:a14="http://schemas.microsoft.com/office/drawing/2010/main" val="0"/>
+              </a:ext>
+            </a:extLst>
+          </a:blip>
+          <a:stretch>
+            <a:fillRect/>
+          </a:stretch>
+        </p:blipFill>
+        <p:spPr>
+          <a:xfrm rot="10800000" flipH="1">
+            <a:off x="2970607" y="779191"/>
+            <a:ext cx="1848054" cy="2557585"/>
+          </a:xfrm>
+          <a:prstGeom prst="rect">
+            <a:avLst/>
+          </a:prstGeom>
+        </p:spPr>
+      </p:pic>
+      <p:pic>
+        <p:nvPicPr>
+          <p:cNvPr id="19" name="Picture 18" descr="A picture containing background pattern&#10;&#10;Description automatically generated">
+            <a:extLst>
+              <a:ext uri="{FF2B5EF4-FFF2-40B4-BE49-F238E27FC236}">
+                <a16:creationId xmlns:a16="http://schemas.microsoft.com/office/drawing/2014/main" id="{7CF23169-8160-45C4-8D94-AE7F5019592B}"/>
+              </a:ext>
+            </a:extLst>
+          </p:cNvPr>
+          <p:cNvPicPr>
+            <a:picLocks noChangeAspect="1"/>
+          </p:cNvPicPr>
+          <p:nvPr/>
+        </p:nvPicPr>
+        <p:blipFill>
+          <a:blip r:embed="rId2">
+            <a:alphaModFix amt="70000"/>
+            <a:extLst>
+              <a:ext uri="{28A0092B-C50C-407E-A947-70E740481C1C}">
+                <a14:useLocalDpi xmlns:a14="http://schemas.microsoft.com/office/drawing/2010/main" val="0"/>
+              </a:ext>
+            </a:extLst>
+          </a:blip>
+          <a:stretch>
+            <a:fillRect/>
+          </a:stretch>
+        </p:blipFill>
+        <p:spPr>
+          <a:xfrm>
+            <a:off x="1022837" y="3611664"/>
+            <a:ext cx="1815082" cy="2511954"/>
+          </a:xfrm>
+          <a:prstGeom prst="rect">
+            <a:avLst/>
+          </a:prstGeom>
+        </p:spPr>
+      </p:pic>
+      <p:pic>
+        <p:nvPicPr>
+          <p:cNvPr id="20" name="Picture 19" descr="A picture containing background pattern&#10;&#10;Description automatically generated">
+            <a:extLst>
+              <a:ext uri="{FF2B5EF4-FFF2-40B4-BE49-F238E27FC236}">
+                <a16:creationId xmlns:a16="http://schemas.microsoft.com/office/drawing/2014/main" id="{57A14107-CEDB-44A4-A1D6-8E664AD7B671}"/>
+              </a:ext>
+            </a:extLst>
+          </p:cNvPr>
+          <p:cNvPicPr>
+            <a:picLocks noChangeAspect="1"/>
+          </p:cNvPicPr>
+          <p:nvPr/>
+        </p:nvPicPr>
+        <p:blipFill>
+          <a:blip r:embed="rId2">
+            <a:alphaModFix amt="70000"/>
+            <a:extLst>
+              <a:ext uri="{28A0092B-C50C-407E-A947-70E740481C1C}">
+                <a14:useLocalDpi xmlns:a14="http://schemas.microsoft.com/office/drawing/2010/main" val="0"/>
+              </a:ext>
+            </a:extLst>
+          </a:blip>
+          <a:stretch>
+            <a:fillRect/>
+          </a:stretch>
+        </p:blipFill>
+        <p:spPr>
+          <a:xfrm flipH="1">
+            <a:off x="2979272" y="3613220"/>
+            <a:ext cx="1815082" cy="2511954"/>
+          </a:xfrm>
+          <a:prstGeom prst="rect">
+            <a:avLst/>
+          </a:prstGeom>
+        </p:spPr>
+      </p:pic>
+      <p:cxnSp>
+        <p:nvCxnSpPr>
+          <p:cNvPr id="22" name="Straight Connector 21">
+            <a:extLst>
+              <a:ext uri="{FF2B5EF4-FFF2-40B4-BE49-F238E27FC236}">
+                <a16:creationId xmlns:a16="http://schemas.microsoft.com/office/drawing/2014/main" id="{B272231B-7CA9-4B4A-9F1C-E99A067C5252}"/>
+              </a:ext>
+            </a:extLst>
+          </p:cNvPr>
+          <p:cNvCxnSpPr>
+            <a:cxnSpLocks/>
+          </p:cNvCxnSpPr>
+          <p:nvPr/>
+        </p:nvCxnSpPr>
+        <p:spPr>
+          <a:xfrm>
+            <a:off x="1022837" y="1702749"/>
+            <a:ext cx="39230" cy="1619527"/>
+          </a:xfrm>
+          <a:prstGeom prst="line">
+            <a:avLst/>
+          </a:prstGeom>
+          <a:ln w="28575"/>
+        </p:spPr>
+        <p:style>
+          <a:lnRef idx="1">
+            <a:schemeClr val="accent1"/>
+          </a:lnRef>
+          <a:fillRef idx="0">
+            <a:schemeClr val="accent1"/>
+          </a:fillRef>
+          <a:effectRef idx="0">
+            <a:schemeClr val="accent1"/>
+          </a:effectRef>
+          <a:fontRef idx="minor">
+            <a:schemeClr val="tx1"/>
+          </a:fontRef>
+        </p:style>
+      </p:cxnSp>
+      <p:cxnSp>
+        <p:nvCxnSpPr>
+          <p:cNvPr id="25" name="Straight Connector 24">
+            <a:extLst>
+              <a:ext uri="{FF2B5EF4-FFF2-40B4-BE49-F238E27FC236}">
+                <a16:creationId xmlns:a16="http://schemas.microsoft.com/office/drawing/2014/main" id="{ADDF8696-E890-4A8B-B152-2D44990DC002}"/>
+              </a:ext>
+            </a:extLst>
+          </p:cNvPr>
+          <p:cNvCxnSpPr>
+            <a:cxnSpLocks/>
+          </p:cNvCxnSpPr>
+          <p:nvPr/>
+        </p:nvCxnSpPr>
+        <p:spPr>
+          <a:xfrm>
+            <a:off x="1062067" y="3302949"/>
+            <a:ext cx="1775852" cy="0"/>
+          </a:xfrm>
+          <a:prstGeom prst="line">
+            <a:avLst/>
+          </a:prstGeom>
+          <a:ln w="28575"/>
+        </p:spPr>
+        <p:style>
+          <a:lnRef idx="1">
+            <a:schemeClr val="accent1"/>
+          </a:lnRef>
+          <a:fillRef idx="0">
+            <a:schemeClr val="accent1"/>
+          </a:fillRef>
+          <a:effectRef idx="0">
+            <a:schemeClr val="accent1"/>
+          </a:effectRef>
+          <a:fontRef idx="minor">
+            <a:schemeClr val="tx1"/>
+          </a:fontRef>
+        </p:style>
+      </p:cxnSp>
+      <p:cxnSp>
+        <p:nvCxnSpPr>
+          <p:cNvPr id="27" name="Straight Connector 26">
+            <a:extLst>
+              <a:ext uri="{FF2B5EF4-FFF2-40B4-BE49-F238E27FC236}">
+                <a16:creationId xmlns:a16="http://schemas.microsoft.com/office/drawing/2014/main" id="{0BA98A12-FB27-444B-8749-EC6A4697CF7D}"/>
+              </a:ext>
+            </a:extLst>
+          </p:cNvPr>
+          <p:cNvCxnSpPr>
+            <a:cxnSpLocks/>
+          </p:cNvCxnSpPr>
+          <p:nvPr/>
+        </p:nvCxnSpPr>
+        <p:spPr>
+          <a:xfrm>
+            <a:off x="2837919" y="1702749"/>
+            <a:ext cx="0" cy="1619527"/>
+          </a:xfrm>
+          <a:prstGeom prst="line">
+            <a:avLst/>
+          </a:prstGeom>
+          <a:ln w="28575"/>
+        </p:spPr>
+        <p:style>
+          <a:lnRef idx="1">
+            <a:schemeClr val="accent1"/>
+          </a:lnRef>
+          <a:fillRef idx="0">
+            <a:schemeClr val="accent1"/>
+          </a:fillRef>
+          <a:effectRef idx="0">
+            <a:schemeClr val="accent1"/>
+          </a:effectRef>
+          <a:fontRef idx="minor">
+            <a:schemeClr val="tx1"/>
+          </a:fontRef>
+        </p:style>
+      </p:cxnSp>
+      <p:cxnSp>
+        <p:nvCxnSpPr>
+          <p:cNvPr id="32" name="Straight Connector 31">
+            <a:extLst>
+              <a:ext uri="{FF2B5EF4-FFF2-40B4-BE49-F238E27FC236}">
+                <a16:creationId xmlns:a16="http://schemas.microsoft.com/office/drawing/2014/main" id="{1D6D130D-66A8-408D-B8D0-6240D515C430}"/>
+              </a:ext>
+            </a:extLst>
+          </p:cNvPr>
+          <p:cNvCxnSpPr/>
+          <p:nvPr/>
+        </p:nvCxnSpPr>
+        <p:spPr>
+          <a:xfrm flipV="1">
+            <a:off x="1022837" y="779190"/>
+            <a:ext cx="470516" cy="923559"/>
+          </a:xfrm>
+          <a:prstGeom prst="line">
+            <a:avLst/>
+          </a:prstGeom>
+          <a:ln w="28575"/>
+        </p:spPr>
+        <p:style>
+          <a:lnRef idx="1">
+            <a:schemeClr val="accent1"/>
+          </a:lnRef>
+          <a:fillRef idx="0">
+            <a:schemeClr val="accent1"/>
+          </a:fillRef>
+          <a:effectRef idx="0">
+            <a:schemeClr val="accent1"/>
+          </a:effectRef>
+          <a:fontRef idx="minor">
+            <a:schemeClr val="tx1"/>
+          </a:fontRef>
+        </p:style>
+      </p:cxnSp>
+      <p:cxnSp>
+        <p:nvCxnSpPr>
+          <p:cNvPr id="34" name="Straight Connector 33">
+            <a:extLst>
+              <a:ext uri="{FF2B5EF4-FFF2-40B4-BE49-F238E27FC236}">
+                <a16:creationId xmlns:a16="http://schemas.microsoft.com/office/drawing/2014/main" id="{8C5CE0B1-FAA0-408F-9445-13167C914910}"/>
+              </a:ext>
+            </a:extLst>
+          </p:cNvPr>
+          <p:cNvCxnSpPr/>
+          <p:nvPr/>
+        </p:nvCxnSpPr>
+        <p:spPr>
+          <a:xfrm flipV="1">
+            <a:off x="1496975" y="764689"/>
+            <a:ext cx="993664" cy="7157"/>
+          </a:xfrm>
+          <a:prstGeom prst="line">
+            <a:avLst/>
+          </a:prstGeom>
+        </p:spPr>
+        <p:style>
+          <a:lnRef idx="1">
+            <a:schemeClr val="accent1"/>
+          </a:lnRef>
+          <a:fillRef idx="0">
+            <a:schemeClr val="accent1"/>
+          </a:fillRef>
+          <a:effectRef idx="0">
+            <a:schemeClr val="accent1"/>
+          </a:effectRef>
+          <a:fontRef idx="minor">
+            <a:schemeClr val="tx1"/>
+          </a:fontRef>
+        </p:style>
+      </p:cxnSp>
+      <p:cxnSp>
+        <p:nvCxnSpPr>
+          <p:cNvPr id="36" name="Straight Connector 35">
+            <a:extLst>
+              <a:ext uri="{FF2B5EF4-FFF2-40B4-BE49-F238E27FC236}">
+                <a16:creationId xmlns:a16="http://schemas.microsoft.com/office/drawing/2014/main" id="{2FEC52CD-7248-4583-9F51-2A1E2C8AE5E5}"/>
+              </a:ext>
+            </a:extLst>
+          </p:cNvPr>
+          <p:cNvCxnSpPr/>
+          <p:nvPr/>
+        </p:nvCxnSpPr>
+        <p:spPr>
+          <a:xfrm>
+            <a:off x="2488296" y="768299"/>
+            <a:ext cx="349623" cy="956718"/>
+          </a:xfrm>
+          <a:prstGeom prst="line">
+            <a:avLst/>
+          </a:prstGeom>
+          <a:ln w="28575"/>
+        </p:spPr>
+        <p:style>
+          <a:lnRef idx="1">
+            <a:schemeClr val="accent1"/>
+          </a:lnRef>
+          <a:fillRef idx="0">
+            <a:schemeClr val="accent1"/>
+          </a:fillRef>
+          <a:effectRef idx="0">
+            <a:schemeClr val="accent1"/>
+          </a:effectRef>
+          <a:fontRef idx="minor">
+            <a:schemeClr val="tx1"/>
+          </a:fontRef>
+        </p:style>
+      </p:cxnSp>
+      <p:cxnSp>
+        <p:nvCxnSpPr>
+          <p:cNvPr id="37" name="Straight Connector 36">
+            <a:extLst>
+              <a:ext uri="{FF2B5EF4-FFF2-40B4-BE49-F238E27FC236}">
+                <a16:creationId xmlns:a16="http://schemas.microsoft.com/office/drawing/2014/main" id="{B9FFB2A8-3425-4E9E-80FB-C071D5F12576}"/>
+              </a:ext>
+            </a:extLst>
+          </p:cNvPr>
+          <p:cNvCxnSpPr>
+            <a:cxnSpLocks/>
+          </p:cNvCxnSpPr>
+          <p:nvPr/>
+        </p:nvCxnSpPr>
+        <p:spPr>
+          <a:xfrm>
+            <a:off x="2990221" y="1718575"/>
+            <a:ext cx="39230" cy="1619527"/>
+          </a:xfrm>
+          <a:prstGeom prst="line">
+            <a:avLst/>
+          </a:prstGeom>
+          <a:ln w="28575"/>
+        </p:spPr>
+        <p:style>
+          <a:lnRef idx="1">
+            <a:schemeClr val="accent1"/>
+          </a:lnRef>
+          <a:fillRef idx="0">
+            <a:schemeClr val="accent1"/>
+          </a:fillRef>
+          <a:effectRef idx="0">
+            <a:schemeClr val="accent1"/>
+          </a:effectRef>
+          <a:fontRef idx="minor">
+            <a:schemeClr val="tx1"/>
+          </a:fontRef>
+        </p:style>
+      </p:cxnSp>
+      <p:cxnSp>
+        <p:nvCxnSpPr>
+          <p:cNvPr id="38" name="Straight Connector 37">
+            <a:extLst>
+              <a:ext uri="{FF2B5EF4-FFF2-40B4-BE49-F238E27FC236}">
+                <a16:creationId xmlns:a16="http://schemas.microsoft.com/office/drawing/2014/main" id="{1A022D66-E11C-4DC5-ACEA-DEC5527731BA}"/>
+              </a:ext>
+            </a:extLst>
+          </p:cNvPr>
+          <p:cNvCxnSpPr>
+            <a:cxnSpLocks/>
+          </p:cNvCxnSpPr>
+          <p:nvPr/>
+        </p:nvCxnSpPr>
+        <p:spPr>
+          <a:xfrm>
+            <a:off x="3042809" y="3322276"/>
+            <a:ext cx="1775852" cy="0"/>
+          </a:xfrm>
+          <a:prstGeom prst="line">
+            <a:avLst/>
+          </a:prstGeom>
+          <a:ln w="28575"/>
+        </p:spPr>
+        <p:style>
+          <a:lnRef idx="1">
+            <a:schemeClr val="accent1"/>
+          </a:lnRef>
+          <a:fillRef idx="0">
+            <a:schemeClr val="accent1"/>
+          </a:fillRef>
+          <a:effectRef idx="0">
+            <a:schemeClr val="accent1"/>
+          </a:effectRef>
+          <a:fontRef idx="minor">
+            <a:schemeClr val="tx1"/>
+          </a:fontRef>
+        </p:style>
+      </p:cxnSp>
+      <p:cxnSp>
+        <p:nvCxnSpPr>
+          <p:cNvPr id="39" name="Straight Connector 38">
+            <a:extLst>
+              <a:ext uri="{FF2B5EF4-FFF2-40B4-BE49-F238E27FC236}">
+                <a16:creationId xmlns:a16="http://schemas.microsoft.com/office/drawing/2014/main" id="{9EE393A7-5698-40A9-B1CF-7FADD27E0A47}"/>
+              </a:ext>
+            </a:extLst>
+          </p:cNvPr>
+          <p:cNvCxnSpPr>
+            <a:cxnSpLocks/>
+          </p:cNvCxnSpPr>
+          <p:nvPr/>
+        </p:nvCxnSpPr>
+        <p:spPr>
+          <a:xfrm>
+            <a:off x="4794354" y="1725017"/>
+            <a:ext cx="0" cy="1619527"/>
+          </a:xfrm>
+          <a:prstGeom prst="line">
+            <a:avLst/>
+          </a:prstGeom>
+          <a:ln w="28575"/>
+        </p:spPr>
+        <p:style>
+          <a:lnRef idx="1">
+            <a:schemeClr val="accent1"/>
+          </a:lnRef>
+          <a:fillRef idx="0">
+            <a:schemeClr val="accent1"/>
+          </a:fillRef>
+          <a:effectRef idx="0">
+            <a:schemeClr val="accent1"/>
+          </a:effectRef>
+          <a:fontRef idx="minor">
+            <a:schemeClr val="tx1"/>
+          </a:fontRef>
+        </p:style>
+      </p:cxnSp>
+      <p:cxnSp>
+        <p:nvCxnSpPr>
+          <p:cNvPr id="40" name="Straight Connector 39">
+            <a:extLst>
+              <a:ext uri="{FF2B5EF4-FFF2-40B4-BE49-F238E27FC236}">
+                <a16:creationId xmlns:a16="http://schemas.microsoft.com/office/drawing/2014/main" id="{992AD57A-39EB-496C-8C26-6404419D98B3}"/>
+              </a:ext>
+            </a:extLst>
+          </p:cNvPr>
+          <p:cNvCxnSpPr>
+            <a:cxnSpLocks/>
+          </p:cNvCxnSpPr>
+          <p:nvPr/>
+        </p:nvCxnSpPr>
+        <p:spPr>
+          <a:xfrm>
+            <a:off x="4336350" y="777864"/>
+            <a:ext cx="476561" cy="979874"/>
+          </a:xfrm>
+          <a:prstGeom prst="line">
+            <a:avLst/>
+          </a:prstGeom>
+          <a:ln w="28575"/>
+        </p:spPr>
+        <p:style>
+          <a:lnRef idx="1">
+            <a:schemeClr val="accent1"/>
+          </a:lnRef>
+          <a:fillRef idx="0">
+            <a:schemeClr val="accent1"/>
+          </a:fillRef>
+          <a:effectRef idx="0">
+            <a:schemeClr val="accent1"/>
+          </a:effectRef>
+          <a:fontRef idx="minor">
+            <a:schemeClr val="tx1"/>
+          </a:fontRef>
+        </p:style>
+      </p:cxnSp>
+      <p:cxnSp>
+        <p:nvCxnSpPr>
+          <p:cNvPr id="42" name="Straight Connector 41">
+            <a:extLst>
+              <a:ext uri="{FF2B5EF4-FFF2-40B4-BE49-F238E27FC236}">
+                <a16:creationId xmlns:a16="http://schemas.microsoft.com/office/drawing/2014/main" id="{3C3DD742-5103-4C49-AEEB-2334836A3D4F}"/>
+              </a:ext>
+            </a:extLst>
+          </p:cNvPr>
+          <p:cNvCxnSpPr>
+            <a:cxnSpLocks/>
+          </p:cNvCxnSpPr>
+          <p:nvPr/>
+        </p:nvCxnSpPr>
+        <p:spPr>
+          <a:xfrm flipV="1">
+            <a:off x="2979272" y="791841"/>
+            <a:ext cx="355881" cy="934069"/>
+          </a:xfrm>
+          <a:prstGeom prst="line">
+            <a:avLst/>
+          </a:prstGeom>
+          <a:ln w="28575"/>
+        </p:spPr>
+        <p:style>
+          <a:lnRef idx="1">
+            <a:schemeClr val="accent1"/>
+          </a:lnRef>
+          <a:fillRef idx="0">
+            <a:schemeClr val="accent1"/>
+          </a:fillRef>
+          <a:effectRef idx="0">
+            <a:schemeClr val="accent1"/>
+          </a:effectRef>
+          <a:fontRef idx="minor">
+            <a:schemeClr val="tx1"/>
+          </a:fontRef>
+        </p:style>
+      </p:cxnSp>
+      <p:cxnSp>
+        <p:nvCxnSpPr>
+          <p:cNvPr id="45" name="Straight Connector 44">
+            <a:extLst>
+              <a:ext uri="{FF2B5EF4-FFF2-40B4-BE49-F238E27FC236}">
+                <a16:creationId xmlns:a16="http://schemas.microsoft.com/office/drawing/2014/main" id="{30BAE1DD-BCC3-42D7-889C-977441532F6F}"/>
+              </a:ext>
+            </a:extLst>
+          </p:cNvPr>
+          <p:cNvCxnSpPr/>
+          <p:nvPr/>
+        </p:nvCxnSpPr>
+        <p:spPr>
+          <a:xfrm>
+            <a:off x="1042452" y="3611664"/>
+            <a:ext cx="0" cy="1569223"/>
+          </a:xfrm>
+          <a:prstGeom prst="line">
+            <a:avLst/>
+          </a:prstGeom>
+          <a:ln w="28575"/>
+        </p:spPr>
+        <p:style>
+          <a:lnRef idx="1">
+            <a:schemeClr val="accent1"/>
+          </a:lnRef>
+          <a:fillRef idx="0">
+            <a:schemeClr val="accent1"/>
+          </a:fillRef>
+          <a:effectRef idx="0">
+            <a:schemeClr val="accent1"/>
+          </a:effectRef>
+          <a:fontRef idx="minor">
+            <a:schemeClr val="tx1"/>
+          </a:fontRef>
+        </p:style>
+      </p:cxnSp>
+      <p:cxnSp>
+        <p:nvCxnSpPr>
+          <p:cNvPr id="49" name="Straight Connector 48">
+            <a:extLst>
+              <a:ext uri="{FF2B5EF4-FFF2-40B4-BE49-F238E27FC236}">
+                <a16:creationId xmlns:a16="http://schemas.microsoft.com/office/drawing/2014/main" id="{162C9367-4ECB-4761-9A4D-58E2A7E2983B}"/>
+              </a:ext>
+            </a:extLst>
+          </p:cNvPr>
+          <p:cNvCxnSpPr/>
+          <p:nvPr/>
+        </p:nvCxnSpPr>
+        <p:spPr>
+          <a:xfrm>
+            <a:off x="1045214" y="5153747"/>
+            <a:ext cx="309829" cy="942731"/>
+          </a:xfrm>
+          <a:prstGeom prst="line">
+            <a:avLst/>
+          </a:prstGeom>
+          <a:ln w="28575"/>
+        </p:spPr>
+        <p:style>
+          <a:lnRef idx="1">
+            <a:schemeClr val="accent1"/>
+          </a:lnRef>
+          <a:fillRef idx="0">
+            <a:schemeClr val="accent1"/>
+          </a:fillRef>
+          <a:effectRef idx="0">
+            <a:schemeClr val="accent1"/>
+          </a:effectRef>
+          <a:fontRef idx="minor">
+            <a:schemeClr val="tx1"/>
+          </a:fontRef>
+        </p:style>
+      </p:cxnSp>
+      <p:cxnSp>
+        <p:nvCxnSpPr>
+          <p:cNvPr id="51" name="Straight Connector 50">
+            <a:extLst>
+              <a:ext uri="{FF2B5EF4-FFF2-40B4-BE49-F238E27FC236}">
+                <a16:creationId xmlns:a16="http://schemas.microsoft.com/office/drawing/2014/main" id="{58A6A1C0-8548-4E97-B21A-AC1DF029B54D}"/>
+              </a:ext>
+            </a:extLst>
+          </p:cNvPr>
+          <p:cNvCxnSpPr/>
+          <p:nvPr/>
+        </p:nvCxnSpPr>
+        <p:spPr>
+          <a:xfrm flipH="1">
+            <a:off x="2346117" y="5180887"/>
+            <a:ext cx="491802" cy="949886"/>
+          </a:xfrm>
+          <a:prstGeom prst="line">
+            <a:avLst/>
+          </a:prstGeom>
+          <a:ln w="28575"/>
+        </p:spPr>
+        <p:style>
+          <a:lnRef idx="1">
+            <a:schemeClr val="accent1"/>
+          </a:lnRef>
+          <a:fillRef idx="0">
+            <a:schemeClr val="accent1"/>
+          </a:fillRef>
+          <a:effectRef idx="0">
+            <a:schemeClr val="accent1"/>
+          </a:effectRef>
+          <a:fontRef idx="minor">
+            <a:schemeClr val="tx1"/>
+          </a:fontRef>
+        </p:style>
+      </p:cxnSp>
+      <p:cxnSp>
+        <p:nvCxnSpPr>
+          <p:cNvPr id="53" name="Straight Connector 52">
+            <a:extLst>
+              <a:ext uri="{FF2B5EF4-FFF2-40B4-BE49-F238E27FC236}">
+                <a16:creationId xmlns:a16="http://schemas.microsoft.com/office/drawing/2014/main" id="{11565280-1E0F-410E-8BB2-795A54AFD052}"/>
+              </a:ext>
+            </a:extLst>
+          </p:cNvPr>
+          <p:cNvCxnSpPr/>
+          <p:nvPr/>
+        </p:nvCxnSpPr>
+        <p:spPr>
+          <a:xfrm>
+            <a:off x="2800568" y="3635802"/>
+            <a:ext cx="37351" cy="1577728"/>
+          </a:xfrm>
+          <a:prstGeom prst="line">
+            <a:avLst/>
+          </a:prstGeom>
+          <a:ln w="28575"/>
+        </p:spPr>
+        <p:style>
+          <a:lnRef idx="1">
+            <a:schemeClr val="accent1"/>
+          </a:lnRef>
+          <a:fillRef idx="0">
+            <a:schemeClr val="accent1"/>
+          </a:fillRef>
+          <a:effectRef idx="0">
+            <a:schemeClr val="accent1"/>
+          </a:effectRef>
+          <a:fontRef idx="minor">
+            <a:schemeClr val="tx1"/>
+          </a:fontRef>
+        </p:style>
+      </p:cxnSp>
+      <p:cxnSp>
+        <p:nvCxnSpPr>
+          <p:cNvPr id="55" name="Straight Connector 54">
+            <a:extLst>
+              <a:ext uri="{FF2B5EF4-FFF2-40B4-BE49-F238E27FC236}">
+                <a16:creationId xmlns:a16="http://schemas.microsoft.com/office/drawing/2014/main" id="{B791FA05-2371-4BD6-9C2A-AE985014C61C}"/>
+              </a:ext>
+            </a:extLst>
+          </p:cNvPr>
+          <p:cNvCxnSpPr/>
+          <p:nvPr/>
+        </p:nvCxnSpPr>
+        <p:spPr>
+          <a:xfrm>
+            <a:off x="1033585" y="3610108"/>
+            <a:ext cx="1755928" cy="0"/>
+          </a:xfrm>
+          <a:prstGeom prst="line">
+            <a:avLst/>
+          </a:prstGeom>
+          <a:ln w="28575"/>
+        </p:spPr>
+        <p:style>
+          <a:lnRef idx="1">
+            <a:schemeClr val="accent1"/>
+          </a:lnRef>
+          <a:fillRef idx="0">
+            <a:schemeClr val="accent1"/>
+          </a:fillRef>
+          <a:effectRef idx="0">
+            <a:schemeClr val="accent1"/>
+          </a:effectRef>
+          <a:fontRef idx="minor">
+            <a:schemeClr val="tx1"/>
+          </a:fontRef>
+        </p:style>
+      </p:cxnSp>
+      <p:cxnSp>
+        <p:nvCxnSpPr>
+          <p:cNvPr id="56" name="Straight Connector 55">
+            <a:extLst>
+              <a:ext uri="{FF2B5EF4-FFF2-40B4-BE49-F238E27FC236}">
+                <a16:creationId xmlns:a16="http://schemas.microsoft.com/office/drawing/2014/main" id="{7768784A-AF7B-42A2-AFD9-9AE1B05B997D}"/>
+              </a:ext>
+            </a:extLst>
+          </p:cNvPr>
+          <p:cNvCxnSpPr/>
+          <p:nvPr/>
+        </p:nvCxnSpPr>
+        <p:spPr>
+          <a:xfrm>
+            <a:off x="4727865" y="3650456"/>
+            <a:ext cx="37351" cy="1577728"/>
+          </a:xfrm>
+          <a:prstGeom prst="line">
+            <a:avLst/>
+          </a:prstGeom>
+          <a:ln w="28575"/>
+        </p:spPr>
+        <p:style>
+          <a:lnRef idx="1">
+            <a:schemeClr val="accent1"/>
+          </a:lnRef>
+          <a:fillRef idx="0">
+            <a:schemeClr val="accent1"/>
+          </a:fillRef>
+          <a:effectRef idx="0">
+            <a:schemeClr val="accent1"/>
+          </a:effectRef>
+          <a:fontRef idx="minor">
+            <a:schemeClr val="tx1"/>
+          </a:fontRef>
+        </p:style>
+      </p:cxnSp>
+      <p:cxnSp>
+        <p:nvCxnSpPr>
+          <p:cNvPr id="57" name="Straight Connector 56">
+            <a:extLst>
+              <a:ext uri="{FF2B5EF4-FFF2-40B4-BE49-F238E27FC236}">
+                <a16:creationId xmlns:a16="http://schemas.microsoft.com/office/drawing/2014/main" id="{440C86D8-F1D9-45E3-B7CD-60BCD0246D93}"/>
+              </a:ext>
+            </a:extLst>
+          </p:cNvPr>
+          <p:cNvCxnSpPr/>
+          <p:nvPr/>
+        </p:nvCxnSpPr>
+        <p:spPr>
+          <a:xfrm>
+            <a:off x="2990612" y="3635802"/>
+            <a:ext cx="1755928" cy="0"/>
+          </a:xfrm>
+          <a:prstGeom prst="line">
+            <a:avLst/>
+          </a:prstGeom>
+          <a:ln w="28575"/>
+        </p:spPr>
+        <p:style>
+          <a:lnRef idx="1">
+            <a:schemeClr val="accent1"/>
+          </a:lnRef>
+          <a:fillRef idx="0">
+            <a:schemeClr val="accent1"/>
+          </a:fillRef>
+          <a:effectRef idx="0">
+            <a:schemeClr val="accent1"/>
+          </a:effectRef>
+          <a:fontRef idx="minor">
+            <a:schemeClr val="tx1"/>
+          </a:fontRef>
+        </p:style>
+      </p:cxnSp>
+      <p:cxnSp>
+        <p:nvCxnSpPr>
+          <p:cNvPr id="58" name="Straight Connector 57">
+            <a:extLst>
+              <a:ext uri="{FF2B5EF4-FFF2-40B4-BE49-F238E27FC236}">
+                <a16:creationId xmlns:a16="http://schemas.microsoft.com/office/drawing/2014/main" id="{B787D8A2-E87B-429D-81A5-0E1A24DC5A88}"/>
+              </a:ext>
+            </a:extLst>
+          </p:cNvPr>
+          <p:cNvCxnSpPr/>
+          <p:nvPr/>
+        </p:nvCxnSpPr>
+        <p:spPr>
+          <a:xfrm>
+            <a:off x="3009836" y="3633919"/>
+            <a:ext cx="0" cy="1569223"/>
+          </a:xfrm>
+          <a:prstGeom prst="line">
+            <a:avLst/>
+          </a:prstGeom>
+          <a:ln w="28575"/>
+        </p:spPr>
+        <p:style>
+          <a:lnRef idx="1">
+            <a:schemeClr val="accent1"/>
+          </a:lnRef>
+          <a:fillRef idx="0">
+            <a:schemeClr val="accent1"/>
+          </a:fillRef>
+          <a:effectRef idx="0">
+            <a:schemeClr val="accent1"/>
+          </a:effectRef>
+          <a:fontRef idx="minor">
+            <a:schemeClr val="tx1"/>
+          </a:fontRef>
+        </p:style>
+      </p:cxnSp>
+      <p:cxnSp>
+        <p:nvCxnSpPr>
+          <p:cNvPr id="59" name="Straight Connector 58">
+            <a:extLst>
+              <a:ext uri="{FF2B5EF4-FFF2-40B4-BE49-F238E27FC236}">
+                <a16:creationId xmlns:a16="http://schemas.microsoft.com/office/drawing/2014/main" id="{60D51320-C07D-4A1E-8EBA-15FA789DF2B8}"/>
+              </a:ext>
+            </a:extLst>
+          </p:cNvPr>
+          <p:cNvCxnSpPr>
+            <a:cxnSpLocks/>
+          </p:cNvCxnSpPr>
+          <p:nvPr/>
+        </p:nvCxnSpPr>
+        <p:spPr>
+          <a:xfrm>
+            <a:off x="3009836" y="5118460"/>
+            <a:ext cx="424445" cy="978018"/>
+          </a:xfrm>
+          <a:prstGeom prst="line">
+            <a:avLst/>
+          </a:prstGeom>
+          <a:ln w="28575"/>
+        </p:spPr>
+        <p:style>
+          <a:lnRef idx="1">
+            <a:schemeClr val="accent1"/>
+          </a:lnRef>
+          <a:fillRef idx="0">
+            <a:schemeClr val="accent1"/>
+          </a:fillRef>
+          <a:effectRef idx="0">
+            <a:schemeClr val="accent1"/>
+          </a:effectRef>
+          <a:fontRef idx="minor">
+            <a:schemeClr val="tx1"/>
+          </a:fontRef>
+        </p:style>
+      </p:cxnSp>
+      <p:cxnSp>
+        <p:nvCxnSpPr>
+          <p:cNvPr id="61" name="Straight Connector 60">
+            <a:extLst>
+              <a:ext uri="{FF2B5EF4-FFF2-40B4-BE49-F238E27FC236}">
+                <a16:creationId xmlns:a16="http://schemas.microsoft.com/office/drawing/2014/main" id="{9E9EF4C3-5F26-41E5-996B-E2AEF9000855}"/>
+              </a:ext>
+            </a:extLst>
+          </p:cNvPr>
+          <p:cNvCxnSpPr>
+            <a:cxnSpLocks/>
+          </p:cNvCxnSpPr>
+          <p:nvPr/>
+        </p:nvCxnSpPr>
+        <p:spPr>
+          <a:xfrm flipH="1">
+            <a:off x="4408306" y="5213530"/>
+            <a:ext cx="337249" cy="926297"/>
+          </a:xfrm>
+          <a:prstGeom prst="line">
+            <a:avLst/>
+          </a:prstGeom>
+          <a:ln w="28575"/>
+        </p:spPr>
+        <p:style>
+          <a:lnRef idx="1">
+            <a:schemeClr val="accent1"/>
+          </a:lnRef>
+          <a:fillRef idx="0">
+            <a:schemeClr val="accent1"/>
+          </a:fillRef>
+          <a:effectRef idx="0">
+            <a:schemeClr val="accent1"/>
+          </a:effectRef>
+          <a:fontRef idx="minor">
+            <a:schemeClr val="tx1"/>
+          </a:fontRef>
+        </p:style>
+      </p:cxnSp>
+      <p:sp>
+        <p:nvSpPr>
+          <p:cNvPr id="64" name="Rectangle: Rounded Corners 63">
+            <a:extLst>
+              <a:ext uri="{FF2B5EF4-FFF2-40B4-BE49-F238E27FC236}">
+                <a16:creationId xmlns:a16="http://schemas.microsoft.com/office/drawing/2014/main" id="{607FE516-BD80-4845-9182-12B69ED1F7C1}"/>
+              </a:ext>
+            </a:extLst>
+          </p:cNvPr>
+          <p:cNvSpPr/>
+          <p:nvPr/>
+        </p:nvSpPr>
+        <p:spPr>
+          <a:xfrm>
+            <a:off x="6459913" y="485775"/>
+            <a:ext cx="4848225" cy="5886450"/>
+          </a:xfrm>
+          <a:prstGeom prst="roundRect">
+            <a:avLst/>
+          </a:prstGeom>
+          <a:gradFill>
+            <a:gsLst>
+              <a:gs pos="32000">
+                <a:schemeClr val="bg2">
+                  <a:lumMod val="50000"/>
+                </a:schemeClr>
+              </a:gs>
+              <a:gs pos="47000">
+                <a:schemeClr val="tx1">
+                  <a:lumMod val="50000"/>
+                  <a:lumOff val="50000"/>
+                </a:schemeClr>
+              </a:gs>
+              <a:gs pos="72000">
+                <a:schemeClr val="tx1">
+                  <a:lumMod val="50000"/>
+                  <a:lumOff val="50000"/>
+                  <a:alpha val="94000"/>
+                </a:schemeClr>
+              </a:gs>
+              <a:gs pos="97000">
+                <a:schemeClr val="accent3">
+                  <a:lumMod val="70000"/>
+                </a:schemeClr>
+              </a:gs>
+            </a:gsLst>
+            <a:lin ang="2700000" scaled="0"/>
+          </a:gradFill>
+          <a:ln>
+            <a:solidFill>
+              <a:schemeClr val="bg2">
+                <a:lumMod val="50000"/>
+              </a:schemeClr>
+            </a:solidFill>
+          </a:ln>
+        </p:spPr>
+        <p:style>
+          <a:lnRef idx="2">
+            <a:schemeClr val="accent1">
+              <a:shade val="50000"/>
+            </a:schemeClr>
+          </a:lnRef>
+          <a:fillRef idx="1">
+            <a:schemeClr val="accent1"/>
+          </a:fillRef>
+          <a:effectRef idx="0">
+            <a:schemeClr val="accent1"/>
+          </a:effectRef>
+          <a:fontRef idx="minor">
+            <a:schemeClr val="lt1"/>
+          </a:fontRef>
+        </p:style>
+        <p:txBody>
+          <a:bodyPr rtlCol="0" anchor="ctr"/>
+          <a:lstStyle/>
+          <a:p>
+            <a:pPr algn="ctr"/>
+            <a:endParaRPr lang="en-US" dirty="0"/>
+          </a:p>
+        </p:txBody>
+      </p:sp>
+      <p:sp>
+        <p:nvSpPr>
+          <p:cNvPr id="65" name="Oval 64">
+            <a:extLst>
+              <a:ext uri="{FF2B5EF4-FFF2-40B4-BE49-F238E27FC236}">
+                <a16:creationId xmlns:a16="http://schemas.microsoft.com/office/drawing/2014/main" id="{283CE15D-9326-49F4-8827-C6F50D39625B}"/>
+              </a:ext>
+            </a:extLst>
+          </p:cNvPr>
+          <p:cNvSpPr/>
+          <p:nvPr/>
+        </p:nvSpPr>
+        <p:spPr>
+          <a:xfrm>
+            <a:off x="7025301" y="965260"/>
+            <a:ext cx="206614" cy="206614"/>
+          </a:xfrm>
+          <a:prstGeom prst="ellipse">
+            <a:avLst/>
+          </a:prstGeom>
+          <a:solidFill>
+            <a:schemeClr val="bg1"/>
+          </a:solidFill>
+          <a:ln>
+            <a:solidFill>
+              <a:schemeClr val="bg2">
+                <a:lumMod val="50000"/>
+              </a:schemeClr>
+            </a:solidFill>
+          </a:ln>
+        </p:spPr>
+        <p:style>
+          <a:lnRef idx="2">
+            <a:schemeClr val="accent1">
+              <a:shade val="50000"/>
+            </a:schemeClr>
+          </a:lnRef>
+          <a:fillRef idx="1">
+            <a:schemeClr val="accent1"/>
+          </a:fillRef>
+          <a:effectRef idx="0">
+            <a:schemeClr val="accent1"/>
+          </a:effectRef>
+          <a:fontRef idx="minor">
+            <a:schemeClr val="lt1"/>
+          </a:fontRef>
+        </p:style>
+        <p:txBody>
+          <a:bodyPr rtlCol="0" anchor="ctr"/>
+          <a:lstStyle/>
+          <a:p>
+            <a:pPr algn="ctr"/>
+            <a:endParaRPr lang="en-US" dirty="0"/>
+          </a:p>
+        </p:txBody>
+      </p:sp>
+      <p:sp>
+        <p:nvSpPr>
+          <p:cNvPr id="66" name="Oval 65">
+            <a:extLst>
+              <a:ext uri="{FF2B5EF4-FFF2-40B4-BE49-F238E27FC236}">
+                <a16:creationId xmlns:a16="http://schemas.microsoft.com/office/drawing/2014/main" id="{23A0709C-04E6-42A3-B526-6D63BB6A204A}"/>
+              </a:ext>
+            </a:extLst>
+          </p:cNvPr>
+          <p:cNvSpPr/>
+          <p:nvPr/>
+        </p:nvSpPr>
+        <p:spPr>
+          <a:xfrm>
+            <a:off x="7882711" y="965260"/>
+            <a:ext cx="206614" cy="206614"/>
+          </a:xfrm>
+          <a:prstGeom prst="ellipse">
+            <a:avLst/>
+          </a:prstGeom>
+          <a:solidFill>
+            <a:schemeClr val="bg1"/>
+          </a:solidFill>
+          <a:ln>
+            <a:solidFill>
+              <a:schemeClr val="bg2">
+                <a:lumMod val="50000"/>
+              </a:schemeClr>
+            </a:solidFill>
+          </a:ln>
+        </p:spPr>
+        <p:style>
+          <a:lnRef idx="2">
+            <a:schemeClr val="accent1">
+              <a:shade val="50000"/>
+            </a:schemeClr>
+          </a:lnRef>
+          <a:fillRef idx="1">
+            <a:schemeClr val="accent1"/>
+          </a:fillRef>
+          <a:effectRef idx="0">
+            <a:schemeClr val="accent1"/>
+          </a:effectRef>
+          <a:fontRef idx="minor">
+            <a:schemeClr val="lt1"/>
+          </a:fontRef>
+        </p:style>
+        <p:txBody>
+          <a:bodyPr rtlCol="0" anchor="ctr"/>
+          <a:lstStyle/>
+          <a:p>
+            <a:pPr algn="ctr"/>
+            <a:endParaRPr lang="en-US" dirty="0"/>
+          </a:p>
+        </p:txBody>
+      </p:sp>
+      <p:sp>
+        <p:nvSpPr>
+          <p:cNvPr id="67" name="Oval 66">
+            <a:extLst>
+              <a:ext uri="{FF2B5EF4-FFF2-40B4-BE49-F238E27FC236}">
+                <a16:creationId xmlns:a16="http://schemas.microsoft.com/office/drawing/2014/main" id="{6EBA2593-D2E8-480A-84B8-025D5DAB2295}"/>
+              </a:ext>
+            </a:extLst>
+          </p:cNvPr>
+          <p:cNvSpPr/>
+          <p:nvPr/>
+        </p:nvSpPr>
+        <p:spPr>
+          <a:xfrm>
+            <a:off x="8785026" y="965260"/>
+            <a:ext cx="206614" cy="206614"/>
+          </a:xfrm>
+          <a:prstGeom prst="ellipse">
+            <a:avLst/>
+          </a:prstGeom>
+          <a:solidFill>
+            <a:schemeClr val="bg1"/>
+          </a:solidFill>
+          <a:ln>
+            <a:solidFill>
+              <a:schemeClr val="bg2">
+                <a:lumMod val="50000"/>
+              </a:schemeClr>
+            </a:solidFill>
+          </a:ln>
+        </p:spPr>
+        <p:style>
+          <a:lnRef idx="2">
+            <a:schemeClr val="accent1">
+              <a:shade val="50000"/>
+            </a:schemeClr>
+          </a:lnRef>
+          <a:fillRef idx="1">
+            <a:schemeClr val="accent1"/>
+          </a:fillRef>
+          <a:effectRef idx="0">
+            <a:schemeClr val="accent1"/>
+          </a:effectRef>
+          <a:fontRef idx="minor">
+            <a:schemeClr val="lt1"/>
+          </a:fontRef>
+        </p:style>
+        <p:txBody>
+          <a:bodyPr rtlCol="0" anchor="ctr"/>
+          <a:lstStyle/>
+          <a:p>
+            <a:pPr algn="ctr"/>
+            <a:endParaRPr lang="en-US" dirty="0"/>
+          </a:p>
+        </p:txBody>
+      </p:sp>
+      <p:sp>
+        <p:nvSpPr>
+          <p:cNvPr id="68" name="Oval 67">
+            <a:extLst>
+              <a:ext uri="{FF2B5EF4-FFF2-40B4-BE49-F238E27FC236}">
+                <a16:creationId xmlns:a16="http://schemas.microsoft.com/office/drawing/2014/main" id="{9772B86C-B0C7-4525-90E1-07FE581631BB}"/>
+              </a:ext>
+            </a:extLst>
+          </p:cNvPr>
+          <p:cNvSpPr/>
+          <p:nvPr/>
+        </p:nvSpPr>
+        <p:spPr>
+          <a:xfrm>
+            <a:off x="9745743" y="965260"/>
+            <a:ext cx="206614" cy="206614"/>
+          </a:xfrm>
+          <a:prstGeom prst="ellipse">
+            <a:avLst/>
+          </a:prstGeom>
+          <a:solidFill>
+            <a:schemeClr val="bg1"/>
+          </a:solidFill>
+          <a:ln>
+            <a:solidFill>
+              <a:schemeClr val="bg2">
+                <a:lumMod val="50000"/>
+              </a:schemeClr>
+            </a:solidFill>
+          </a:ln>
+        </p:spPr>
+        <p:style>
+          <a:lnRef idx="2">
+            <a:schemeClr val="accent1">
+              <a:shade val="50000"/>
+            </a:schemeClr>
+          </a:lnRef>
+          <a:fillRef idx="1">
+            <a:schemeClr val="accent1"/>
+          </a:fillRef>
+          <a:effectRef idx="0">
+            <a:schemeClr val="accent1"/>
+          </a:effectRef>
+          <a:fontRef idx="minor">
+            <a:schemeClr val="lt1"/>
+          </a:fontRef>
+        </p:style>
+        <p:txBody>
+          <a:bodyPr rtlCol="0" anchor="ctr"/>
+          <a:lstStyle/>
+          <a:p>
+            <a:pPr algn="ctr"/>
+            <a:endParaRPr lang="en-US" dirty="0"/>
+          </a:p>
+        </p:txBody>
+      </p:sp>
+      <p:sp>
+        <p:nvSpPr>
+          <p:cNvPr id="69" name="Oval 68">
+            <a:extLst>
+              <a:ext uri="{FF2B5EF4-FFF2-40B4-BE49-F238E27FC236}">
+                <a16:creationId xmlns:a16="http://schemas.microsoft.com/office/drawing/2014/main" id="{6383F89D-D9DC-4962-A654-453F98895713}"/>
+              </a:ext>
+            </a:extLst>
+          </p:cNvPr>
+          <p:cNvSpPr/>
+          <p:nvPr/>
+        </p:nvSpPr>
+        <p:spPr>
+          <a:xfrm>
+            <a:off x="10609940" y="965260"/>
+            <a:ext cx="206614" cy="206614"/>
+          </a:xfrm>
+          <a:prstGeom prst="ellipse">
+            <a:avLst/>
+          </a:prstGeom>
+          <a:solidFill>
+            <a:schemeClr val="bg1"/>
+          </a:solidFill>
+          <a:ln>
+            <a:solidFill>
+              <a:schemeClr val="bg2">
+                <a:lumMod val="50000"/>
+              </a:schemeClr>
+            </a:solidFill>
+          </a:ln>
+        </p:spPr>
+        <p:style>
+          <a:lnRef idx="2">
+            <a:schemeClr val="accent1">
+              <a:shade val="50000"/>
+            </a:schemeClr>
+          </a:lnRef>
+          <a:fillRef idx="1">
+            <a:schemeClr val="accent1"/>
+          </a:fillRef>
+          <a:effectRef idx="0">
+            <a:schemeClr val="accent1"/>
+          </a:effectRef>
+          <a:fontRef idx="minor">
+            <a:schemeClr val="lt1"/>
+          </a:fontRef>
+        </p:style>
+        <p:txBody>
+          <a:bodyPr rtlCol="0" anchor="ctr"/>
+          <a:lstStyle/>
+          <a:p>
+            <a:pPr algn="ctr"/>
+            <a:endParaRPr lang="en-US" dirty="0"/>
+          </a:p>
+        </p:txBody>
+      </p:sp>
+      <p:sp>
+        <p:nvSpPr>
+          <p:cNvPr id="70" name="Oval 69">
+            <a:extLst>
+              <a:ext uri="{FF2B5EF4-FFF2-40B4-BE49-F238E27FC236}">
+                <a16:creationId xmlns:a16="http://schemas.microsoft.com/office/drawing/2014/main" id="{0DA29F00-C52E-4C3D-B50C-B70C05D17DDE}"/>
+              </a:ext>
+            </a:extLst>
+          </p:cNvPr>
+          <p:cNvSpPr/>
+          <p:nvPr/>
+        </p:nvSpPr>
+        <p:spPr>
+          <a:xfrm>
+            <a:off x="7414914" y="1456585"/>
+            <a:ext cx="206614" cy="206614"/>
+          </a:xfrm>
+          <a:prstGeom prst="ellipse">
+            <a:avLst/>
+          </a:prstGeom>
+          <a:solidFill>
+            <a:schemeClr val="bg1"/>
+          </a:solidFill>
+          <a:ln>
+            <a:solidFill>
+              <a:schemeClr val="bg2">
+                <a:lumMod val="50000"/>
+              </a:schemeClr>
+            </a:solidFill>
+          </a:ln>
+        </p:spPr>
+        <p:style>
+          <a:lnRef idx="2">
+            <a:schemeClr val="accent1">
+              <a:shade val="50000"/>
+            </a:schemeClr>
+          </a:lnRef>
+          <a:fillRef idx="1">
+            <a:schemeClr val="accent1"/>
+          </a:fillRef>
+          <a:effectRef idx="0">
+            <a:schemeClr val="accent1"/>
+          </a:effectRef>
+          <a:fontRef idx="minor">
+            <a:schemeClr val="lt1"/>
+          </a:fontRef>
+        </p:style>
+        <p:txBody>
+          <a:bodyPr rtlCol="0" anchor="ctr"/>
+          <a:lstStyle/>
+          <a:p>
+            <a:pPr algn="ctr"/>
+            <a:endParaRPr lang="en-US" dirty="0"/>
+          </a:p>
+        </p:txBody>
+      </p:sp>
+      <p:sp>
+        <p:nvSpPr>
+          <p:cNvPr id="71" name="Oval 70">
+            <a:extLst>
+              <a:ext uri="{FF2B5EF4-FFF2-40B4-BE49-F238E27FC236}">
+                <a16:creationId xmlns:a16="http://schemas.microsoft.com/office/drawing/2014/main" id="{1A6A2E66-4979-40A0-B6B8-9B753498F067}"/>
+              </a:ext>
+            </a:extLst>
+          </p:cNvPr>
+          <p:cNvSpPr/>
+          <p:nvPr/>
+        </p:nvSpPr>
+        <p:spPr>
+          <a:xfrm>
+            <a:off x="8365607" y="1436805"/>
+            <a:ext cx="206614" cy="206614"/>
+          </a:xfrm>
+          <a:prstGeom prst="ellipse">
+            <a:avLst/>
+          </a:prstGeom>
+          <a:solidFill>
+            <a:schemeClr val="bg1"/>
+          </a:solidFill>
+          <a:ln>
+            <a:solidFill>
+              <a:schemeClr val="bg2">
+                <a:lumMod val="50000"/>
+              </a:schemeClr>
+            </a:solidFill>
+          </a:ln>
+        </p:spPr>
+        <p:style>
+          <a:lnRef idx="2">
+            <a:schemeClr val="accent1">
+              <a:shade val="50000"/>
+            </a:schemeClr>
+          </a:lnRef>
+          <a:fillRef idx="1">
+            <a:schemeClr val="accent1"/>
+          </a:fillRef>
+          <a:effectRef idx="0">
+            <a:schemeClr val="accent1"/>
+          </a:effectRef>
+          <a:fontRef idx="minor">
+            <a:schemeClr val="lt1"/>
+          </a:fontRef>
+        </p:style>
+        <p:txBody>
+          <a:bodyPr rtlCol="0" anchor="ctr"/>
+          <a:lstStyle/>
+          <a:p>
+            <a:pPr algn="ctr"/>
+            <a:endParaRPr lang="en-US" dirty="0"/>
+          </a:p>
+        </p:txBody>
+      </p:sp>
+      <p:sp>
+        <p:nvSpPr>
+          <p:cNvPr id="72" name="Oval 71">
+            <a:extLst>
+              <a:ext uri="{FF2B5EF4-FFF2-40B4-BE49-F238E27FC236}">
+                <a16:creationId xmlns:a16="http://schemas.microsoft.com/office/drawing/2014/main" id="{4B2FC1E4-7FE7-43FC-9DC0-9DA916F5B181}"/>
+              </a:ext>
+            </a:extLst>
+          </p:cNvPr>
+          <p:cNvSpPr/>
+          <p:nvPr/>
+        </p:nvSpPr>
+        <p:spPr>
+          <a:xfrm>
+            <a:off x="9266260" y="1431432"/>
+            <a:ext cx="206614" cy="206614"/>
+          </a:xfrm>
+          <a:prstGeom prst="ellipse">
+            <a:avLst/>
+          </a:prstGeom>
+          <a:solidFill>
+            <a:schemeClr val="bg1"/>
+          </a:solidFill>
+          <a:ln>
+            <a:solidFill>
+              <a:schemeClr val="bg2">
+                <a:lumMod val="50000"/>
+              </a:schemeClr>
+            </a:solidFill>
+          </a:ln>
+        </p:spPr>
+        <p:style>
+          <a:lnRef idx="2">
+            <a:schemeClr val="accent1">
+              <a:shade val="50000"/>
+            </a:schemeClr>
+          </a:lnRef>
+          <a:fillRef idx="1">
+            <a:schemeClr val="accent1"/>
+          </a:fillRef>
+          <a:effectRef idx="0">
+            <a:schemeClr val="accent1"/>
+          </a:effectRef>
+          <a:fontRef idx="minor">
+            <a:schemeClr val="lt1"/>
+          </a:fontRef>
+        </p:style>
+        <p:txBody>
+          <a:bodyPr rtlCol="0" anchor="ctr"/>
+          <a:lstStyle/>
+          <a:p>
+            <a:pPr algn="ctr"/>
+            <a:endParaRPr lang="en-US" dirty="0"/>
+          </a:p>
+        </p:txBody>
+      </p:sp>
+      <p:sp>
+        <p:nvSpPr>
+          <p:cNvPr id="73" name="Oval 72">
+            <a:extLst>
+              <a:ext uri="{FF2B5EF4-FFF2-40B4-BE49-F238E27FC236}">
+                <a16:creationId xmlns:a16="http://schemas.microsoft.com/office/drawing/2014/main" id="{0C695AD2-A21A-4B72-A97D-5D143DAB432F}"/>
+              </a:ext>
+            </a:extLst>
+          </p:cNvPr>
+          <p:cNvSpPr/>
+          <p:nvPr/>
+        </p:nvSpPr>
+        <p:spPr>
+          <a:xfrm>
+            <a:off x="10209591" y="1456585"/>
+            <a:ext cx="206614" cy="206614"/>
+          </a:xfrm>
+          <a:prstGeom prst="ellipse">
+            <a:avLst/>
+          </a:prstGeom>
+          <a:solidFill>
+            <a:schemeClr val="bg1"/>
+          </a:solidFill>
+          <a:ln>
+            <a:solidFill>
+              <a:schemeClr val="bg2">
+                <a:lumMod val="50000"/>
+              </a:schemeClr>
+            </a:solidFill>
+          </a:ln>
+        </p:spPr>
+        <p:style>
+          <a:lnRef idx="2">
+            <a:schemeClr val="accent1">
+              <a:shade val="50000"/>
+            </a:schemeClr>
+          </a:lnRef>
+          <a:fillRef idx="1">
+            <a:schemeClr val="accent1"/>
+          </a:fillRef>
+          <a:effectRef idx="0">
+            <a:schemeClr val="accent1"/>
+          </a:effectRef>
+          <a:fontRef idx="minor">
+            <a:schemeClr val="lt1"/>
+          </a:fontRef>
+        </p:style>
+        <p:txBody>
+          <a:bodyPr rtlCol="0" anchor="ctr"/>
+          <a:lstStyle/>
+          <a:p>
+            <a:pPr algn="ctr"/>
+            <a:endParaRPr lang="en-US" dirty="0"/>
+          </a:p>
+        </p:txBody>
+      </p:sp>
+      <p:sp>
+        <p:nvSpPr>
+          <p:cNvPr id="74" name="Oval 73">
+            <a:extLst>
+              <a:ext uri="{FF2B5EF4-FFF2-40B4-BE49-F238E27FC236}">
+                <a16:creationId xmlns:a16="http://schemas.microsoft.com/office/drawing/2014/main" id="{7EEBA86C-6C52-4584-A222-473273EAB25D}"/>
+              </a:ext>
+            </a:extLst>
+          </p:cNvPr>
+          <p:cNvSpPr/>
+          <p:nvPr/>
+        </p:nvSpPr>
+        <p:spPr>
+          <a:xfrm>
+            <a:off x="7025301" y="1934956"/>
+            <a:ext cx="206614" cy="206614"/>
+          </a:xfrm>
+          <a:prstGeom prst="ellipse">
+            <a:avLst/>
+          </a:prstGeom>
+          <a:solidFill>
+            <a:schemeClr val="bg1"/>
+          </a:solidFill>
+          <a:ln>
+            <a:solidFill>
+              <a:schemeClr val="bg2">
+                <a:lumMod val="50000"/>
+              </a:schemeClr>
+            </a:solidFill>
+          </a:ln>
+        </p:spPr>
+        <p:style>
+          <a:lnRef idx="2">
+            <a:schemeClr val="accent1">
+              <a:shade val="50000"/>
+            </a:schemeClr>
+          </a:lnRef>
+          <a:fillRef idx="1">
+            <a:schemeClr val="accent1"/>
+          </a:fillRef>
+          <a:effectRef idx="0">
+            <a:schemeClr val="accent1"/>
+          </a:effectRef>
+          <a:fontRef idx="minor">
+            <a:schemeClr val="lt1"/>
+          </a:fontRef>
+        </p:style>
+        <p:txBody>
+          <a:bodyPr rtlCol="0" anchor="ctr"/>
+          <a:lstStyle/>
+          <a:p>
+            <a:pPr algn="ctr"/>
+            <a:endParaRPr lang="en-US" dirty="0"/>
+          </a:p>
+        </p:txBody>
+      </p:sp>
+      <p:sp>
+        <p:nvSpPr>
+          <p:cNvPr id="75" name="Oval 74">
+            <a:extLst>
+              <a:ext uri="{FF2B5EF4-FFF2-40B4-BE49-F238E27FC236}">
+                <a16:creationId xmlns:a16="http://schemas.microsoft.com/office/drawing/2014/main" id="{74FE1413-A75F-4038-8BB2-AE10A483B2EB}"/>
+              </a:ext>
+            </a:extLst>
+          </p:cNvPr>
+          <p:cNvSpPr/>
+          <p:nvPr/>
+        </p:nvSpPr>
+        <p:spPr>
+          <a:xfrm>
+            <a:off x="7389581" y="2417704"/>
+            <a:ext cx="206614" cy="206614"/>
+          </a:xfrm>
+          <a:prstGeom prst="ellipse">
+            <a:avLst/>
+          </a:prstGeom>
+          <a:solidFill>
+            <a:schemeClr val="bg1"/>
+          </a:solidFill>
+          <a:ln>
+            <a:solidFill>
+              <a:schemeClr val="bg2">
+                <a:lumMod val="50000"/>
+              </a:schemeClr>
+            </a:solidFill>
+          </a:ln>
+        </p:spPr>
+        <p:style>
+          <a:lnRef idx="2">
+            <a:schemeClr val="accent1">
+              <a:shade val="50000"/>
+            </a:schemeClr>
+          </a:lnRef>
+          <a:fillRef idx="1">
+            <a:schemeClr val="accent1"/>
+          </a:fillRef>
+          <a:effectRef idx="0">
+            <a:schemeClr val="accent1"/>
+          </a:effectRef>
+          <a:fontRef idx="minor">
+            <a:schemeClr val="lt1"/>
+          </a:fontRef>
+        </p:style>
+        <p:txBody>
+          <a:bodyPr rtlCol="0" anchor="ctr"/>
+          <a:lstStyle/>
+          <a:p>
+            <a:pPr algn="ctr"/>
+            <a:endParaRPr lang="en-US" dirty="0"/>
+          </a:p>
+        </p:txBody>
+      </p:sp>
+      <p:sp>
+        <p:nvSpPr>
+          <p:cNvPr id="76" name="Oval 75">
+            <a:extLst>
+              <a:ext uri="{FF2B5EF4-FFF2-40B4-BE49-F238E27FC236}">
+                <a16:creationId xmlns:a16="http://schemas.microsoft.com/office/drawing/2014/main" id="{A019B92B-E64B-4B04-9CB9-18935F6B5F8D}"/>
+              </a:ext>
+            </a:extLst>
+          </p:cNvPr>
+          <p:cNvSpPr/>
+          <p:nvPr/>
+        </p:nvSpPr>
+        <p:spPr>
+          <a:xfrm>
+            <a:off x="7025301" y="2951533"/>
+            <a:ext cx="206614" cy="206614"/>
+          </a:xfrm>
+          <a:prstGeom prst="ellipse">
+            <a:avLst/>
+          </a:prstGeom>
+          <a:solidFill>
+            <a:schemeClr val="bg1"/>
+          </a:solidFill>
+          <a:ln>
+            <a:solidFill>
+              <a:schemeClr val="bg2">
+                <a:lumMod val="50000"/>
+              </a:schemeClr>
+            </a:solidFill>
+          </a:ln>
+        </p:spPr>
+        <p:style>
+          <a:lnRef idx="2">
+            <a:schemeClr val="accent1">
+              <a:shade val="50000"/>
+            </a:schemeClr>
+          </a:lnRef>
+          <a:fillRef idx="1">
+            <a:schemeClr val="accent1"/>
+          </a:fillRef>
+          <a:effectRef idx="0">
+            <a:schemeClr val="accent1"/>
+          </a:effectRef>
+          <a:fontRef idx="minor">
+            <a:schemeClr val="lt1"/>
+          </a:fontRef>
+        </p:style>
+        <p:txBody>
+          <a:bodyPr rtlCol="0" anchor="ctr"/>
+          <a:lstStyle/>
+          <a:p>
+            <a:pPr algn="ctr"/>
+            <a:endParaRPr lang="en-US" dirty="0"/>
+          </a:p>
+        </p:txBody>
+      </p:sp>
+      <p:sp>
+        <p:nvSpPr>
+          <p:cNvPr id="77" name="Oval 76">
+            <a:extLst>
+              <a:ext uri="{FF2B5EF4-FFF2-40B4-BE49-F238E27FC236}">
+                <a16:creationId xmlns:a16="http://schemas.microsoft.com/office/drawing/2014/main" id="{60F982D6-F13E-4260-A3B6-EA9B697FB6DA}"/>
+              </a:ext>
+            </a:extLst>
+          </p:cNvPr>
+          <p:cNvSpPr/>
+          <p:nvPr/>
+        </p:nvSpPr>
+        <p:spPr>
+          <a:xfrm>
+            <a:off x="7469827" y="3429000"/>
+            <a:ext cx="206614" cy="206614"/>
+          </a:xfrm>
+          <a:prstGeom prst="ellipse">
+            <a:avLst/>
+          </a:prstGeom>
+          <a:solidFill>
+            <a:schemeClr val="bg1"/>
+          </a:solidFill>
+          <a:ln>
+            <a:solidFill>
+              <a:schemeClr val="bg2">
+                <a:lumMod val="50000"/>
+              </a:schemeClr>
+            </a:solidFill>
+          </a:ln>
+        </p:spPr>
+        <p:style>
+          <a:lnRef idx="2">
+            <a:schemeClr val="accent1">
+              <a:shade val="50000"/>
+            </a:schemeClr>
+          </a:lnRef>
+          <a:fillRef idx="1">
+            <a:schemeClr val="accent1"/>
+          </a:fillRef>
+          <a:effectRef idx="0">
+            <a:schemeClr val="accent1"/>
+          </a:effectRef>
+          <a:fontRef idx="minor">
+            <a:schemeClr val="lt1"/>
+          </a:fontRef>
+        </p:style>
+        <p:txBody>
+          <a:bodyPr rtlCol="0" anchor="ctr"/>
+          <a:lstStyle/>
+          <a:p>
+            <a:pPr algn="ctr"/>
+            <a:endParaRPr lang="en-US" dirty="0"/>
+          </a:p>
+        </p:txBody>
+      </p:sp>
+      <p:sp>
+        <p:nvSpPr>
+          <p:cNvPr id="78" name="Oval 77">
+            <a:extLst>
+              <a:ext uri="{FF2B5EF4-FFF2-40B4-BE49-F238E27FC236}">
+                <a16:creationId xmlns:a16="http://schemas.microsoft.com/office/drawing/2014/main" id="{4CB16C34-73B2-4045-AB31-3A7BC9E1724C}"/>
+              </a:ext>
+            </a:extLst>
+          </p:cNvPr>
+          <p:cNvSpPr/>
+          <p:nvPr/>
+        </p:nvSpPr>
+        <p:spPr>
+          <a:xfrm>
+            <a:off x="7025301" y="3958547"/>
+            <a:ext cx="206614" cy="206614"/>
+          </a:xfrm>
+          <a:prstGeom prst="ellipse">
+            <a:avLst/>
+          </a:prstGeom>
+          <a:solidFill>
+            <a:schemeClr val="bg1"/>
+          </a:solidFill>
+          <a:ln>
+            <a:solidFill>
+              <a:schemeClr val="bg2">
+                <a:lumMod val="50000"/>
+              </a:schemeClr>
+            </a:solidFill>
+          </a:ln>
+        </p:spPr>
+        <p:style>
+          <a:lnRef idx="2">
+            <a:schemeClr val="accent1">
+              <a:shade val="50000"/>
+            </a:schemeClr>
+          </a:lnRef>
+          <a:fillRef idx="1">
+            <a:schemeClr val="accent1"/>
+          </a:fillRef>
+          <a:effectRef idx="0">
+            <a:schemeClr val="accent1"/>
+          </a:effectRef>
+          <a:fontRef idx="minor">
+            <a:schemeClr val="lt1"/>
+          </a:fontRef>
+        </p:style>
+        <p:txBody>
+          <a:bodyPr rtlCol="0" anchor="ctr"/>
+          <a:lstStyle/>
+          <a:p>
+            <a:pPr algn="ctr"/>
+            <a:endParaRPr lang="en-US" dirty="0"/>
+          </a:p>
+        </p:txBody>
+      </p:sp>
+      <p:sp>
+        <p:nvSpPr>
+          <p:cNvPr id="79" name="Oval 78">
+            <a:extLst>
+              <a:ext uri="{FF2B5EF4-FFF2-40B4-BE49-F238E27FC236}">
+                <a16:creationId xmlns:a16="http://schemas.microsoft.com/office/drawing/2014/main" id="{FA2834DE-041F-49AB-BA6D-FE82C5EE525B}"/>
+              </a:ext>
+            </a:extLst>
+          </p:cNvPr>
+          <p:cNvSpPr/>
+          <p:nvPr/>
+        </p:nvSpPr>
+        <p:spPr>
+          <a:xfrm>
+            <a:off x="7414914" y="4452850"/>
+            <a:ext cx="206614" cy="206614"/>
+          </a:xfrm>
+          <a:prstGeom prst="ellipse">
+            <a:avLst/>
+          </a:prstGeom>
+          <a:solidFill>
+            <a:schemeClr val="bg1"/>
+          </a:solidFill>
+          <a:ln>
+            <a:solidFill>
+              <a:schemeClr val="bg2">
+                <a:lumMod val="50000"/>
+              </a:schemeClr>
+            </a:solidFill>
+          </a:ln>
+        </p:spPr>
+        <p:style>
+          <a:lnRef idx="2">
+            <a:schemeClr val="accent1">
+              <a:shade val="50000"/>
+            </a:schemeClr>
+          </a:lnRef>
+          <a:fillRef idx="1">
+            <a:schemeClr val="accent1"/>
+          </a:fillRef>
+          <a:effectRef idx="0">
+            <a:schemeClr val="accent1"/>
+          </a:effectRef>
+          <a:fontRef idx="minor">
+            <a:schemeClr val="lt1"/>
+          </a:fontRef>
+        </p:style>
+        <p:txBody>
+          <a:bodyPr rtlCol="0" anchor="ctr"/>
+          <a:lstStyle/>
+          <a:p>
+            <a:pPr algn="ctr"/>
+            <a:endParaRPr lang="en-US" dirty="0"/>
+          </a:p>
+        </p:txBody>
+      </p:sp>
+      <p:sp>
+        <p:nvSpPr>
+          <p:cNvPr id="80" name="Oval 79">
+            <a:extLst>
+              <a:ext uri="{FF2B5EF4-FFF2-40B4-BE49-F238E27FC236}">
+                <a16:creationId xmlns:a16="http://schemas.microsoft.com/office/drawing/2014/main" id="{B6E1F763-0904-4C02-9DA6-DEE6E1299527}"/>
+              </a:ext>
+            </a:extLst>
+          </p:cNvPr>
+          <p:cNvSpPr/>
+          <p:nvPr/>
+        </p:nvSpPr>
+        <p:spPr>
+          <a:xfrm>
+            <a:off x="7025301" y="4965561"/>
+            <a:ext cx="206614" cy="206614"/>
+          </a:xfrm>
+          <a:prstGeom prst="ellipse">
+            <a:avLst/>
+          </a:prstGeom>
+          <a:solidFill>
+            <a:schemeClr val="bg1"/>
+          </a:solidFill>
+          <a:ln>
+            <a:solidFill>
+              <a:schemeClr val="bg2">
+                <a:lumMod val="50000"/>
+              </a:schemeClr>
+            </a:solidFill>
+          </a:ln>
+        </p:spPr>
+        <p:style>
+          <a:lnRef idx="2">
+            <a:schemeClr val="accent1">
+              <a:shade val="50000"/>
+            </a:schemeClr>
+          </a:lnRef>
+          <a:fillRef idx="1">
+            <a:schemeClr val="accent1"/>
+          </a:fillRef>
+          <a:effectRef idx="0">
+            <a:schemeClr val="accent1"/>
+          </a:effectRef>
+          <a:fontRef idx="minor">
+            <a:schemeClr val="lt1"/>
+          </a:fontRef>
+        </p:style>
+        <p:txBody>
+          <a:bodyPr rtlCol="0" anchor="ctr"/>
+          <a:lstStyle/>
+          <a:p>
+            <a:pPr algn="ctr"/>
+            <a:endParaRPr lang="en-US" dirty="0"/>
+          </a:p>
+        </p:txBody>
+      </p:sp>
+      <p:sp>
+        <p:nvSpPr>
+          <p:cNvPr id="81" name="Oval 80">
+            <a:extLst>
+              <a:ext uri="{FF2B5EF4-FFF2-40B4-BE49-F238E27FC236}">
+                <a16:creationId xmlns:a16="http://schemas.microsoft.com/office/drawing/2014/main" id="{82A36234-619A-49B2-A376-F76E6A666F14}"/>
+              </a:ext>
+            </a:extLst>
+          </p:cNvPr>
+          <p:cNvSpPr/>
+          <p:nvPr/>
+        </p:nvSpPr>
+        <p:spPr>
+          <a:xfrm>
+            <a:off x="7375635" y="5412537"/>
+            <a:ext cx="206614" cy="206614"/>
+          </a:xfrm>
+          <a:prstGeom prst="ellipse">
+            <a:avLst/>
+          </a:prstGeom>
+          <a:solidFill>
+            <a:schemeClr val="bg1"/>
+          </a:solidFill>
+          <a:ln>
+            <a:solidFill>
+              <a:schemeClr val="bg2">
+                <a:lumMod val="50000"/>
+              </a:schemeClr>
+            </a:solidFill>
+          </a:ln>
+        </p:spPr>
+        <p:style>
+          <a:lnRef idx="2">
+            <a:schemeClr val="accent1">
+              <a:shade val="50000"/>
+            </a:schemeClr>
+          </a:lnRef>
+          <a:fillRef idx="1">
+            <a:schemeClr val="accent1"/>
+          </a:fillRef>
+          <a:effectRef idx="0">
+            <a:schemeClr val="accent1"/>
+          </a:effectRef>
+          <a:fontRef idx="minor">
+            <a:schemeClr val="lt1"/>
+          </a:fontRef>
+        </p:style>
+        <p:txBody>
+          <a:bodyPr rtlCol="0" anchor="ctr"/>
+          <a:lstStyle/>
+          <a:p>
+            <a:pPr algn="ctr"/>
+            <a:endParaRPr lang="en-US" dirty="0"/>
+          </a:p>
+        </p:txBody>
+      </p:sp>
+      <p:sp>
+        <p:nvSpPr>
+          <p:cNvPr id="82" name="Oval 81">
+            <a:extLst>
+              <a:ext uri="{FF2B5EF4-FFF2-40B4-BE49-F238E27FC236}">
+                <a16:creationId xmlns:a16="http://schemas.microsoft.com/office/drawing/2014/main" id="{60F23E86-469B-4646-930D-DE660A94C49A}"/>
+              </a:ext>
+            </a:extLst>
+          </p:cNvPr>
+          <p:cNvSpPr/>
+          <p:nvPr/>
+        </p:nvSpPr>
+        <p:spPr>
+          <a:xfrm>
+            <a:off x="7025301" y="5765961"/>
+            <a:ext cx="206614" cy="206614"/>
+          </a:xfrm>
+          <a:prstGeom prst="ellipse">
+            <a:avLst/>
+          </a:prstGeom>
+          <a:solidFill>
+            <a:schemeClr val="bg1"/>
+          </a:solidFill>
+          <a:ln>
+            <a:solidFill>
+              <a:schemeClr val="bg2">
+                <a:lumMod val="50000"/>
+              </a:schemeClr>
+            </a:solidFill>
+          </a:ln>
+        </p:spPr>
+        <p:style>
+          <a:lnRef idx="2">
+            <a:schemeClr val="accent1">
+              <a:shade val="50000"/>
+            </a:schemeClr>
+          </a:lnRef>
+          <a:fillRef idx="1">
+            <a:schemeClr val="accent1"/>
+          </a:fillRef>
+          <a:effectRef idx="0">
+            <a:schemeClr val="accent1"/>
+          </a:effectRef>
+          <a:fontRef idx="minor">
+            <a:schemeClr val="lt1"/>
+          </a:fontRef>
+        </p:style>
+        <p:txBody>
+          <a:bodyPr rtlCol="0" anchor="ctr"/>
+          <a:lstStyle/>
+          <a:p>
+            <a:pPr algn="ctr"/>
+            <a:endParaRPr lang="en-US" dirty="0"/>
+          </a:p>
+        </p:txBody>
+      </p:sp>
+      <p:sp>
+        <p:nvSpPr>
+          <p:cNvPr id="83" name="Oval 82">
+            <a:extLst>
+              <a:ext uri="{FF2B5EF4-FFF2-40B4-BE49-F238E27FC236}">
+                <a16:creationId xmlns:a16="http://schemas.microsoft.com/office/drawing/2014/main" id="{7BDC5495-6B4C-4E8A-B5FA-119FDA8FFF5F}"/>
+              </a:ext>
+            </a:extLst>
+          </p:cNvPr>
+          <p:cNvSpPr/>
+          <p:nvPr/>
+        </p:nvSpPr>
+        <p:spPr>
+          <a:xfrm>
+            <a:off x="7882711" y="1931428"/>
+            <a:ext cx="206614" cy="206614"/>
+          </a:xfrm>
+          <a:prstGeom prst="ellipse">
+            <a:avLst/>
+          </a:prstGeom>
+          <a:solidFill>
+            <a:schemeClr val="bg1"/>
+          </a:solidFill>
+          <a:ln>
+            <a:solidFill>
+              <a:schemeClr val="bg2">
+                <a:lumMod val="50000"/>
+              </a:schemeClr>
+            </a:solidFill>
+          </a:ln>
+        </p:spPr>
+        <p:style>
+          <a:lnRef idx="2">
+            <a:schemeClr val="accent1">
+              <a:shade val="50000"/>
+            </a:schemeClr>
+          </a:lnRef>
+          <a:fillRef idx="1">
+            <a:schemeClr val="accent1"/>
+          </a:fillRef>
+          <a:effectRef idx="0">
+            <a:schemeClr val="accent1"/>
+          </a:effectRef>
+          <a:fontRef idx="minor">
+            <a:schemeClr val="lt1"/>
+          </a:fontRef>
+        </p:style>
+        <p:txBody>
+          <a:bodyPr rtlCol="0" anchor="ctr"/>
+          <a:lstStyle/>
+          <a:p>
+            <a:pPr algn="ctr"/>
+            <a:endParaRPr lang="en-US" dirty="0"/>
+          </a:p>
+        </p:txBody>
+      </p:sp>
+      <p:sp>
+        <p:nvSpPr>
+          <p:cNvPr id="84" name="Oval 83">
+            <a:extLst>
+              <a:ext uri="{FF2B5EF4-FFF2-40B4-BE49-F238E27FC236}">
+                <a16:creationId xmlns:a16="http://schemas.microsoft.com/office/drawing/2014/main" id="{62B9894C-518E-4976-BD14-27B25F5D147E}"/>
+              </a:ext>
+            </a:extLst>
+          </p:cNvPr>
+          <p:cNvSpPr/>
+          <p:nvPr/>
+        </p:nvSpPr>
+        <p:spPr>
+          <a:xfrm>
+            <a:off x="8785026" y="1931428"/>
+            <a:ext cx="206614" cy="206614"/>
+          </a:xfrm>
+          <a:prstGeom prst="ellipse">
+            <a:avLst/>
+          </a:prstGeom>
+          <a:solidFill>
+            <a:schemeClr val="bg1"/>
+          </a:solidFill>
+          <a:ln>
+            <a:solidFill>
+              <a:schemeClr val="bg2">
+                <a:lumMod val="50000"/>
+              </a:schemeClr>
+            </a:solidFill>
+          </a:ln>
+        </p:spPr>
+        <p:style>
+          <a:lnRef idx="2">
+            <a:schemeClr val="accent1">
+              <a:shade val="50000"/>
+            </a:schemeClr>
+          </a:lnRef>
+          <a:fillRef idx="1">
+            <a:schemeClr val="accent1"/>
+          </a:fillRef>
+          <a:effectRef idx="0">
+            <a:schemeClr val="accent1"/>
+          </a:effectRef>
+          <a:fontRef idx="minor">
+            <a:schemeClr val="lt1"/>
+          </a:fontRef>
+        </p:style>
+        <p:txBody>
+          <a:bodyPr rtlCol="0" anchor="ctr"/>
+          <a:lstStyle/>
+          <a:p>
+            <a:pPr algn="ctr"/>
+            <a:endParaRPr lang="en-US" dirty="0"/>
+          </a:p>
+        </p:txBody>
+      </p:sp>
+      <p:sp>
+        <p:nvSpPr>
+          <p:cNvPr id="85" name="Oval 84">
+            <a:extLst>
+              <a:ext uri="{FF2B5EF4-FFF2-40B4-BE49-F238E27FC236}">
+                <a16:creationId xmlns:a16="http://schemas.microsoft.com/office/drawing/2014/main" id="{F050DF7E-D137-4DC4-9351-82C9576C070A}"/>
+              </a:ext>
+            </a:extLst>
+          </p:cNvPr>
+          <p:cNvSpPr/>
+          <p:nvPr/>
+        </p:nvSpPr>
+        <p:spPr>
+          <a:xfrm>
+            <a:off x="9745743" y="1931428"/>
+            <a:ext cx="206614" cy="206614"/>
+          </a:xfrm>
+          <a:prstGeom prst="ellipse">
+            <a:avLst/>
+          </a:prstGeom>
+          <a:solidFill>
+            <a:schemeClr val="bg1"/>
+          </a:solidFill>
+          <a:ln>
+            <a:solidFill>
+              <a:schemeClr val="bg2">
+                <a:lumMod val="50000"/>
+              </a:schemeClr>
+            </a:solidFill>
+          </a:ln>
+        </p:spPr>
+        <p:style>
+          <a:lnRef idx="2">
+            <a:schemeClr val="accent1">
+              <a:shade val="50000"/>
+            </a:schemeClr>
+          </a:lnRef>
+          <a:fillRef idx="1">
+            <a:schemeClr val="accent1"/>
+          </a:fillRef>
+          <a:effectRef idx="0">
+            <a:schemeClr val="accent1"/>
+          </a:effectRef>
+          <a:fontRef idx="minor">
+            <a:schemeClr val="lt1"/>
+          </a:fontRef>
+        </p:style>
+        <p:txBody>
+          <a:bodyPr rtlCol="0" anchor="ctr"/>
+          <a:lstStyle/>
+          <a:p>
+            <a:pPr algn="ctr"/>
+            <a:endParaRPr lang="en-US" dirty="0"/>
+          </a:p>
+        </p:txBody>
+      </p:sp>
+      <p:sp>
+        <p:nvSpPr>
+          <p:cNvPr id="86" name="Oval 85">
+            <a:extLst>
+              <a:ext uri="{FF2B5EF4-FFF2-40B4-BE49-F238E27FC236}">
+                <a16:creationId xmlns:a16="http://schemas.microsoft.com/office/drawing/2014/main" id="{8BC3153F-8FAE-45CA-99B6-5A513724A10C}"/>
+              </a:ext>
+            </a:extLst>
+          </p:cNvPr>
+          <p:cNvSpPr/>
+          <p:nvPr/>
+        </p:nvSpPr>
+        <p:spPr>
+          <a:xfrm>
+            <a:off x="10609940" y="1931428"/>
+            <a:ext cx="206614" cy="206614"/>
+          </a:xfrm>
+          <a:prstGeom prst="ellipse">
+            <a:avLst/>
+          </a:prstGeom>
+          <a:solidFill>
+            <a:schemeClr val="bg1"/>
+          </a:solidFill>
+          <a:ln>
+            <a:solidFill>
+              <a:schemeClr val="bg2">
+                <a:lumMod val="50000"/>
+              </a:schemeClr>
+            </a:solidFill>
+          </a:ln>
+        </p:spPr>
+        <p:style>
+          <a:lnRef idx="2">
+            <a:schemeClr val="accent1">
+              <a:shade val="50000"/>
+            </a:schemeClr>
+          </a:lnRef>
+          <a:fillRef idx="1">
+            <a:schemeClr val="accent1"/>
+          </a:fillRef>
+          <a:effectRef idx="0">
+            <a:schemeClr val="accent1"/>
+          </a:effectRef>
+          <a:fontRef idx="minor">
+            <a:schemeClr val="lt1"/>
+          </a:fontRef>
+        </p:style>
+        <p:txBody>
+          <a:bodyPr rtlCol="0" anchor="ctr"/>
+          <a:lstStyle/>
+          <a:p>
+            <a:pPr algn="ctr"/>
+            <a:endParaRPr lang="en-US" dirty="0"/>
+          </a:p>
+        </p:txBody>
+      </p:sp>
+      <p:sp>
+        <p:nvSpPr>
+          <p:cNvPr id="87" name="Oval 86">
+            <a:extLst>
+              <a:ext uri="{FF2B5EF4-FFF2-40B4-BE49-F238E27FC236}">
+                <a16:creationId xmlns:a16="http://schemas.microsoft.com/office/drawing/2014/main" id="{52E048D2-567D-4E7B-965D-8D06DE15369F}"/>
+              </a:ext>
+            </a:extLst>
+          </p:cNvPr>
+          <p:cNvSpPr/>
+          <p:nvPr/>
+        </p:nvSpPr>
+        <p:spPr>
+          <a:xfrm>
+            <a:off x="8365607" y="2414777"/>
+            <a:ext cx="206614" cy="206614"/>
+          </a:xfrm>
+          <a:prstGeom prst="ellipse">
+            <a:avLst/>
+          </a:prstGeom>
+          <a:solidFill>
+            <a:schemeClr val="bg1"/>
+          </a:solidFill>
+          <a:ln>
+            <a:solidFill>
+              <a:schemeClr val="bg2">
+                <a:lumMod val="50000"/>
+              </a:schemeClr>
+            </a:solidFill>
+          </a:ln>
+        </p:spPr>
+        <p:style>
+          <a:lnRef idx="2">
+            <a:schemeClr val="accent1">
+              <a:shade val="50000"/>
+            </a:schemeClr>
+          </a:lnRef>
+          <a:fillRef idx="1">
+            <a:schemeClr val="accent1"/>
+          </a:fillRef>
+          <a:effectRef idx="0">
+            <a:schemeClr val="accent1"/>
+          </a:effectRef>
+          <a:fontRef idx="minor">
+            <a:schemeClr val="lt1"/>
+          </a:fontRef>
+        </p:style>
+        <p:txBody>
+          <a:bodyPr rtlCol="0" anchor="ctr"/>
+          <a:lstStyle/>
+          <a:p>
+            <a:pPr algn="ctr"/>
+            <a:endParaRPr lang="en-US" dirty="0"/>
+          </a:p>
+        </p:txBody>
+      </p:sp>
+      <p:sp>
+        <p:nvSpPr>
+          <p:cNvPr id="88" name="Oval 87">
+            <a:extLst>
+              <a:ext uri="{FF2B5EF4-FFF2-40B4-BE49-F238E27FC236}">
+                <a16:creationId xmlns:a16="http://schemas.microsoft.com/office/drawing/2014/main" id="{DFE38335-AC84-4BD0-9F84-6A8182420E0D}"/>
+              </a:ext>
+            </a:extLst>
+          </p:cNvPr>
+          <p:cNvSpPr/>
+          <p:nvPr/>
+        </p:nvSpPr>
+        <p:spPr>
+          <a:xfrm>
+            <a:off x="9265733" y="2405505"/>
+            <a:ext cx="206614" cy="206614"/>
+          </a:xfrm>
+          <a:prstGeom prst="ellipse">
+            <a:avLst/>
+          </a:prstGeom>
+          <a:solidFill>
+            <a:schemeClr val="bg1"/>
+          </a:solidFill>
+          <a:ln>
+            <a:solidFill>
+              <a:schemeClr val="bg2">
+                <a:lumMod val="50000"/>
+              </a:schemeClr>
+            </a:solidFill>
+          </a:ln>
+        </p:spPr>
+        <p:style>
+          <a:lnRef idx="2">
+            <a:schemeClr val="accent1">
+              <a:shade val="50000"/>
+            </a:schemeClr>
+          </a:lnRef>
+          <a:fillRef idx="1">
+            <a:schemeClr val="accent1"/>
+          </a:fillRef>
+          <a:effectRef idx="0">
+            <a:schemeClr val="accent1"/>
+          </a:effectRef>
+          <a:fontRef idx="minor">
+            <a:schemeClr val="lt1"/>
+          </a:fontRef>
+        </p:style>
+        <p:txBody>
+          <a:bodyPr rtlCol="0" anchor="ctr"/>
+          <a:lstStyle/>
+          <a:p>
+            <a:pPr algn="ctr"/>
+            <a:endParaRPr lang="en-US" dirty="0"/>
+          </a:p>
+        </p:txBody>
+      </p:sp>
+      <p:sp>
+        <p:nvSpPr>
+          <p:cNvPr id="89" name="Oval 88">
+            <a:extLst>
+              <a:ext uri="{FF2B5EF4-FFF2-40B4-BE49-F238E27FC236}">
+                <a16:creationId xmlns:a16="http://schemas.microsoft.com/office/drawing/2014/main" id="{AA80F3B7-A71A-47CF-A3A7-EAAC1D93A193}"/>
+              </a:ext>
+            </a:extLst>
+          </p:cNvPr>
+          <p:cNvSpPr/>
+          <p:nvPr/>
+        </p:nvSpPr>
+        <p:spPr>
+          <a:xfrm>
+            <a:off x="10183892" y="2405505"/>
+            <a:ext cx="206614" cy="206614"/>
+          </a:xfrm>
+          <a:prstGeom prst="ellipse">
+            <a:avLst/>
+          </a:prstGeom>
+          <a:solidFill>
+            <a:schemeClr val="bg1"/>
+          </a:solidFill>
+          <a:ln>
+            <a:solidFill>
+              <a:schemeClr val="bg2">
+                <a:lumMod val="50000"/>
+              </a:schemeClr>
+            </a:solidFill>
+          </a:ln>
+        </p:spPr>
+        <p:style>
+          <a:lnRef idx="2">
+            <a:schemeClr val="accent1">
+              <a:shade val="50000"/>
+            </a:schemeClr>
+          </a:lnRef>
+          <a:fillRef idx="1">
+            <a:schemeClr val="accent1"/>
+          </a:fillRef>
+          <a:effectRef idx="0">
+            <a:schemeClr val="accent1"/>
+          </a:effectRef>
+          <a:fontRef idx="minor">
+            <a:schemeClr val="lt1"/>
+          </a:fontRef>
+        </p:style>
+        <p:txBody>
+          <a:bodyPr rtlCol="0" anchor="ctr"/>
+          <a:lstStyle/>
+          <a:p>
+            <a:pPr algn="ctr"/>
+            <a:endParaRPr lang="en-US" dirty="0"/>
+          </a:p>
+        </p:txBody>
+      </p:sp>
+      <p:sp>
+        <p:nvSpPr>
+          <p:cNvPr id="90" name="Oval 89">
+            <a:extLst>
+              <a:ext uri="{FF2B5EF4-FFF2-40B4-BE49-F238E27FC236}">
+                <a16:creationId xmlns:a16="http://schemas.microsoft.com/office/drawing/2014/main" id="{E61338B0-D739-4C7E-808E-DA464797C6AA}"/>
+              </a:ext>
+            </a:extLst>
+          </p:cNvPr>
+          <p:cNvSpPr/>
+          <p:nvPr/>
+        </p:nvSpPr>
+        <p:spPr>
+          <a:xfrm>
+            <a:off x="7879898" y="2871096"/>
+            <a:ext cx="206614" cy="206614"/>
+          </a:xfrm>
+          <a:prstGeom prst="ellipse">
+            <a:avLst/>
+          </a:prstGeom>
+          <a:solidFill>
+            <a:schemeClr val="bg1"/>
+          </a:solidFill>
+          <a:ln>
+            <a:solidFill>
+              <a:schemeClr val="bg2">
+                <a:lumMod val="50000"/>
+              </a:schemeClr>
+            </a:solidFill>
+          </a:ln>
+        </p:spPr>
+        <p:style>
+          <a:lnRef idx="2">
+            <a:schemeClr val="accent1">
+              <a:shade val="50000"/>
+            </a:schemeClr>
+          </a:lnRef>
+          <a:fillRef idx="1">
+            <a:schemeClr val="accent1"/>
+          </a:fillRef>
+          <a:effectRef idx="0">
+            <a:schemeClr val="accent1"/>
+          </a:effectRef>
+          <a:fontRef idx="minor">
+            <a:schemeClr val="lt1"/>
+          </a:fontRef>
+        </p:style>
+        <p:txBody>
+          <a:bodyPr rtlCol="0" anchor="ctr"/>
+          <a:lstStyle/>
+          <a:p>
+            <a:pPr algn="ctr"/>
+            <a:endParaRPr lang="en-US" dirty="0"/>
+          </a:p>
+        </p:txBody>
+      </p:sp>
+      <p:sp>
+        <p:nvSpPr>
+          <p:cNvPr id="91" name="Oval 90">
+            <a:extLst>
+              <a:ext uri="{FF2B5EF4-FFF2-40B4-BE49-F238E27FC236}">
+                <a16:creationId xmlns:a16="http://schemas.microsoft.com/office/drawing/2014/main" id="{9D83BFC6-E2C5-4808-8CF2-573AE670611D}"/>
+              </a:ext>
+            </a:extLst>
+          </p:cNvPr>
+          <p:cNvSpPr/>
+          <p:nvPr/>
+        </p:nvSpPr>
+        <p:spPr>
+          <a:xfrm>
+            <a:off x="8785026" y="2951533"/>
+            <a:ext cx="206614" cy="206614"/>
+          </a:xfrm>
+          <a:prstGeom prst="ellipse">
+            <a:avLst/>
+          </a:prstGeom>
+          <a:solidFill>
+            <a:schemeClr val="bg1"/>
+          </a:solidFill>
+          <a:ln>
+            <a:solidFill>
+              <a:schemeClr val="bg2">
+                <a:lumMod val="50000"/>
+              </a:schemeClr>
+            </a:solidFill>
+          </a:ln>
+        </p:spPr>
+        <p:style>
+          <a:lnRef idx="2">
+            <a:schemeClr val="accent1">
+              <a:shade val="50000"/>
+            </a:schemeClr>
+          </a:lnRef>
+          <a:fillRef idx="1">
+            <a:schemeClr val="accent1"/>
+          </a:fillRef>
+          <a:effectRef idx="0">
+            <a:schemeClr val="accent1"/>
+          </a:effectRef>
+          <a:fontRef idx="minor">
+            <a:schemeClr val="lt1"/>
+          </a:fontRef>
+        </p:style>
+        <p:txBody>
+          <a:bodyPr rtlCol="0" anchor="ctr"/>
+          <a:lstStyle/>
+          <a:p>
+            <a:pPr algn="ctr"/>
+            <a:endParaRPr lang="en-US" dirty="0"/>
+          </a:p>
+        </p:txBody>
+      </p:sp>
+      <p:sp>
+        <p:nvSpPr>
+          <p:cNvPr id="92" name="Oval 91">
+            <a:extLst>
+              <a:ext uri="{FF2B5EF4-FFF2-40B4-BE49-F238E27FC236}">
+                <a16:creationId xmlns:a16="http://schemas.microsoft.com/office/drawing/2014/main" id="{00697633-857E-4314-80AD-9EB1FFE11EAA}"/>
+              </a:ext>
+            </a:extLst>
+          </p:cNvPr>
+          <p:cNvSpPr/>
+          <p:nvPr/>
+        </p:nvSpPr>
+        <p:spPr>
+          <a:xfrm>
+            <a:off x="9745743" y="2893611"/>
+            <a:ext cx="206614" cy="206614"/>
+          </a:xfrm>
+          <a:prstGeom prst="ellipse">
+            <a:avLst/>
+          </a:prstGeom>
+          <a:solidFill>
+            <a:schemeClr val="bg1"/>
+          </a:solidFill>
+          <a:ln>
+            <a:solidFill>
+              <a:schemeClr val="bg2">
+                <a:lumMod val="50000"/>
+              </a:schemeClr>
+            </a:solidFill>
+          </a:ln>
+        </p:spPr>
+        <p:style>
+          <a:lnRef idx="2">
+            <a:schemeClr val="accent1">
+              <a:shade val="50000"/>
+            </a:schemeClr>
+          </a:lnRef>
+          <a:fillRef idx="1">
+            <a:schemeClr val="accent1"/>
+          </a:fillRef>
+          <a:effectRef idx="0">
+            <a:schemeClr val="accent1"/>
+          </a:effectRef>
+          <a:fontRef idx="minor">
+            <a:schemeClr val="lt1"/>
+          </a:fontRef>
+        </p:style>
+        <p:txBody>
+          <a:bodyPr rtlCol="0" anchor="ctr"/>
+          <a:lstStyle/>
+          <a:p>
+            <a:pPr algn="ctr"/>
+            <a:endParaRPr lang="en-US" dirty="0"/>
+          </a:p>
+        </p:txBody>
+      </p:sp>
+      <p:sp>
+        <p:nvSpPr>
+          <p:cNvPr id="93" name="Oval 92">
+            <a:extLst>
+              <a:ext uri="{FF2B5EF4-FFF2-40B4-BE49-F238E27FC236}">
+                <a16:creationId xmlns:a16="http://schemas.microsoft.com/office/drawing/2014/main" id="{56CECD27-FDE5-48C7-AE5D-4D10E65767DE}"/>
+              </a:ext>
+            </a:extLst>
+          </p:cNvPr>
+          <p:cNvSpPr/>
+          <p:nvPr/>
+        </p:nvSpPr>
+        <p:spPr>
+          <a:xfrm>
+            <a:off x="10617439" y="2951533"/>
+            <a:ext cx="206614" cy="206614"/>
+          </a:xfrm>
+          <a:prstGeom prst="ellipse">
+            <a:avLst/>
+          </a:prstGeom>
+          <a:solidFill>
+            <a:schemeClr val="bg1"/>
+          </a:solidFill>
+          <a:ln>
+            <a:solidFill>
+              <a:schemeClr val="bg2">
+                <a:lumMod val="50000"/>
+              </a:schemeClr>
+            </a:solidFill>
+          </a:ln>
+        </p:spPr>
+        <p:style>
+          <a:lnRef idx="2">
+            <a:schemeClr val="accent1">
+              <a:shade val="50000"/>
+            </a:schemeClr>
+          </a:lnRef>
+          <a:fillRef idx="1">
+            <a:schemeClr val="accent1"/>
+          </a:fillRef>
+          <a:effectRef idx="0">
+            <a:schemeClr val="accent1"/>
+          </a:effectRef>
+          <a:fontRef idx="minor">
+            <a:schemeClr val="lt1"/>
+          </a:fontRef>
+        </p:style>
+        <p:txBody>
+          <a:bodyPr rtlCol="0" anchor="ctr"/>
+          <a:lstStyle/>
+          <a:p>
+            <a:pPr algn="ctr"/>
+            <a:endParaRPr lang="en-US" dirty="0"/>
+          </a:p>
+        </p:txBody>
+      </p:sp>
+      <p:sp>
+        <p:nvSpPr>
+          <p:cNvPr id="94" name="Oval 93">
+            <a:extLst>
+              <a:ext uri="{FF2B5EF4-FFF2-40B4-BE49-F238E27FC236}">
+                <a16:creationId xmlns:a16="http://schemas.microsoft.com/office/drawing/2014/main" id="{0452BBF4-2A35-40F5-AC03-421C6214405D}"/>
+              </a:ext>
+            </a:extLst>
+          </p:cNvPr>
+          <p:cNvSpPr/>
+          <p:nvPr/>
+        </p:nvSpPr>
+        <p:spPr>
+          <a:xfrm>
+            <a:off x="8343508" y="3429000"/>
+            <a:ext cx="206614" cy="206614"/>
+          </a:xfrm>
+          <a:prstGeom prst="ellipse">
+            <a:avLst/>
+          </a:prstGeom>
+          <a:solidFill>
+            <a:schemeClr val="bg1"/>
+          </a:solidFill>
+          <a:ln>
+            <a:solidFill>
+              <a:schemeClr val="bg2">
+                <a:lumMod val="50000"/>
+              </a:schemeClr>
+            </a:solidFill>
+          </a:ln>
+        </p:spPr>
+        <p:style>
+          <a:lnRef idx="2">
+            <a:schemeClr val="accent1">
+              <a:shade val="50000"/>
+            </a:schemeClr>
+          </a:lnRef>
+          <a:fillRef idx="1">
+            <a:schemeClr val="accent1"/>
+          </a:fillRef>
+          <a:effectRef idx="0">
+            <a:schemeClr val="accent1"/>
+          </a:effectRef>
+          <a:fontRef idx="minor">
+            <a:schemeClr val="lt1"/>
+          </a:fontRef>
+        </p:style>
+        <p:txBody>
+          <a:bodyPr rtlCol="0" anchor="ctr"/>
+          <a:lstStyle/>
+          <a:p>
+            <a:pPr algn="ctr"/>
+            <a:endParaRPr lang="en-US" dirty="0"/>
+          </a:p>
+        </p:txBody>
+      </p:sp>
+      <p:sp>
+        <p:nvSpPr>
+          <p:cNvPr id="95" name="Oval 94">
+            <a:extLst>
+              <a:ext uri="{FF2B5EF4-FFF2-40B4-BE49-F238E27FC236}">
+                <a16:creationId xmlns:a16="http://schemas.microsoft.com/office/drawing/2014/main" id="{94AA6071-5701-46BA-9F4A-623FE26EE23C}"/>
+              </a:ext>
+            </a:extLst>
+          </p:cNvPr>
+          <p:cNvSpPr/>
+          <p:nvPr/>
+        </p:nvSpPr>
+        <p:spPr>
+          <a:xfrm>
+            <a:off x="9266260" y="3429000"/>
+            <a:ext cx="206614" cy="206614"/>
+          </a:xfrm>
+          <a:prstGeom prst="ellipse">
+            <a:avLst/>
+          </a:prstGeom>
+          <a:solidFill>
+            <a:schemeClr val="bg1"/>
+          </a:solidFill>
+          <a:ln>
+            <a:solidFill>
+              <a:schemeClr val="bg2">
+                <a:lumMod val="50000"/>
+              </a:schemeClr>
+            </a:solidFill>
+          </a:ln>
+        </p:spPr>
+        <p:style>
+          <a:lnRef idx="2">
+            <a:schemeClr val="accent1">
+              <a:shade val="50000"/>
+            </a:schemeClr>
+          </a:lnRef>
+          <a:fillRef idx="1">
+            <a:schemeClr val="accent1"/>
+          </a:fillRef>
+          <a:effectRef idx="0">
+            <a:schemeClr val="accent1"/>
+          </a:effectRef>
+          <a:fontRef idx="minor">
+            <a:schemeClr val="lt1"/>
+          </a:fontRef>
+        </p:style>
+        <p:txBody>
+          <a:bodyPr rtlCol="0" anchor="ctr"/>
+          <a:lstStyle/>
+          <a:p>
+            <a:pPr algn="ctr"/>
+            <a:endParaRPr lang="en-US" dirty="0"/>
+          </a:p>
+        </p:txBody>
+      </p:sp>
+      <p:sp>
+        <p:nvSpPr>
+          <p:cNvPr id="96" name="Oval 95">
+            <a:extLst>
+              <a:ext uri="{FF2B5EF4-FFF2-40B4-BE49-F238E27FC236}">
+                <a16:creationId xmlns:a16="http://schemas.microsoft.com/office/drawing/2014/main" id="{C307039D-67F0-4220-9BDE-910E7B99BE17}"/>
+              </a:ext>
+            </a:extLst>
+          </p:cNvPr>
+          <p:cNvSpPr/>
+          <p:nvPr/>
+        </p:nvSpPr>
+        <p:spPr>
+          <a:xfrm>
+            <a:off x="10183892" y="3432310"/>
+            <a:ext cx="206614" cy="206614"/>
+          </a:xfrm>
+          <a:prstGeom prst="ellipse">
+            <a:avLst/>
+          </a:prstGeom>
+          <a:solidFill>
+            <a:schemeClr val="bg1"/>
+          </a:solidFill>
+          <a:ln>
+            <a:solidFill>
+              <a:schemeClr val="bg2">
+                <a:lumMod val="50000"/>
+              </a:schemeClr>
+            </a:solidFill>
+          </a:ln>
+        </p:spPr>
+        <p:style>
+          <a:lnRef idx="2">
+            <a:schemeClr val="accent1">
+              <a:shade val="50000"/>
+            </a:schemeClr>
+          </a:lnRef>
+          <a:fillRef idx="1">
+            <a:schemeClr val="accent1"/>
+          </a:fillRef>
+          <a:effectRef idx="0">
+            <a:schemeClr val="accent1"/>
+          </a:effectRef>
+          <a:fontRef idx="minor">
+            <a:schemeClr val="lt1"/>
+          </a:fontRef>
+        </p:style>
+        <p:txBody>
+          <a:bodyPr rtlCol="0" anchor="ctr"/>
+          <a:lstStyle/>
+          <a:p>
+            <a:pPr algn="ctr"/>
+            <a:endParaRPr lang="en-US" dirty="0"/>
+          </a:p>
+        </p:txBody>
+      </p:sp>
+      <p:sp>
+        <p:nvSpPr>
+          <p:cNvPr id="97" name="Oval 96">
+            <a:extLst>
+              <a:ext uri="{FF2B5EF4-FFF2-40B4-BE49-F238E27FC236}">
+                <a16:creationId xmlns:a16="http://schemas.microsoft.com/office/drawing/2014/main" id="{8A23616D-0F48-4CB7-A62B-D693B9001A4D}"/>
+              </a:ext>
+            </a:extLst>
+          </p:cNvPr>
+          <p:cNvSpPr/>
+          <p:nvPr/>
+        </p:nvSpPr>
+        <p:spPr>
+          <a:xfrm>
+            <a:off x="7879898" y="3984271"/>
+            <a:ext cx="206614" cy="206614"/>
+          </a:xfrm>
+          <a:prstGeom prst="ellipse">
+            <a:avLst/>
+          </a:prstGeom>
+          <a:solidFill>
+            <a:schemeClr val="bg1"/>
+          </a:solidFill>
+          <a:ln>
+            <a:solidFill>
+              <a:schemeClr val="bg2">
+                <a:lumMod val="50000"/>
+              </a:schemeClr>
+            </a:solidFill>
+          </a:ln>
+        </p:spPr>
+        <p:style>
+          <a:lnRef idx="2">
+            <a:schemeClr val="accent1">
+              <a:shade val="50000"/>
+            </a:schemeClr>
+          </a:lnRef>
+          <a:fillRef idx="1">
+            <a:schemeClr val="accent1"/>
+          </a:fillRef>
+          <a:effectRef idx="0">
+            <a:schemeClr val="accent1"/>
+          </a:effectRef>
+          <a:fontRef idx="minor">
+            <a:schemeClr val="lt1"/>
+          </a:fontRef>
+        </p:style>
+        <p:txBody>
+          <a:bodyPr rtlCol="0" anchor="ctr"/>
+          <a:lstStyle/>
+          <a:p>
+            <a:pPr algn="ctr"/>
+            <a:endParaRPr lang="en-US" dirty="0"/>
+          </a:p>
+        </p:txBody>
+      </p:sp>
+      <p:sp>
+        <p:nvSpPr>
+          <p:cNvPr id="98" name="Oval 97">
+            <a:extLst>
+              <a:ext uri="{FF2B5EF4-FFF2-40B4-BE49-F238E27FC236}">
+                <a16:creationId xmlns:a16="http://schemas.microsoft.com/office/drawing/2014/main" id="{2CD25D39-B3C4-4E5F-AF34-8DF81955A1EA}"/>
+              </a:ext>
+            </a:extLst>
+          </p:cNvPr>
+          <p:cNvSpPr/>
+          <p:nvPr/>
+        </p:nvSpPr>
+        <p:spPr>
+          <a:xfrm>
+            <a:off x="8785026" y="3958547"/>
+            <a:ext cx="206614" cy="206614"/>
+          </a:xfrm>
+          <a:prstGeom prst="ellipse">
+            <a:avLst/>
+          </a:prstGeom>
+          <a:solidFill>
+            <a:schemeClr val="bg1"/>
+          </a:solidFill>
+          <a:ln>
+            <a:solidFill>
+              <a:schemeClr val="bg2">
+                <a:lumMod val="50000"/>
+              </a:schemeClr>
+            </a:solidFill>
+          </a:ln>
+        </p:spPr>
+        <p:style>
+          <a:lnRef idx="2">
+            <a:schemeClr val="accent1">
+              <a:shade val="50000"/>
+            </a:schemeClr>
+          </a:lnRef>
+          <a:fillRef idx="1">
+            <a:schemeClr val="accent1"/>
+          </a:fillRef>
+          <a:effectRef idx="0">
+            <a:schemeClr val="accent1"/>
+          </a:effectRef>
+          <a:fontRef idx="minor">
+            <a:schemeClr val="lt1"/>
+          </a:fontRef>
+        </p:style>
+        <p:txBody>
+          <a:bodyPr rtlCol="0" anchor="ctr"/>
+          <a:lstStyle/>
+          <a:p>
+            <a:pPr algn="ctr"/>
+            <a:endParaRPr lang="en-US" dirty="0"/>
+          </a:p>
+        </p:txBody>
+      </p:sp>
+      <p:sp>
+        <p:nvSpPr>
+          <p:cNvPr id="99" name="Oval 98">
+            <a:extLst>
+              <a:ext uri="{FF2B5EF4-FFF2-40B4-BE49-F238E27FC236}">
+                <a16:creationId xmlns:a16="http://schemas.microsoft.com/office/drawing/2014/main" id="{5336B9E8-6BD2-44C6-A43C-E5B796123D31}"/>
+              </a:ext>
+            </a:extLst>
+          </p:cNvPr>
+          <p:cNvSpPr/>
+          <p:nvPr/>
+        </p:nvSpPr>
+        <p:spPr>
+          <a:xfrm>
+            <a:off x="9745743" y="3958547"/>
+            <a:ext cx="206614" cy="206614"/>
+          </a:xfrm>
+          <a:prstGeom prst="ellipse">
+            <a:avLst/>
+          </a:prstGeom>
+          <a:solidFill>
+            <a:schemeClr val="bg1"/>
+          </a:solidFill>
+          <a:ln>
+            <a:solidFill>
+              <a:schemeClr val="bg2">
+                <a:lumMod val="50000"/>
+              </a:schemeClr>
+            </a:solidFill>
+          </a:ln>
+        </p:spPr>
+        <p:style>
+          <a:lnRef idx="2">
+            <a:schemeClr val="accent1">
+              <a:shade val="50000"/>
+            </a:schemeClr>
+          </a:lnRef>
+          <a:fillRef idx="1">
+            <a:schemeClr val="accent1"/>
+          </a:fillRef>
+          <a:effectRef idx="0">
+            <a:schemeClr val="accent1"/>
+          </a:effectRef>
+          <a:fontRef idx="minor">
+            <a:schemeClr val="lt1"/>
+          </a:fontRef>
+        </p:style>
+        <p:txBody>
+          <a:bodyPr rtlCol="0" anchor="ctr"/>
+          <a:lstStyle/>
+          <a:p>
+            <a:pPr algn="ctr"/>
+            <a:endParaRPr lang="en-US" dirty="0"/>
+          </a:p>
+        </p:txBody>
+      </p:sp>
+      <p:sp>
+        <p:nvSpPr>
+          <p:cNvPr id="100" name="Oval 99">
+            <a:extLst>
+              <a:ext uri="{FF2B5EF4-FFF2-40B4-BE49-F238E27FC236}">
+                <a16:creationId xmlns:a16="http://schemas.microsoft.com/office/drawing/2014/main" id="{D10B585D-2620-4CCF-AFB8-64728A9223CC}"/>
+              </a:ext>
+            </a:extLst>
+          </p:cNvPr>
+          <p:cNvSpPr/>
+          <p:nvPr/>
+        </p:nvSpPr>
+        <p:spPr>
+          <a:xfrm>
+            <a:off x="10609940" y="3927557"/>
+            <a:ext cx="206614" cy="206614"/>
+          </a:xfrm>
+          <a:prstGeom prst="ellipse">
+            <a:avLst/>
+          </a:prstGeom>
+          <a:solidFill>
+            <a:schemeClr val="bg1"/>
+          </a:solidFill>
+          <a:ln>
+            <a:solidFill>
+              <a:schemeClr val="bg2">
+                <a:lumMod val="50000"/>
+              </a:schemeClr>
+            </a:solidFill>
+          </a:ln>
+        </p:spPr>
+        <p:style>
+          <a:lnRef idx="2">
+            <a:schemeClr val="accent1">
+              <a:shade val="50000"/>
+            </a:schemeClr>
+          </a:lnRef>
+          <a:fillRef idx="1">
+            <a:schemeClr val="accent1"/>
+          </a:fillRef>
+          <a:effectRef idx="0">
+            <a:schemeClr val="accent1"/>
+          </a:effectRef>
+          <a:fontRef idx="minor">
+            <a:schemeClr val="lt1"/>
+          </a:fontRef>
+        </p:style>
+        <p:txBody>
+          <a:bodyPr rtlCol="0" anchor="ctr"/>
+          <a:lstStyle/>
+          <a:p>
+            <a:pPr algn="ctr"/>
+            <a:endParaRPr lang="en-US" dirty="0"/>
+          </a:p>
+        </p:txBody>
+      </p:sp>
+      <p:sp>
+        <p:nvSpPr>
+          <p:cNvPr id="101" name="Oval 100">
+            <a:extLst>
+              <a:ext uri="{FF2B5EF4-FFF2-40B4-BE49-F238E27FC236}">
+                <a16:creationId xmlns:a16="http://schemas.microsoft.com/office/drawing/2014/main" id="{F6E87A13-D0C7-4544-86B4-75C360A8595D}"/>
+              </a:ext>
+            </a:extLst>
+          </p:cNvPr>
+          <p:cNvSpPr/>
+          <p:nvPr/>
+        </p:nvSpPr>
+        <p:spPr>
+          <a:xfrm>
+            <a:off x="8352414" y="5401392"/>
+            <a:ext cx="206614" cy="206614"/>
+          </a:xfrm>
+          <a:prstGeom prst="ellipse">
+            <a:avLst/>
+          </a:prstGeom>
+          <a:solidFill>
+            <a:schemeClr val="bg1"/>
+          </a:solidFill>
+          <a:ln>
+            <a:solidFill>
+              <a:schemeClr val="bg2">
+                <a:lumMod val="50000"/>
+              </a:schemeClr>
+            </a:solidFill>
+          </a:ln>
+        </p:spPr>
+        <p:style>
+          <a:lnRef idx="2">
+            <a:schemeClr val="accent1">
+              <a:shade val="50000"/>
+            </a:schemeClr>
+          </a:lnRef>
+          <a:fillRef idx="1">
+            <a:schemeClr val="accent1"/>
+          </a:fillRef>
+          <a:effectRef idx="0">
+            <a:schemeClr val="accent1"/>
+          </a:effectRef>
+          <a:fontRef idx="minor">
+            <a:schemeClr val="lt1"/>
+          </a:fontRef>
+        </p:style>
+        <p:txBody>
+          <a:bodyPr rtlCol="0" anchor="ctr"/>
+          <a:lstStyle/>
+          <a:p>
+            <a:pPr algn="ctr"/>
+            <a:endParaRPr lang="en-US" dirty="0"/>
+          </a:p>
+        </p:txBody>
+      </p:sp>
+      <p:sp>
+        <p:nvSpPr>
+          <p:cNvPr id="102" name="Oval 101">
+            <a:extLst>
+              <a:ext uri="{FF2B5EF4-FFF2-40B4-BE49-F238E27FC236}">
+                <a16:creationId xmlns:a16="http://schemas.microsoft.com/office/drawing/2014/main" id="{EAF756BA-F219-4039-87C3-CB52810C8FFA}"/>
+              </a:ext>
+            </a:extLst>
+          </p:cNvPr>
+          <p:cNvSpPr/>
+          <p:nvPr/>
+        </p:nvSpPr>
+        <p:spPr>
+          <a:xfrm>
+            <a:off x="8329624" y="4470117"/>
+            <a:ext cx="206614" cy="206614"/>
+          </a:xfrm>
+          <a:prstGeom prst="ellipse">
+            <a:avLst/>
+          </a:prstGeom>
+          <a:solidFill>
+            <a:schemeClr val="bg1"/>
+          </a:solidFill>
+          <a:ln>
+            <a:solidFill>
+              <a:schemeClr val="bg2">
+                <a:lumMod val="50000"/>
+              </a:schemeClr>
+            </a:solidFill>
+          </a:ln>
+        </p:spPr>
+        <p:style>
+          <a:lnRef idx="2">
+            <a:schemeClr val="accent1">
+              <a:shade val="50000"/>
+            </a:schemeClr>
+          </a:lnRef>
+          <a:fillRef idx="1">
+            <a:schemeClr val="accent1"/>
+          </a:fillRef>
+          <a:effectRef idx="0">
+            <a:schemeClr val="accent1"/>
+          </a:effectRef>
+          <a:fontRef idx="minor">
+            <a:schemeClr val="lt1"/>
+          </a:fontRef>
+        </p:style>
+        <p:txBody>
+          <a:bodyPr rtlCol="0" anchor="ctr"/>
+          <a:lstStyle/>
+          <a:p>
+            <a:pPr algn="ctr"/>
+            <a:endParaRPr lang="en-US" dirty="0"/>
+          </a:p>
+        </p:txBody>
+      </p:sp>
+      <p:sp>
+        <p:nvSpPr>
+          <p:cNvPr id="103" name="Oval 102">
+            <a:extLst>
+              <a:ext uri="{FF2B5EF4-FFF2-40B4-BE49-F238E27FC236}">
+                <a16:creationId xmlns:a16="http://schemas.microsoft.com/office/drawing/2014/main" id="{E4E9C8EA-A448-4C6E-824B-2DDC37DDA8F0}"/>
+              </a:ext>
+            </a:extLst>
+          </p:cNvPr>
+          <p:cNvSpPr/>
+          <p:nvPr/>
+        </p:nvSpPr>
+        <p:spPr>
+          <a:xfrm>
+            <a:off x="9265733" y="4416753"/>
+            <a:ext cx="206614" cy="206614"/>
+          </a:xfrm>
+          <a:prstGeom prst="ellipse">
+            <a:avLst/>
+          </a:prstGeom>
+          <a:solidFill>
+            <a:schemeClr val="bg1"/>
+          </a:solidFill>
+          <a:ln>
+            <a:solidFill>
+              <a:schemeClr val="bg2">
+                <a:lumMod val="50000"/>
+              </a:schemeClr>
+            </a:solidFill>
+          </a:ln>
+        </p:spPr>
+        <p:style>
+          <a:lnRef idx="2">
+            <a:schemeClr val="accent1">
+              <a:shade val="50000"/>
+            </a:schemeClr>
+          </a:lnRef>
+          <a:fillRef idx="1">
+            <a:schemeClr val="accent1"/>
+          </a:fillRef>
+          <a:effectRef idx="0">
+            <a:schemeClr val="accent1"/>
+          </a:effectRef>
+          <a:fontRef idx="minor">
+            <a:schemeClr val="lt1"/>
+          </a:fontRef>
+        </p:style>
+        <p:txBody>
+          <a:bodyPr rtlCol="0" anchor="ctr"/>
+          <a:lstStyle/>
+          <a:p>
+            <a:pPr algn="ctr"/>
+            <a:endParaRPr lang="en-US" dirty="0"/>
+          </a:p>
+        </p:txBody>
+      </p:sp>
+      <p:sp>
+        <p:nvSpPr>
+          <p:cNvPr id="104" name="Oval 103">
+            <a:extLst>
+              <a:ext uri="{FF2B5EF4-FFF2-40B4-BE49-F238E27FC236}">
+                <a16:creationId xmlns:a16="http://schemas.microsoft.com/office/drawing/2014/main" id="{1640AF41-26E9-43C0-8ADB-C971D96A23BD}"/>
+              </a:ext>
+            </a:extLst>
+          </p:cNvPr>
+          <p:cNvSpPr/>
+          <p:nvPr/>
+        </p:nvSpPr>
+        <p:spPr>
+          <a:xfrm>
+            <a:off x="10183628" y="4415281"/>
+            <a:ext cx="206614" cy="206614"/>
+          </a:xfrm>
+          <a:prstGeom prst="ellipse">
+            <a:avLst/>
+          </a:prstGeom>
+          <a:solidFill>
+            <a:schemeClr val="bg1"/>
+          </a:solidFill>
+          <a:ln>
+            <a:solidFill>
+              <a:schemeClr val="bg2">
+                <a:lumMod val="50000"/>
+              </a:schemeClr>
+            </a:solidFill>
+          </a:ln>
+        </p:spPr>
+        <p:style>
+          <a:lnRef idx="2">
+            <a:schemeClr val="accent1">
+              <a:shade val="50000"/>
+            </a:schemeClr>
+          </a:lnRef>
+          <a:fillRef idx="1">
+            <a:schemeClr val="accent1"/>
+          </a:fillRef>
+          <a:effectRef idx="0">
+            <a:schemeClr val="accent1"/>
+          </a:effectRef>
+          <a:fontRef idx="minor">
+            <a:schemeClr val="lt1"/>
+          </a:fontRef>
+        </p:style>
+        <p:txBody>
+          <a:bodyPr rtlCol="0" anchor="ctr"/>
+          <a:lstStyle/>
+          <a:p>
+            <a:pPr algn="ctr"/>
+            <a:endParaRPr lang="en-US" dirty="0"/>
+          </a:p>
+        </p:txBody>
+      </p:sp>
+      <p:sp>
+        <p:nvSpPr>
+          <p:cNvPr id="105" name="Oval 104">
+            <a:extLst>
+              <a:ext uri="{FF2B5EF4-FFF2-40B4-BE49-F238E27FC236}">
+                <a16:creationId xmlns:a16="http://schemas.microsoft.com/office/drawing/2014/main" id="{D66DE06B-A697-4F72-9E36-7E3EC2230C78}"/>
+              </a:ext>
+            </a:extLst>
+          </p:cNvPr>
+          <p:cNvSpPr/>
+          <p:nvPr/>
+        </p:nvSpPr>
+        <p:spPr>
+          <a:xfrm>
+            <a:off x="9265733" y="5400533"/>
+            <a:ext cx="206614" cy="206614"/>
+          </a:xfrm>
+          <a:prstGeom prst="ellipse">
+            <a:avLst/>
+          </a:prstGeom>
+          <a:solidFill>
+            <a:schemeClr val="bg1"/>
+          </a:solidFill>
+          <a:ln>
+            <a:solidFill>
+              <a:schemeClr val="bg2">
+                <a:lumMod val="50000"/>
+              </a:schemeClr>
+            </a:solidFill>
+          </a:ln>
+        </p:spPr>
+        <p:style>
+          <a:lnRef idx="2">
+            <a:schemeClr val="accent1">
+              <a:shade val="50000"/>
+            </a:schemeClr>
+          </a:lnRef>
+          <a:fillRef idx="1">
+            <a:schemeClr val="accent1"/>
+          </a:fillRef>
+          <a:effectRef idx="0">
+            <a:schemeClr val="accent1"/>
+          </a:effectRef>
+          <a:fontRef idx="minor">
+            <a:schemeClr val="lt1"/>
+          </a:fontRef>
+        </p:style>
+        <p:txBody>
+          <a:bodyPr rtlCol="0" anchor="ctr"/>
+          <a:lstStyle/>
+          <a:p>
+            <a:pPr algn="ctr"/>
+            <a:endParaRPr lang="en-US" dirty="0"/>
+          </a:p>
+        </p:txBody>
+      </p:sp>
+      <p:sp>
+        <p:nvSpPr>
+          <p:cNvPr id="106" name="Oval 105">
+            <a:extLst>
+              <a:ext uri="{FF2B5EF4-FFF2-40B4-BE49-F238E27FC236}">
+                <a16:creationId xmlns:a16="http://schemas.microsoft.com/office/drawing/2014/main" id="{ABAD518A-6117-4918-A562-CF950085684B}"/>
+              </a:ext>
+            </a:extLst>
+          </p:cNvPr>
+          <p:cNvSpPr/>
+          <p:nvPr/>
+        </p:nvSpPr>
+        <p:spPr>
+          <a:xfrm>
+            <a:off x="10183628" y="5400533"/>
+            <a:ext cx="206614" cy="206614"/>
+          </a:xfrm>
+          <a:prstGeom prst="ellipse">
+            <a:avLst/>
+          </a:prstGeom>
+          <a:solidFill>
+            <a:schemeClr val="bg1"/>
+          </a:solidFill>
+          <a:ln>
+            <a:solidFill>
+              <a:schemeClr val="bg2">
+                <a:lumMod val="50000"/>
+              </a:schemeClr>
+            </a:solidFill>
+          </a:ln>
+        </p:spPr>
+        <p:style>
+          <a:lnRef idx="2">
+            <a:schemeClr val="accent1">
+              <a:shade val="50000"/>
+            </a:schemeClr>
+          </a:lnRef>
+          <a:fillRef idx="1">
+            <a:schemeClr val="accent1"/>
+          </a:fillRef>
+          <a:effectRef idx="0">
+            <a:schemeClr val="accent1"/>
+          </a:effectRef>
+          <a:fontRef idx="minor">
+            <a:schemeClr val="lt1"/>
+          </a:fontRef>
+        </p:style>
+        <p:txBody>
+          <a:bodyPr rtlCol="0" anchor="ctr"/>
+          <a:lstStyle/>
+          <a:p>
+            <a:pPr algn="ctr"/>
+            <a:endParaRPr lang="en-US" dirty="0"/>
+          </a:p>
+        </p:txBody>
+      </p:sp>
+      <p:sp>
+        <p:nvSpPr>
+          <p:cNvPr id="107" name="Oval 106">
+            <a:extLst>
+              <a:ext uri="{FF2B5EF4-FFF2-40B4-BE49-F238E27FC236}">
+                <a16:creationId xmlns:a16="http://schemas.microsoft.com/office/drawing/2014/main" id="{66A3E121-BAFA-4508-B91B-8B84B70E5A03}"/>
+              </a:ext>
+            </a:extLst>
+          </p:cNvPr>
+          <p:cNvSpPr/>
+          <p:nvPr/>
+        </p:nvSpPr>
+        <p:spPr>
+          <a:xfrm>
+            <a:off x="7864043" y="4945796"/>
+            <a:ext cx="206614" cy="206614"/>
+          </a:xfrm>
+          <a:prstGeom prst="ellipse">
+            <a:avLst/>
+          </a:prstGeom>
+          <a:solidFill>
+            <a:schemeClr val="bg1"/>
+          </a:solidFill>
+          <a:ln>
+            <a:solidFill>
+              <a:schemeClr val="bg2">
+                <a:lumMod val="50000"/>
+              </a:schemeClr>
+            </a:solidFill>
+          </a:ln>
+        </p:spPr>
+        <p:style>
+          <a:lnRef idx="2">
+            <a:schemeClr val="accent1">
+              <a:shade val="50000"/>
+            </a:schemeClr>
+          </a:lnRef>
+          <a:fillRef idx="1">
+            <a:schemeClr val="accent1"/>
+          </a:fillRef>
+          <a:effectRef idx="0">
+            <a:schemeClr val="accent1"/>
+          </a:effectRef>
+          <a:fontRef idx="minor">
+            <a:schemeClr val="lt1"/>
+          </a:fontRef>
+        </p:style>
+        <p:txBody>
+          <a:bodyPr rtlCol="0" anchor="ctr"/>
+          <a:lstStyle/>
+          <a:p>
+            <a:pPr algn="ctr"/>
+            <a:endParaRPr lang="en-US" dirty="0"/>
+          </a:p>
+        </p:txBody>
+      </p:sp>
+      <p:sp>
+        <p:nvSpPr>
+          <p:cNvPr id="108" name="Oval 107">
+            <a:extLst>
+              <a:ext uri="{FF2B5EF4-FFF2-40B4-BE49-F238E27FC236}">
+                <a16:creationId xmlns:a16="http://schemas.microsoft.com/office/drawing/2014/main" id="{6296118E-1BA1-405F-8CC5-0713A63C991E}"/>
+              </a:ext>
+            </a:extLst>
+          </p:cNvPr>
+          <p:cNvSpPr/>
+          <p:nvPr/>
+        </p:nvSpPr>
+        <p:spPr>
+          <a:xfrm>
+            <a:off x="8785026" y="4965561"/>
+            <a:ext cx="206614" cy="206614"/>
+          </a:xfrm>
+          <a:prstGeom prst="ellipse">
+            <a:avLst/>
+          </a:prstGeom>
+          <a:solidFill>
+            <a:schemeClr val="bg1"/>
+          </a:solidFill>
+          <a:ln>
+            <a:solidFill>
+              <a:schemeClr val="bg2">
+                <a:lumMod val="50000"/>
+              </a:schemeClr>
+            </a:solidFill>
+          </a:ln>
+        </p:spPr>
+        <p:style>
+          <a:lnRef idx="2">
+            <a:schemeClr val="accent1">
+              <a:shade val="50000"/>
+            </a:schemeClr>
+          </a:lnRef>
+          <a:fillRef idx="1">
+            <a:schemeClr val="accent1"/>
+          </a:fillRef>
+          <a:effectRef idx="0">
+            <a:schemeClr val="accent1"/>
+          </a:effectRef>
+          <a:fontRef idx="minor">
+            <a:schemeClr val="lt1"/>
+          </a:fontRef>
+        </p:style>
+        <p:txBody>
+          <a:bodyPr rtlCol="0" anchor="ctr"/>
+          <a:lstStyle/>
+          <a:p>
+            <a:pPr algn="ctr"/>
+            <a:endParaRPr lang="en-US" dirty="0"/>
+          </a:p>
+        </p:txBody>
+      </p:sp>
+      <p:sp>
+        <p:nvSpPr>
+          <p:cNvPr id="109" name="Oval 108">
+            <a:extLst>
+              <a:ext uri="{FF2B5EF4-FFF2-40B4-BE49-F238E27FC236}">
+                <a16:creationId xmlns:a16="http://schemas.microsoft.com/office/drawing/2014/main" id="{3491E512-640C-4382-8B3E-0E6F6C7C93EF}"/>
+              </a:ext>
+            </a:extLst>
+          </p:cNvPr>
+          <p:cNvSpPr/>
+          <p:nvPr/>
+        </p:nvSpPr>
+        <p:spPr>
+          <a:xfrm>
+            <a:off x="9736442" y="4885742"/>
+            <a:ext cx="206614" cy="206614"/>
+          </a:xfrm>
+          <a:prstGeom prst="ellipse">
+            <a:avLst/>
+          </a:prstGeom>
+          <a:solidFill>
+            <a:schemeClr val="bg1"/>
+          </a:solidFill>
+          <a:ln>
+            <a:solidFill>
+              <a:schemeClr val="bg2">
+                <a:lumMod val="50000"/>
+              </a:schemeClr>
+            </a:solidFill>
+          </a:ln>
+        </p:spPr>
+        <p:style>
+          <a:lnRef idx="2">
+            <a:schemeClr val="accent1">
+              <a:shade val="50000"/>
+            </a:schemeClr>
+          </a:lnRef>
+          <a:fillRef idx="1">
+            <a:schemeClr val="accent1"/>
+          </a:fillRef>
+          <a:effectRef idx="0">
+            <a:schemeClr val="accent1"/>
+          </a:effectRef>
+          <a:fontRef idx="minor">
+            <a:schemeClr val="lt1"/>
+          </a:fontRef>
+        </p:style>
+        <p:txBody>
+          <a:bodyPr rtlCol="0" anchor="ctr"/>
+          <a:lstStyle/>
+          <a:p>
+            <a:pPr algn="ctr"/>
+            <a:endParaRPr lang="en-US" dirty="0"/>
+          </a:p>
+        </p:txBody>
+      </p:sp>
+      <p:sp>
+        <p:nvSpPr>
+          <p:cNvPr id="110" name="Oval 109">
+            <a:extLst>
+              <a:ext uri="{FF2B5EF4-FFF2-40B4-BE49-F238E27FC236}">
+                <a16:creationId xmlns:a16="http://schemas.microsoft.com/office/drawing/2014/main" id="{4E3A4C08-71FB-4649-9121-D94197488DEE}"/>
+              </a:ext>
+            </a:extLst>
+          </p:cNvPr>
+          <p:cNvSpPr/>
+          <p:nvPr/>
+        </p:nvSpPr>
+        <p:spPr>
+          <a:xfrm>
+            <a:off x="10609940" y="4960892"/>
+            <a:ext cx="206614" cy="206614"/>
+          </a:xfrm>
+          <a:prstGeom prst="ellipse">
+            <a:avLst/>
+          </a:prstGeom>
+          <a:solidFill>
+            <a:schemeClr val="bg1"/>
+          </a:solidFill>
+          <a:ln>
+            <a:solidFill>
+              <a:schemeClr val="bg2">
+                <a:lumMod val="50000"/>
+              </a:schemeClr>
+            </a:solidFill>
+          </a:ln>
+        </p:spPr>
+        <p:style>
+          <a:lnRef idx="2">
+            <a:schemeClr val="accent1">
+              <a:shade val="50000"/>
+            </a:schemeClr>
+          </a:lnRef>
+          <a:fillRef idx="1">
+            <a:schemeClr val="accent1"/>
+          </a:fillRef>
+          <a:effectRef idx="0">
+            <a:schemeClr val="accent1"/>
+          </a:effectRef>
+          <a:fontRef idx="minor">
+            <a:schemeClr val="lt1"/>
+          </a:fontRef>
+        </p:style>
+        <p:txBody>
+          <a:bodyPr rtlCol="0" anchor="ctr"/>
+          <a:lstStyle/>
+          <a:p>
+            <a:pPr algn="ctr"/>
+            <a:endParaRPr lang="en-US" dirty="0"/>
+          </a:p>
+        </p:txBody>
+      </p:sp>
+      <p:sp>
+        <p:nvSpPr>
+          <p:cNvPr id="111" name="Oval 110">
+            <a:extLst>
+              <a:ext uri="{FF2B5EF4-FFF2-40B4-BE49-F238E27FC236}">
+                <a16:creationId xmlns:a16="http://schemas.microsoft.com/office/drawing/2014/main" id="{E967604F-CCD4-4AF6-A4D4-53C117A59341}"/>
+              </a:ext>
+            </a:extLst>
+          </p:cNvPr>
+          <p:cNvSpPr/>
+          <p:nvPr/>
+        </p:nvSpPr>
+        <p:spPr>
+          <a:xfrm>
+            <a:off x="7882711" y="5907321"/>
+            <a:ext cx="206614" cy="206614"/>
+          </a:xfrm>
+          <a:prstGeom prst="ellipse">
+            <a:avLst/>
+          </a:prstGeom>
+          <a:solidFill>
+            <a:schemeClr val="bg1"/>
+          </a:solidFill>
+          <a:ln>
+            <a:solidFill>
+              <a:schemeClr val="bg2">
+                <a:lumMod val="50000"/>
+              </a:schemeClr>
+            </a:solidFill>
+          </a:ln>
+        </p:spPr>
+        <p:style>
+          <a:lnRef idx="2">
+            <a:schemeClr val="accent1">
+              <a:shade val="50000"/>
+            </a:schemeClr>
+          </a:lnRef>
+          <a:fillRef idx="1">
+            <a:schemeClr val="accent1"/>
+          </a:fillRef>
+          <a:effectRef idx="0">
+            <a:schemeClr val="accent1"/>
+          </a:effectRef>
+          <a:fontRef idx="minor">
+            <a:schemeClr val="lt1"/>
+          </a:fontRef>
+        </p:style>
+        <p:txBody>
+          <a:bodyPr rtlCol="0" anchor="ctr"/>
+          <a:lstStyle/>
+          <a:p>
+            <a:pPr algn="ctr"/>
+            <a:endParaRPr lang="en-US" dirty="0"/>
+          </a:p>
+        </p:txBody>
+      </p:sp>
+      <p:sp>
+        <p:nvSpPr>
+          <p:cNvPr id="112" name="Oval 111">
+            <a:extLst>
+              <a:ext uri="{FF2B5EF4-FFF2-40B4-BE49-F238E27FC236}">
+                <a16:creationId xmlns:a16="http://schemas.microsoft.com/office/drawing/2014/main" id="{1813443F-0A31-4105-A8BD-6ED5891F2640}"/>
+              </a:ext>
+            </a:extLst>
+          </p:cNvPr>
+          <p:cNvSpPr/>
+          <p:nvPr/>
+        </p:nvSpPr>
+        <p:spPr>
+          <a:xfrm>
+            <a:off x="8785026" y="5765086"/>
+            <a:ext cx="206614" cy="206614"/>
+          </a:xfrm>
+          <a:prstGeom prst="ellipse">
+            <a:avLst/>
+          </a:prstGeom>
+          <a:solidFill>
+            <a:schemeClr val="bg1"/>
+          </a:solidFill>
+          <a:ln>
+            <a:solidFill>
+              <a:schemeClr val="bg2">
+                <a:lumMod val="50000"/>
+              </a:schemeClr>
+            </a:solidFill>
+          </a:ln>
+        </p:spPr>
+        <p:style>
+          <a:lnRef idx="2">
+            <a:schemeClr val="accent1">
+              <a:shade val="50000"/>
+            </a:schemeClr>
+          </a:lnRef>
+          <a:fillRef idx="1">
+            <a:schemeClr val="accent1"/>
+          </a:fillRef>
+          <a:effectRef idx="0">
+            <a:schemeClr val="accent1"/>
+          </a:effectRef>
+          <a:fontRef idx="minor">
+            <a:schemeClr val="lt1"/>
+          </a:fontRef>
+        </p:style>
+        <p:txBody>
+          <a:bodyPr rtlCol="0" anchor="ctr"/>
+          <a:lstStyle/>
+          <a:p>
+            <a:pPr algn="ctr"/>
+            <a:endParaRPr lang="en-US" dirty="0"/>
+          </a:p>
+        </p:txBody>
+      </p:sp>
+      <p:sp>
+        <p:nvSpPr>
+          <p:cNvPr id="113" name="Oval 112">
+            <a:extLst>
+              <a:ext uri="{FF2B5EF4-FFF2-40B4-BE49-F238E27FC236}">
+                <a16:creationId xmlns:a16="http://schemas.microsoft.com/office/drawing/2014/main" id="{4F16365E-047D-4C7A-B890-DD47423F9104}"/>
+              </a:ext>
+            </a:extLst>
+          </p:cNvPr>
+          <p:cNvSpPr/>
+          <p:nvPr/>
+        </p:nvSpPr>
+        <p:spPr>
+          <a:xfrm>
+            <a:off x="9712322" y="5843507"/>
+            <a:ext cx="206614" cy="206614"/>
+          </a:xfrm>
+          <a:prstGeom prst="ellipse">
+            <a:avLst/>
+          </a:prstGeom>
+          <a:solidFill>
+            <a:schemeClr val="bg1"/>
+          </a:solidFill>
+          <a:ln>
+            <a:solidFill>
+              <a:schemeClr val="bg2">
+                <a:lumMod val="50000"/>
+              </a:schemeClr>
+            </a:solidFill>
+          </a:ln>
+        </p:spPr>
+        <p:style>
+          <a:lnRef idx="2">
+            <a:schemeClr val="accent1">
+              <a:shade val="50000"/>
+            </a:schemeClr>
+          </a:lnRef>
+          <a:fillRef idx="1">
+            <a:schemeClr val="accent1"/>
+          </a:fillRef>
+          <a:effectRef idx="0">
+            <a:schemeClr val="accent1"/>
+          </a:effectRef>
+          <a:fontRef idx="minor">
+            <a:schemeClr val="lt1"/>
+          </a:fontRef>
+        </p:style>
+        <p:txBody>
+          <a:bodyPr rtlCol="0" anchor="ctr"/>
+          <a:lstStyle/>
+          <a:p>
+            <a:pPr algn="ctr"/>
+            <a:endParaRPr lang="en-US" dirty="0"/>
+          </a:p>
+        </p:txBody>
+      </p:sp>
+      <p:sp>
+        <p:nvSpPr>
+          <p:cNvPr id="114" name="Oval 113">
+            <a:extLst>
+              <a:ext uri="{FF2B5EF4-FFF2-40B4-BE49-F238E27FC236}">
+                <a16:creationId xmlns:a16="http://schemas.microsoft.com/office/drawing/2014/main" id="{C239776D-1918-4118-B5A8-399979751B0D}"/>
+              </a:ext>
+            </a:extLst>
+          </p:cNvPr>
+          <p:cNvSpPr/>
+          <p:nvPr/>
+        </p:nvSpPr>
+        <p:spPr>
+          <a:xfrm>
+            <a:off x="10609940" y="5765086"/>
+            <a:ext cx="206614" cy="206614"/>
+          </a:xfrm>
+          <a:prstGeom prst="ellipse">
+            <a:avLst/>
+          </a:prstGeom>
+          <a:solidFill>
+            <a:schemeClr val="bg1"/>
+          </a:solidFill>
+          <a:ln>
+            <a:solidFill>
+              <a:schemeClr val="bg2">
+                <a:lumMod val="50000"/>
+              </a:schemeClr>
+            </a:solidFill>
+          </a:ln>
+        </p:spPr>
+        <p:style>
+          <a:lnRef idx="2">
+            <a:schemeClr val="accent1">
+              <a:shade val="50000"/>
+            </a:schemeClr>
+          </a:lnRef>
+          <a:fillRef idx="1">
+            <a:schemeClr val="accent1"/>
+          </a:fillRef>
+          <a:effectRef idx="0">
+            <a:schemeClr val="accent1"/>
+          </a:effectRef>
+          <a:fontRef idx="minor">
+            <a:schemeClr val="lt1"/>
+          </a:fontRef>
+        </p:style>
+        <p:txBody>
+          <a:bodyPr rtlCol="0" anchor="ctr"/>
+          <a:lstStyle/>
+          <a:p>
+            <a:pPr algn="ctr"/>
+            <a:endParaRPr lang="en-US" dirty="0"/>
+          </a:p>
+        </p:txBody>
+      </p:sp>
+      <p:pic>
+        <p:nvPicPr>
+          <p:cNvPr id="115" name="Picture 114" descr="A picture containing text&#10;&#10;Description automatically generated">
+            <a:extLst>
+              <a:ext uri="{FF2B5EF4-FFF2-40B4-BE49-F238E27FC236}">
+                <a16:creationId xmlns:a16="http://schemas.microsoft.com/office/drawing/2014/main" id="{931ADD64-488E-420B-8700-2FC12F193C6D}"/>
+              </a:ext>
+            </a:extLst>
+          </p:cNvPr>
+          <p:cNvPicPr>
+            <a:picLocks noChangeAspect="1"/>
+          </p:cNvPicPr>
+          <p:nvPr/>
+        </p:nvPicPr>
+        <p:blipFill rotWithShape="1">
+          <a:blip r:embed="rId3">
+            <a:alphaModFix amt="70000"/>
+            <a:extLst>
+              <a:ext uri="{28A0092B-C50C-407E-A947-70E740481C1C}">
+                <a14:useLocalDpi xmlns:a14="http://schemas.microsoft.com/office/drawing/2010/main" val="0"/>
+              </a:ext>
+            </a:extLst>
+          </a:blip>
+          <a:srcRect t="2979" b="1454"/>
+          <a:stretch/>
+        </p:blipFill>
+        <p:spPr>
+          <a:xfrm>
+            <a:off x="9137700" y="3856063"/>
+            <a:ext cx="1495945" cy="2179465"/>
+          </a:xfrm>
+          <a:prstGeom prst="rect">
+            <a:avLst/>
+          </a:prstGeom>
+        </p:spPr>
+      </p:pic>
+      <p:pic>
+        <p:nvPicPr>
+          <p:cNvPr id="116" name="Picture 115" descr="A picture containing text&#10;&#10;Description automatically generated">
+            <a:extLst>
+              <a:ext uri="{FF2B5EF4-FFF2-40B4-BE49-F238E27FC236}">
+                <a16:creationId xmlns:a16="http://schemas.microsoft.com/office/drawing/2014/main" id="{8967C465-7A66-469A-AB4F-785DA397347C}"/>
+              </a:ext>
+            </a:extLst>
+          </p:cNvPr>
+          <p:cNvPicPr>
+            <a:picLocks noChangeAspect="1"/>
+          </p:cNvPicPr>
+          <p:nvPr/>
+        </p:nvPicPr>
+        <p:blipFill rotWithShape="1">
+          <a:blip r:embed="rId3">
+            <a:alphaModFix amt="70000"/>
+            <a:extLst>
+              <a:ext uri="{28A0092B-C50C-407E-A947-70E740481C1C}">
+                <a14:useLocalDpi xmlns:a14="http://schemas.microsoft.com/office/drawing/2010/main" val="0"/>
+              </a:ext>
+            </a:extLst>
+          </a:blip>
+          <a:srcRect t="2979" b="1454"/>
+          <a:stretch/>
+        </p:blipFill>
+        <p:spPr>
+          <a:xfrm rot="10800000">
+            <a:off x="9041257" y="977683"/>
+            <a:ext cx="1511568" cy="2202226"/>
+          </a:xfrm>
+          <a:prstGeom prst="rect">
+            <a:avLst/>
+          </a:prstGeom>
+        </p:spPr>
+      </p:pic>
+      <p:pic>
+        <p:nvPicPr>
+          <p:cNvPr id="117" name="Picture 116" descr="A picture containing text&#10;&#10;Description automatically generated">
+            <a:extLst>
+              <a:ext uri="{FF2B5EF4-FFF2-40B4-BE49-F238E27FC236}">
+                <a16:creationId xmlns:a16="http://schemas.microsoft.com/office/drawing/2014/main" id="{1B73C5FE-5319-43D7-BB14-1B7E32D96E9C}"/>
+              </a:ext>
+            </a:extLst>
+          </p:cNvPr>
+          <p:cNvPicPr>
+            <a:picLocks noChangeAspect="1"/>
+          </p:cNvPicPr>
+          <p:nvPr/>
+        </p:nvPicPr>
+        <p:blipFill rotWithShape="1">
+          <a:blip r:embed="rId3">
+            <a:alphaModFix amt="70000"/>
+            <a:extLst>
+              <a:ext uri="{28A0092B-C50C-407E-A947-70E740481C1C}">
+                <a14:useLocalDpi xmlns:a14="http://schemas.microsoft.com/office/drawing/2010/main" val="0"/>
+              </a:ext>
+            </a:extLst>
+          </a:blip>
+          <a:srcRect t="2979" b="1454"/>
+          <a:stretch/>
+        </p:blipFill>
+        <p:spPr>
+          <a:xfrm>
+            <a:off x="7262581" y="3887936"/>
+            <a:ext cx="1511568" cy="2202226"/>
+          </a:xfrm>
+          <a:prstGeom prst="rect">
+            <a:avLst/>
+          </a:prstGeom>
+        </p:spPr>
+      </p:pic>
+      <p:pic>
+        <p:nvPicPr>
+          <p:cNvPr id="118" name="Picture 117" descr="A picture containing text&#10;&#10;Description automatically generated">
+            <a:extLst>
+              <a:ext uri="{FF2B5EF4-FFF2-40B4-BE49-F238E27FC236}">
+                <a16:creationId xmlns:a16="http://schemas.microsoft.com/office/drawing/2014/main" id="{A7874CA9-8C25-4C0E-8026-22D730EA57DE}"/>
+              </a:ext>
+            </a:extLst>
+          </p:cNvPr>
+          <p:cNvPicPr>
+            <a:picLocks noChangeAspect="1"/>
+          </p:cNvPicPr>
+          <p:nvPr/>
+        </p:nvPicPr>
+        <p:blipFill rotWithShape="1">
+          <a:blip r:embed="rId3">
+            <a:alphaModFix amt="70000"/>
+            <a:extLst>
+              <a:ext uri="{28A0092B-C50C-407E-A947-70E740481C1C}">
+                <a14:useLocalDpi xmlns:a14="http://schemas.microsoft.com/office/drawing/2010/main" val="0"/>
+              </a:ext>
+            </a:extLst>
+          </a:blip>
+          <a:srcRect t="2979" b="1454"/>
+          <a:stretch/>
+        </p:blipFill>
+        <p:spPr>
+          <a:xfrm rot="10800000">
+            <a:off x="7181415" y="989218"/>
+            <a:ext cx="1511568" cy="2202226"/>
+          </a:xfrm>
+          <a:prstGeom prst="rect">
+            <a:avLst/>
+          </a:prstGeom>
+        </p:spPr>
+      </p:pic>
+      <p:cxnSp>
+        <p:nvCxnSpPr>
+          <p:cNvPr id="120" name="Straight Connector 119">
+            <a:extLst>
+              <a:ext uri="{FF2B5EF4-FFF2-40B4-BE49-F238E27FC236}">
+                <a16:creationId xmlns:a16="http://schemas.microsoft.com/office/drawing/2014/main" id="{11F9469A-9F55-44B8-9DEE-9216B71D241D}"/>
+              </a:ext>
+            </a:extLst>
+          </p:cNvPr>
+          <p:cNvCxnSpPr>
+            <a:cxnSpLocks/>
+          </p:cNvCxnSpPr>
+          <p:nvPr/>
+        </p:nvCxnSpPr>
+        <p:spPr>
+          <a:xfrm flipH="1">
+            <a:off x="7181415" y="1675317"/>
+            <a:ext cx="14414" cy="1528679"/>
+          </a:xfrm>
+          <a:prstGeom prst="line">
+            <a:avLst/>
+          </a:prstGeom>
+          <a:ln w="28575"/>
+        </p:spPr>
+        <p:style>
+          <a:lnRef idx="1">
+            <a:schemeClr val="accent1"/>
+          </a:lnRef>
+          <a:fillRef idx="0">
+            <a:schemeClr val="accent1"/>
+          </a:fillRef>
+          <a:effectRef idx="0">
+            <a:schemeClr val="accent1"/>
+          </a:effectRef>
+          <a:fontRef idx="minor">
+            <a:schemeClr val="tx1"/>
+          </a:fontRef>
+        </p:style>
+      </p:cxnSp>
+      <p:cxnSp>
+        <p:nvCxnSpPr>
+          <p:cNvPr id="121" name="Straight Connector 120">
+            <a:extLst>
+              <a:ext uri="{FF2B5EF4-FFF2-40B4-BE49-F238E27FC236}">
+                <a16:creationId xmlns:a16="http://schemas.microsoft.com/office/drawing/2014/main" id="{F241A48F-A6E2-4C0A-8B29-A55A550DB331}"/>
+              </a:ext>
+            </a:extLst>
+          </p:cNvPr>
+          <p:cNvCxnSpPr>
+            <a:cxnSpLocks/>
+          </p:cNvCxnSpPr>
+          <p:nvPr/>
+        </p:nvCxnSpPr>
+        <p:spPr>
+          <a:xfrm>
+            <a:off x="7181415" y="3203996"/>
+            <a:ext cx="1511568" cy="0"/>
+          </a:xfrm>
+          <a:prstGeom prst="line">
+            <a:avLst/>
+          </a:prstGeom>
+          <a:ln w="28575"/>
+        </p:spPr>
+        <p:style>
+          <a:lnRef idx="1">
+            <a:schemeClr val="accent1"/>
+          </a:lnRef>
+          <a:fillRef idx="0">
+            <a:schemeClr val="accent1"/>
+          </a:fillRef>
+          <a:effectRef idx="0">
+            <a:schemeClr val="accent1"/>
+          </a:effectRef>
+          <a:fontRef idx="minor">
+            <a:schemeClr val="tx1"/>
+          </a:fontRef>
+        </p:style>
+      </p:cxnSp>
+      <p:cxnSp>
+        <p:nvCxnSpPr>
+          <p:cNvPr id="122" name="Straight Connector 121">
+            <a:extLst>
+              <a:ext uri="{FF2B5EF4-FFF2-40B4-BE49-F238E27FC236}">
+                <a16:creationId xmlns:a16="http://schemas.microsoft.com/office/drawing/2014/main" id="{85D6CC16-344B-4445-BF92-19D9DB0DB956}"/>
+              </a:ext>
+            </a:extLst>
+          </p:cNvPr>
+          <p:cNvCxnSpPr>
+            <a:cxnSpLocks/>
+          </p:cNvCxnSpPr>
+          <p:nvPr/>
+        </p:nvCxnSpPr>
+        <p:spPr>
+          <a:xfrm flipH="1">
+            <a:off x="8680705" y="1725017"/>
+            <a:ext cx="12252" cy="1478979"/>
+          </a:xfrm>
+          <a:prstGeom prst="line">
+            <a:avLst/>
+          </a:prstGeom>
+          <a:ln w="28575"/>
+        </p:spPr>
+        <p:style>
+          <a:lnRef idx="1">
+            <a:schemeClr val="accent1"/>
+          </a:lnRef>
+          <a:fillRef idx="0">
+            <a:schemeClr val="accent1"/>
+          </a:fillRef>
+          <a:effectRef idx="0">
+            <a:schemeClr val="accent1"/>
+          </a:effectRef>
+          <a:fontRef idx="minor">
+            <a:schemeClr val="tx1"/>
+          </a:fontRef>
+        </p:style>
+      </p:cxnSp>
+      <p:cxnSp>
+        <p:nvCxnSpPr>
+          <p:cNvPr id="123" name="Straight Connector 122">
+            <a:extLst>
+              <a:ext uri="{FF2B5EF4-FFF2-40B4-BE49-F238E27FC236}">
+                <a16:creationId xmlns:a16="http://schemas.microsoft.com/office/drawing/2014/main" id="{9C0600AA-8431-4DC8-94CB-C02EB3C30415}"/>
+              </a:ext>
+            </a:extLst>
+          </p:cNvPr>
+          <p:cNvCxnSpPr>
+            <a:cxnSpLocks/>
+          </p:cNvCxnSpPr>
+          <p:nvPr/>
+        </p:nvCxnSpPr>
+        <p:spPr>
+          <a:xfrm>
+            <a:off x="8325222" y="989218"/>
+            <a:ext cx="375189" cy="745248"/>
+          </a:xfrm>
+          <a:prstGeom prst="line">
+            <a:avLst/>
+          </a:prstGeom>
+          <a:ln w="28575"/>
+        </p:spPr>
+        <p:style>
+          <a:lnRef idx="1">
+            <a:schemeClr val="accent1"/>
+          </a:lnRef>
+          <a:fillRef idx="0">
+            <a:schemeClr val="accent1"/>
+          </a:fillRef>
+          <a:effectRef idx="0">
+            <a:schemeClr val="accent1"/>
+          </a:effectRef>
+          <a:fontRef idx="minor">
+            <a:schemeClr val="tx1"/>
+          </a:fontRef>
+        </p:style>
+      </p:cxnSp>
+      <p:cxnSp>
+        <p:nvCxnSpPr>
+          <p:cNvPr id="124" name="Straight Connector 123">
+            <a:extLst>
+              <a:ext uri="{FF2B5EF4-FFF2-40B4-BE49-F238E27FC236}">
+                <a16:creationId xmlns:a16="http://schemas.microsoft.com/office/drawing/2014/main" id="{7132992A-07CC-433D-A864-0C05F3B2CA3B}"/>
+              </a:ext>
+            </a:extLst>
+          </p:cNvPr>
+          <p:cNvCxnSpPr>
+            <a:cxnSpLocks/>
+          </p:cNvCxnSpPr>
+          <p:nvPr/>
+        </p:nvCxnSpPr>
+        <p:spPr>
+          <a:xfrm flipV="1">
+            <a:off x="7203257" y="985054"/>
+            <a:ext cx="314964" cy="690697"/>
+          </a:xfrm>
+          <a:prstGeom prst="line">
+            <a:avLst/>
+          </a:prstGeom>
+          <a:ln w="28575"/>
+        </p:spPr>
+        <p:style>
+          <a:lnRef idx="1">
+            <a:schemeClr val="accent1"/>
+          </a:lnRef>
+          <a:fillRef idx="0">
+            <a:schemeClr val="accent1"/>
+          </a:fillRef>
+          <a:effectRef idx="0">
+            <a:schemeClr val="accent1"/>
+          </a:effectRef>
+          <a:fontRef idx="minor">
+            <a:schemeClr val="tx1"/>
+          </a:fontRef>
+        </p:style>
+      </p:cxnSp>
+      <p:cxnSp>
+        <p:nvCxnSpPr>
+          <p:cNvPr id="142" name="Straight Connector 141">
+            <a:extLst>
+              <a:ext uri="{FF2B5EF4-FFF2-40B4-BE49-F238E27FC236}">
+                <a16:creationId xmlns:a16="http://schemas.microsoft.com/office/drawing/2014/main" id="{ADC07616-0F83-464E-9BBF-B65E20066744}"/>
+              </a:ext>
+            </a:extLst>
+          </p:cNvPr>
+          <p:cNvCxnSpPr>
+            <a:cxnSpLocks/>
+          </p:cNvCxnSpPr>
+          <p:nvPr/>
+        </p:nvCxnSpPr>
+        <p:spPr>
+          <a:xfrm flipV="1">
+            <a:off x="9059161" y="958377"/>
+            <a:ext cx="314964" cy="690697"/>
+          </a:xfrm>
+          <a:prstGeom prst="line">
+            <a:avLst/>
+          </a:prstGeom>
+          <a:ln w="28575"/>
+        </p:spPr>
+        <p:style>
+          <a:lnRef idx="1">
+            <a:schemeClr val="accent1"/>
+          </a:lnRef>
+          <a:fillRef idx="0">
+            <a:schemeClr val="accent1"/>
+          </a:fillRef>
+          <a:effectRef idx="0">
+            <a:schemeClr val="accent1"/>
+          </a:effectRef>
+          <a:fontRef idx="minor">
+            <a:schemeClr val="tx1"/>
+          </a:fontRef>
+        </p:style>
+      </p:cxnSp>
+      <p:cxnSp>
+        <p:nvCxnSpPr>
+          <p:cNvPr id="143" name="Straight Connector 142">
+            <a:extLst>
+              <a:ext uri="{FF2B5EF4-FFF2-40B4-BE49-F238E27FC236}">
+                <a16:creationId xmlns:a16="http://schemas.microsoft.com/office/drawing/2014/main" id="{009889CF-E9A9-4FC0-89B6-D7375037DB62}"/>
+              </a:ext>
+            </a:extLst>
+          </p:cNvPr>
+          <p:cNvCxnSpPr>
+            <a:cxnSpLocks/>
+          </p:cNvCxnSpPr>
+          <p:nvPr/>
+        </p:nvCxnSpPr>
+        <p:spPr>
+          <a:xfrm flipH="1">
+            <a:off x="9051954" y="1638046"/>
+            <a:ext cx="14414" cy="1528679"/>
+          </a:xfrm>
+          <a:prstGeom prst="line">
+            <a:avLst/>
+          </a:prstGeom>
+          <a:ln w="28575"/>
+        </p:spPr>
+        <p:style>
+          <a:lnRef idx="1">
+            <a:schemeClr val="accent1"/>
+          </a:lnRef>
+          <a:fillRef idx="0">
+            <a:schemeClr val="accent1"/>
+          </a:fillRef>
+          <a:effectRef idx="0">
+            <a:schemeClr val="accent1"/>
+          </a:effectRef>
+          <a:fontRef idx="minor">
+            <a:schemeClr val="tx1"/>
+          </a:fontRef>
+        </p:style>
+      </p:cxnSp>
+      <p:cxnSp>
+        <p:nvCxnSpPr>
+          <p:cNvPr id="144" name="Straight Connector 143">
+            <a:extLst>
+              <a:ext uri="{FF2B5EF4-FFF2-40B4-BE49-F238E27FC236}">
+                <a16:creationId xmlns:a16="http://schemas.microsoft.com/office/drawing/2014/main" id="{B8CD1673-4583-4431-8B5D-A7BA66B6B243}"/>
+              </a:ext>
+            </a:extLst>
+          </p:cNvPr>
+          <p:cNvCxnSpPr>
+            <a:cxnSpLocks/>
+          </p:cNvCxnSpPr>
+          <p:nvPr/>
+        </p:nvCxnSpPr>
+        <p:spPr>
+          <a:xfrm>
+            <a:off x="9041257" y="3164843"/>
+            <a:ext cx="1511568" cy="0"/>
+          </a:xfrm>
+          <a:prstGeom prst="line">
+            <a:avLst/>
+          </a:prstGeom>
+          <a:ln w="28575"/>
+        </p:spPr>
+        <p:style>
+          <a:lnRef idx="1">
+            <a:schemeClr val="accent1"/>
+          </a:lnRef>
+          <a:fillRef idx="0">
+            <a:schemeClr val="accent1"/>
+          </a:fillRef>
+          <a:effectRef idx="0">
+            <a:schemeClr val="accent1"/>
+          </a:effectRef>
+          <a:fontRef idx="minor">
+            <a:schemeClr val="tx1"/>
+          </a:fontRef>
+        </p:style>
+      </p:cxnSp>
+      <p:cxnSp>
+        <p:nvCxnSpPr>
+          <p:cNvPr id="145" name="Straight Connector 144">
+            <a:extLst>
+              <a:ext uri="{FF2B5EF4-FFF2-40B4-BE49-F238E27FC236}">
+                <a16:creationId xmlns:a16="http://schemas.microsoft.com/office/drawing/2014/main" id="{AB55F913-9677-496C-8039-92807D164AD2}"/>
+              </a:ext>
+            </a:extLst>
+          </p:cNvPr>
+          <p:cNvCxnSpPr>
+            <a:cxnSpLocks/>
+          </p:cNvCxnSpPr>
+          <p:nvPr/>
+        </p:nvCxnSpPr>
+        <p:spPr>
+          <a:xfrm flipH="1">
+            <a:off x="10544011" y="1702749"/>
+            <a:ext cx="12252" cy="1478979"/>
+          </a:xfrm>
+          <a:prstGeom prst="line">
+            <a:avLst/>
+          </a:prstGeom>
+          <a:ln w="28575"/>
+        </p:spPr>
+        <p:style>
+          <a:lnRef idx="1">
+            <a:schemeClr val="accent1"/>
+          </a:lnRef>
+          <a:fillRef idx="0">
+            <a:schemeClr val="accent1"/>
+          </a:fillRef>
+          <a:effectRef idx="0">
+            <a:schemeClr val="accent1"/>
+          </a:effectRef>
+          <a:fontRef idx="minor">
+            <a:schemeClr val="tx1"/>
+          </a:fontRef>
+        </p:style>
+      </p:cxnSp>
+      <p:cxnSp>
+        <p:nvCxnSpPr>
+          <p:cNvPr id="146" name="Straight Connector 145">
+            <a:extLst>
+              <a:ext uri="{FF2B5EF4-FFF2-40B4-BE49-F238E27FC236}">
+                <a16:creationId xmlns:a16="http://schemas.microsoft.com/office/drawing/2014/main" id="{EEF30E03-B896-4F86-B309-F1E93DA5E222}"/>
+              </a:ext>
+            </a:extLst>
+          </p:cNvPr>
+          <p:cNvCxnSpPr>
+            <a:cxnSpLocks/>
+          </p:cNvCxnSpPr>
+          <p:nvPr/>
+        </p:nvCxnSpPr>
+        <p:spPr>
+          <a:xfrm>
+            <a:off x="10177833" y="967366"/>
+            <a:ext cx="375189" cy="745248"/>
+          </a:xfrm>
+          <a:prstGeom prst="line">
+            <a:avLst/>
+          </a:prstGeom>
+          <a:ln w="28575"/>
+        </p:spPr>
+        <p:style>
+          <a:lnRef idx="1">
+            <a:schemeClr val="accent1"/>
+          </a:lnRef>
+          <a:fillRef idx="0">
+            <a:schemeClr val="accent1"/>
+          </a:fillRef>
+          <a:effectRef idx="0">
+            <a:schemeClr val="accent1"/>
+          </a:effectRef>
+          <a:fontRef idx="minor">
+            <a:schemeClr val="tx1"/>
+          </a:fontRef>
+        </p:style>
+      </p:cxnSp>
+      <p:cxnSp>
+        <p:nvCxnSpPr>
+          <p:cNvPr id="147" name="Straight Connector 146">
+            <a:extLst>
+              <a:ext uri="{FF2B5EF4-FFF2-40B4-BE49-F238E27FC236}">
+                <a16:creationId xmlns:a16="http://schemas.microsoft.com/office/drawing/2014/main" id="{7B09AC87-DA0A-4BE7-8E39-2BB7392AB42F}"/>
+              </a:ext>
+            </a:extLst>
+          </p:cNvPr>
+          <p:cNvCxnSpPr>
+            <a:cxnSpLocks/>
+          </p:cNvCxnSpPr>
+          <p:nvPr/>
+        </p:nvCxnSpPr>
+        <p:spPr>
+          <a:xfrm>
+            <a:off x="7262581" y="3887936"/>
+            <a:ext cx="1511568" cy="0"/>
+          </a:xfrm>
+          <a:prstGeom prst="line">
+            <a:avLst/>
+          </a:prstGeom>
+          <a:ln w="28575"/>
+        </p:spPr>
+        <p:style>
+          <a:lnRef idx="1">
+            <a:schemeClr val="accent1"/>
+          </a:lnRef>
+          <a:fillRef idx="0">
+            <a:schemeClr val="accent1"/>
+          </a:fillRef>
+          <a:effectRef idx="0">
+            <a:schemeClr val="accent1"/>
+          </a:effectRef>
+          <a:fontRef idx="minor">
+            <a:schemeClr val="tx1"/>
+          </a:fontRef>
+        </p:style>
+      </p:cxnSp>
+      <p:cxnSp>
+        <p:nvCxnSpPr>
+          <p:cNvPr id="148" name="Straight Connector 147">
+            <a:extLst>
+              <a:ext uri="{FF2B5EF4-FFF2-40B4-BE49-F238E27FC236}">
+                <a16:creationId xmlns:a16="http://schemas.microsoft.com/office/drawing/2014/main" id="{E2BCBD6E-B105-4E93-9E80-DAC828BF50C4}"/>
+              </a:ext>
+            </a:extLst>
+          </p:cNvPr>
+          <p:cNvCxnSpPr>
+            <a:cxnSpLocks/>
+          </p:cNvCxnSpPr>
+          <p:nvPr/>
+        </p:nvCxnSpPr>
+        <p:spPr>
+          <a:xfrm>
+            <a:off x="9105871" y="3876507"/>
+            <a:ext cx="1511568" cy="0"/>
+          </a:xfrm>
+          <a:prstGeom prst="line">
+            <a:avLst/>
+          </a:prstGeom>
+          <a:ln w="28575"/>
+        </p:spPr>
+        <p:style>
+          <a:lnRef idx="1">
+            <a:schemeClr val="accent1"/>
+          </a:lnRef>
+          <a:fillRef idx="0">
+            <a:schemeClr val="accent1"/>
+          </a:fillRef>
+          <a:effectRef idx="0">
+            <a:schemeClr val="accent1"/>
+          </a:effectRef>
+          <a:fontRef idx="minor">
+            <a:schemeClr val="tx1"/>
+          </a:fontRef>
+        </p:style>
+      </p:cxnSp>
+      <p:cxnSp>
+        <p:nvCxnSpPr>
+          <p:cNvPr id="149" name="Straight Connector 148">
+            <a:extLst>
+              <a:ext uri="{FF2B5EF4-FFF2-40B4-BE49-F238E27FC236}">
+                <a16:creationId xmlns:a16="http://schemas.microsoft.com/office/drawing/2014/main" id="{2F6BECC6-234B-4D16-A118-BBDFE1C2B884}"/>
+              </a:ext>
+            </a:extLst>
+          </p:cNvPr>
+          <p:cNvCxnSpPr>
+            <a:cxnSpLocks/>
+          </p:cNvCxnSpPr>
+          <p:nvPr/>
+        </p:nvCxnSpPr>
+        <p:spPr>
+          <a:xfrm flipH="1">
+            <a:off x="7271422" y="3873582"/>
+            <a:ext cx="7828" cy="1505795"/>
+          </a:xfrm>
+          <a:prstGeom prst="line">
+            <a:avLst/>
+          </a:prstGeom>
+          <a:ln w="28575"/>
+        </p:spPr>
+        <p:style>
+          <a:lnRef idx="1">
+            <a:schemeClr val="accent1"/>
+          </a:lnRef>
+          <a:fillRef idx="0">
+            <a:schemeClr val="accent1"/>
+          </a:fillRef>
+          <a:effectRef idx="0">
+            <a:schemeClr val="accent1"/>
+          </a:effectRef>
+          <a:fontRef idx="minor">
+            <a:schemeClr val="tx1"/>
+          </a:fontRef>
+        </p:style>
+      </p:cxnSp>
+      <p:cxnSp>
+        <p:nvCxnSpPr>
+          <p:cNvPr id="150" name="Straight Connector 149">
+            <a:extLst>
+              <a:ext uri="{FF2B5EF4-FFF2-40B4-BE49-F238E27FC236}">
+                <a16:creationId xmlns:a16="http://schemas.microsoft.com/office/drawing/2014/main" id="{C326FC85-00ED-4D3D-B1B0-3463F68A1D1D}"/>
+              </a:ext>
+            </a:extLst>
+          </p:cNvPr>
+          <p:cNvCxnSpPr>
+            <a:cxnSpLocks/>
+          </p:cNvCxnSpPr>
+          <p:nvPr/>
+        </p:nvCxnSpPr>
+        <p:spPr>
+          <a:xfrm>
+            <a:off x="9113508" y="3883152"/>
+            <a:ext cx="30313" cy="1424044"/>
+          </a:xfrm>
+          <a:prstGeom prst="line">
+            <a:avLst/>
+          </a:prstGeom>
+          <a:ln w="28575"/>
+        </p:spPr>
+        <p:style>
+          <a:lnRef idx="1">
+            <a:schemeClr val="accent1"/>
+          </a:lnRef>
+          <a:fillRef idx="0">
+            <a:schemeClr val="accent1"/>
+          </a:fillRef>
+          <a:effectRef idx="0">
+            <a:schemeClr val="accent1"/>
+          </a:effectRef>
+          <a:fontRef idx="minor">
+            <a:schemeClr val="tx1"/>
+          </a:fontRef>
+        </p:style>
+      </p:cxnSp>
+      <p:cxnSp>
+        <p:nvCxnSpPr>
+          <p:cNvPr id="154" name="Straight Connector 153">
+            <a:extLst>
+              <a:ext uri="{FF2B5EF4-FFF2-40B4-BE49-F238E27FC236}">
+                <a16:creationId xmlns:a16="http://schemas.microsoft.com/office/drawing/2014/main" id="{884754E5-130C-4CBF-9896-7DEB0F50C1EA}"/>
+              </a:ext>
+            </a:extLst>
+          </p:cNvPr>
+          <p:cNvCxnSpPr/>
+          <p:nvPr/>
+        </p:nvCxnSpPr>
+        <p:spPr>
+          <a:xfrm>
+            <a:off x="7262121" y="5349151"/>
+            <a:ext cx="376914" cy="748261"/>
+          </a:xfrm>
+          <a:prstGeom prst="line">
+            <a:avLst/>
+          </a:prstGeom>
+          <a:ln w="28575"/>
+        </p:spPr>
+        <p:style>
+          <a:lnRef idx="1">
+            <a:schemeClr val="accent1"/>
+          </a:lnRef>
+          <a:fillRef idx="0">
+            <a:schemeClr val="accent1"/>
+          </a:fillRef>
+          <a:effectRef idx="0">
+            <a:schemeClr val="accent1"/>
+          </a:effectRef>
+          <a:fontRef idx="minor">
+            <a:schemeClr val="tx1"/>
+          </a:fontRef>
+        </p:style>
+      </p:cxnSp>
+      <p:cxnSp>
+        <p:nvCxnSpPr>
+          <p:cNvPr id="156" name="Straight Connector 155">
+            <a:extLst>
+              <a:ext uri="{FF2B5EF4-FFF2-40B4-BE49-F238E27FC236}">
+                <a16:creationId xmlns:a16="http://schemas.microsoft.com/office/drawing/2014/main" id="{6A6F4E21-506D-45CB-96B1-62ADE2DC3EC9}"/>
+              </a:ext>
+            </a:extLst>
+          </p:cNvPr>
+          <p:cNvCxnSpPr/>
+          <p:nvPr/>
+        </p:nvCxnSpPr>
+        <p:spPr>
+          <a:xfrm flipH="1">
+            <a:off x="8462026" y="5379377"/>
+            <a:ext cx="305442" cy="696492"/>
+          </a:xfrm>
+          <a:prstGeom prst="line">
+            <a:avLst/>
+          </a:prstGeom>
+          <a:ln w="28575"/>
+        </p:spPr>
+        <p:style>
+          <a:lnRef idx="1">
+            <a:schemeClr val="accent1"/>
+          </a:lnRef>
+          <a:fillRef idx="0">
+            <a:schemeClr val="accent1"/>
+          </a:fillRef>
+          <a:effectRef idx="0">
+            <a:schemeClr val="accent1"/>
+          </a:effectRef>
+          <a:fontRef idx="minor">
+            <a:schemeClr val="tx1"/>
+          </a:fontRef>
+        </p:style>
+      </p:cxnSp>
+      <p:cxnSp>
+        <p:nvCxnSpPr>
+          <p:cNvPr id="157" name="Straight Connector 156">
+            <a:extLst>
+              <a:ext uri="{FF2B5EF4-FFF2-40B4-BE49-F238E27FC236}">
+                <a16:creationId xmlns:a16="http://schemas.microsoft.com/office/drawing/2014/main" id="{B847702C-F17F-4E6A-BC47-7E094A99B307}"/>
+              </a:ext>
+            </a:extLst>
+          </p:cNvPr>
+          <p:cNvCxnSpPr>
+            <a:cxnSpLocks/>
+          </p:cNvCxnSpPr>
+          <p:nvPr/>
+        </p:nvCxnSpPr>
+        <p:spPr>
+          <a:xfrm>
+            <a:off x="8765932" y="3880686"/>
+            <a:ext cx="0" cy="1509248"/>
+          </a:xfrm>
+          <a:prstGeom prst="line">
+            <a:avLst/>
+          </a:prstGeom>
+          <a:ln w="28575"/>
+        </p:spPr>
+        <p:style>
+          <a:lnRef idx="1">
+            <a:schemeClr val="accent1"/>
+          </a:lnRef>
+          <a:fillRef idx="0">
+            <a:schemeClr val="accent1"/>
+          </a:fillRef>
+          <a:effectRef idx="0">
+            <a:schemeClr val="accent1"/>
+          </a:effectRef>
+          <a:fontRef idx="minor">
+            <a:schemeClr val="tx1"/>
+          </a:fontRef>
+        </p:style>
+      </p:cxnSp>
+      <p:cxnSp>
+        <p:nvCxnSpPr>
+          <p:cNvPr id="160" name="Straight Connector 159">
+            <a:extLst>
+              <a:ext uri="{FF2B5EF4-FFF2-40B4-BE49-F238E27FC236}">
+                <a16:creationId xmlns:a16="http://schemas.microsoft.com/office/drawing/2014/main" id="{BFBFC441-19D8-42C4-AC4C-6DF76E53F00C}"/>
+              </a:ext>
+            </a:extLst>
+          </p:cNvPr>
+          <p:cNvCxnSpPr/>
+          <p:nvPr/>
+        </p:nvCxnSpPr>
+        <p:spPr>
+          <a:xfrm>
+            <a:off x="9149191" y="5307196"/>
+            <a:ext cx="376192" cy="728332"/>
+          </a:xfrm>
+          <a:prstGeom prst="line">
+            <a:avLst/>
+          </a:prstGeom>
+          <a:ln w="28575"/>
+        </p:spPr>
+        <p:style>
+          <a:lnRef idx="1">
+            <a:schemeClr val="accent1"/>
+          </a:lnRef>
+          <a:fillRef idx="0">
+            <a:schemeClr val="accent1"/>
+          </a:fillRef>
+          <a:effectRef idx="0">
+            <a:schemeClr val="accent1"/>
+          </a:effectRef>
+          <a:fontRef idx="minor">
+            <a:schemeClr val="tx1"/>
+          </a:fontRef>
+        </p:style>
+      </p:cxnSp>
+      <p:cxnSp>
+        <p:nvCxnSpPr>
+          <p:cNvPr id="162" name="Straight Connector 161">
+            <a:extLst>
+              <a:ext uri="{FF2B5EF4-FFF2-40B4-BE49-F238E27FC236}">
+                <a16:creationId xmlns:a16="http://schemas.microsoft.com/office/drawing/2014/main" id="{F9BE409A-4406-4222-9FFD-17653D03129C}"/>
+              </a:ext>
+            </a:extLst>
+          </p:cNvPr>
+          <p:cNvCxnSpPr/>
+          <p:nvPr/>
+        </p:nvCxnSpPr>
+        <p:spPr>
+          <a:xfrm flipH="1">
+            <a:off x="10312898" y="5323359"/>
+            <a:ext cx="319701" cy="710225"/>
+          </a:xfrm>
+          <a:prstGeom prst="line">
+            <a:avLst/>
+          </a:prstGeom>
+          <a:ln w="28575"/>
+        </p:spPr>
+        <p:style>
+          <a:lnRef idx="1">
+            <a:schemeClr val="accent1"/>
+          </a:lnRef>
+          <a:fillRef idx="0">
+            <a:schemeClr val="accent1"/>
+          </a:fillRef>
+          <a:effectRef idx="0">
+            <a:schemeClr val="accent1"/>
+          </a:effectRef>
+          <a:fontRef idx="minor">
+            <a:schemeClr val="tx1"/>
+          </a:fontRef>
+        </p:style>
+      </p:cxnSp>
+      <p:cxnSp>
+        <p:nvCxnSpPr>
+          <p:cNvPr id="163" name="Straight Connector 162">
+            <a:extLst>
+              <a:ext uri="{FF2B5EF4-FFF2-40B4-BE49-F238E27FC236}">
+                <a16:creationId xmlns:a16="http://schemas.microsoft.com/office/drawing/2014/main" id="{3C34D823-D30B-4F9C-9F80-4072B6DDC52B}"/>
+              </a:ext>
+            </a:extLst>
+          </p:cNvPr>
+          <p:cNvCxnSpPr>
+            <a:cxnSpLocks/>
+          </p:cNvCxnSpPr>
+          <p:nvPr/>
+        </p:nvCxnSpPr>
+        <p:spPr>
+          <a:xfrm flipH="1">
+            <a:off x="10620347" y="3856063"/>
+            <a:ext cx="12252" cy="1478979"/>
+          </a:xfrm>
+          <a:prstGeom prst="line">
+            <a:avLst/>
+          </a:prstGeom>
+          <a:ln w="28575"/>
+        </p:spPr>
+        <p:style>
+          <a:lnRef idx="1">
+            <a:schemeClr val="accent1"/>
+          </a:lnRef>
+          <a:fillRef idx="0">
+            <a:schemeClr val="accent1"/>
+          </a:fillRef>
+          <a:effectRef idx="0">
+            <a:schemeClr val="accent1"/>
+          </a:effectRef>
+          <a:fontRef idx="minor">
+            <a:schemeClr val="tx1"/>
+          </a:fontRef>
+        </p:style>
+      </p:cxnSp>
+    </p:spTree>
+    <p:extLst>
+      <p:ext uri="{BB962C8B-B14F-4D97-AF65-F5344CB8AC3E}">
+        <p14:creationId xmlns:p14="http://schemas.microsoft.com/office/powerpoint/2010/main" val="4263777165"/>
       </p:ext>
     </p:extLst>
   </p:cSld>
